--- a/Semana1/3. Programming Logic/Newbies - Clase 3_ Algoritmos.pptx
+++ b/Semana1/3. Programming Logic/Newbies - Clase 3_ Algoritmos.pptx
@@ -1,6 +1,6 @@
 
 <file path=ppt/presentation.xml><?xml version="1.0" encoding="utf-8"?>
-<p:presentation xmlns:a="http://schemas.openxmlformats.org/drawingml/2006/main" xmlns:r="http://schemas.openxmlformats.org/officeDocument/2006/relationships" xmlns:mc="http://schemas.openxmlformats.org/markup-compatibility/2006" xmlns:mv="urn:schemas-microsoft-com:mac:vml" xmlns:p="http://schemas.openxmlformats.org/presentationml/2006/main" xmlns:c="http://schemas.openxmlformats.org/drawingml/2006/chart" xmlns:dgm="http://schemas.openxmlformats.org/drawingml/2006/diagram" xmlns:o="urn:schemas-microsoft-com:office:office" xmlns:v="urn:schemas-microsoft-com:vml" xmlns:pvml="urn:schemas-microsoft-com:office:powerpoint" xmlns:com="http://schemas.openxmlformats.org/drawingml/2006/compatibility" xmlns:p14="http://schemas.microsoft.com/office/powerpoint/2010/main" autoCompressPictures="0" strictFirstAndLastChars="0" saveSubsetFonts="1">
+<p:presentation xmlns:a="http://schemas.openxmlformats.org/drawingml/2006/main" xmlns:r="http://schemas.openxmlformats.org/officeDocument/2006/relationships" xmlns:mc="http://schemas.openxmlformats.org/markup-compatibility/2006" xmlns:mv="urn:schemas-microsoft-com:mac:vml" xmlns:p="http://schemas.openxmlformats.org/presentationml/2006/main" xmlns:c="http://schemas.openxmlformats.org/drawingml/2006/chart" xmlns:dgm="http://schemas.openxmlformats.org/drawingml/2006/diagram" xmlns:o="urn:schemas-microsoft-com:office:office" xmlns:v="urn:schemas-microsoft-com:vml" xmlns:pvml="urn:schemas-microsoft-com:office:powerpoint" xmlns:com="http://schemas.openxmlformats.org/drawingml/2006/compatibility" xmlns:p14="http://schemas.microsoft.com/office/powerpoint/2010/main" xmlns:p15="http://schemas.microsoft.com/office/powerpoint/2012/main" autoCompressPictures="0" strictFirstAndLastChars="0" saveSubsetFonts="1">
   <p:sldMasterIdLst>
     <p:sldMasterId id="2147483654" r:id="rId3"/>
   </p:sldMasterIdLst>
@@ -31,6 +31,7 @@
     <p:sldId id="276" r:id="rId25"/>
     <p:sldId id="277" r:id="rId26"/>
     <p:sldId id="278" r:id="rId27"/>
+    <p:sldId id="279" r:id="rId28"/>
   </p:sldIdLst>
   <p:sldSz cy="6858000" cx="9144000"/>
   <p:notesSz cx="6858000" cy="9144000"/>
@@ -240,7 +241,7 @@
 </file>
 
 <file path=ppt/notesMasters/notesMaster1.xml><?xml version="1.0" encoding="utf-8"?>
-<p:notesMaster xmlns:a="http://schemas.openxmlformats.org/drawingml/2006/main" xmlns:r="http://schemas.openxmlformats.org/officeDocument/2006/relationships" xmlns:mc="http://schemas.openxmlformats.org/markup-compatibility/2006" xmlns:mv="urn:schemas-microsoft-com:mac:vml" xmlns:p="http://schemas.openxmlformats.org/presentationml/2006/main" xmlns:c="http://schemas.openxmlformats.org/drawingml/2006/chart" xmlns:dgm="http://schemas.openxmlformats.org/drawingml/2006/diagram" xmlns:o="urn:schemas-microsoft-com:office:office" xmlns:v="urn:schemas-microsoft-com:vml" xmlns:pvml="urn:schemas-microsoft-com:office:powerpoint" xmlns:com="http://schemas.openxmlformats.org/drawingml/2006/compatibility" xmlns:p14="http://schemas.microsoft.com/office/powerpoint/2010/main">
+<p:notesMaster xmlns:a="http://schemas.openxmlformats.org/drawingml/2006/main" xmlns:r="http://schemas.openxmlformats.org/officeDocument/2006/relationships" xmlns:mc="http://schemas.openxmlformats.org/markup-compatibility/2006" xmlns:mv="urn:schemas-microsoft-com:mac:vml" xmlns:p="http://schemas.openxmlformats.org/presentationml/2006/main" xmlns:c="http://schemas.openxmlformats.org/drawingml/2006/chart" xmlns:dgm="http://schemas.openxmlformats.org/drawingml/2006/diagram" xmlns:o="urn:schemas-microsoft-com:office:office" xmlns:v="urn:schemas-microsoft-com:vml" xmlns:pvml="urn:schemas-microsoft-com:office:powerpoint" xmlns:com="http://schemas.openxmlformats.org/drawingml/2006/compatibility" xmlns:p14="http://schemas.microsoft.com/office/powerpoint/2010/main" xmlns:p15="http://schemas.microsoft.com/office/powerpoint/2012/main">
   <p:cSld>
     <p:spTree>
       <p:nvGrpSpPr>
@@ -311,7 +312,7 @@
         <p:spPr>
           <a:xfrm>
             <a:off x="685800" y="4343400"/>
-            <a:ext cx="5486399" cy="4114800"/>
+            <a:ext cx="5486400" cy="4114800"/>
           </a:xfrm>
           <a:prstGeom prst="rect">
             <a:avLst/>
@@ -322,60 +323,69 @@
           </a:ln>
         </p:spPr>
         <p:txBody>
-          <a:bodyPr anchorCtr="0" anchor="t" bIns="91425" lIns="91425" rIns="91425" tIns="91425"/>
+          <a:bodyPr anchorCtr="0" anchor="t" bIns="91425" lIns="91425" rIns="91425" wrap="square" tIns="91425"/>
           <a:lstStyle>
             <a:lvl1pPr lvl="0">
               <a:spcBef>
                 <a:spcPts val="0"/>
               </a:spcBef>
+              <a:buChar char="●"/>
               <a:defRPr sz="1100"/>
             </a:lvl1pPr>
             <a:lvl2pPr lvl="1">
               <a:spcBef>
                 <a:spcPts val="0"/>
               </a:spcBef>
+              <a:buChar char="○"/>
               <a:defRPr sz="1100"/>
             </a:lvl2pPr>
             <a:lvl3pPr lvl="2">
               <a:spcBef>
                 <a:spcPts val="0"/>
               </a:spcBef>
+              <a:buChar char="■"/>
               <a:defRPr sz="1100"/>
             </a:lvl3pPr>
             <a:lvl4pPr lvl="3">
               <a:spcBef>
                 <a:spcPts val="0"/>
               </a:spcBef>
+              <a:buChar char="●"/>
               <a:defRPr sz="1100"/>
             </a:lvl4pPr>
             <a:lvl5pPr lvl="4">
               <a:spcBef>
                 <a:spcPts val="0"/>
               </a:spcBef>
+              <a:buChar char="○"/>
               <a:defRPr sz="1100"/>
             </a:lvl5pPr>
             <a:lvl6pPr lvl="5">
               <a:spcBef>
                 <a:spcPts val="0"/>
               </a:spcBef>
+              <a:buChar char="■"/>
               <a:defRPr sz="1100"/>
             </a:lvl6pPr>
             <a:lvl7pPr lvl="6">
               <a:spcBef>
                 <a:spcPts val="0"/>
               </a:spcBef>
+              <a:buChar char="●"/>
               <a:defRPr sz="1100"/>
             </a:lvl7pPr>
             <a:lvl8pPr lvl="7">
               <a:spcBef>
                 <a:spcPts val="0"/>
               </a:spcBef>
+              <a:buChar char="○"/>
               <a:defRPr sz="1100"/>
             </a:lvl8pPr>
             <a:lvl9pPr lvl="8">
               <a:spcBef>
                 <a:spcPts val="0"/>
               </a:spcBef>
+              <a:buChar char="■"/>
               <a:defRPr sz="1100"/>
             </a:lvl9pPr>
           </a:lstStyle>
@@ -389,7 +399,7 @@
 </file>
 
 <file path=ppt/notesSlides/notesSlide1.xml><?xml version="1.0" encoding="utf-8"?>
-<p:notes xmlns:a="http://schemas.openxmlformats.org/drawingml/2006/main" xmlns:r="http://schemas.openxmlformats.org/officeDocument/2006/relationships" xmlns:mc="http://schemas.openxmlformats.org/markup-compatibility/2006" xmlns:mv="urn:schemas-microsoft-com:mac:vml" xmlns:p="http://schemas.openxmlformats.org/presentationml/2006/main" xmlns:c="http://schemas.openxmlformats.org/drawingml/2006/chart" xmlns:dgm="http://schemas.openxmlformats.org/drawingml/2006/diagram" xmlns:o="urn:schemas-microsoft-com:office:office" xmlns:v="urn:schemas-microsoft-com:vml" xmlns:pvml="urn:schemas-microsoft-com:office:powerpoint" xmlns:com="http://schemas.openxmlformats.org/drawingml/2006/compatibility" xmlns:p14="http://schemas.microsoft.com/office/powerpoint/2010/main" showMasterPhAnim="0" showMasterSp="0">
+<p:notes xmlns:a="http://schemas.openxmlformats.org/drawingml/2006/main" xmlns:r="http://schemas.openxmlformats.org/officeDocument/2006/relationships" xmlns:mc="http://schemas.openxmlformats.org/markup-compatibility/2006" xmlns:mv="urn:schemas-microsoft-com:mac:vml" xmlns:p="http://schemas.openxmlformats.org/presentationml/2006/main" xmlns:c="http://schemas.openxmlformats.org/drawingml/2006/chart" xmlns:dgm="http://schemas.openxmlformats.org/drawingml/2006/diagram" xmlns:o="urn:schemas-microsoft-com:office:office" xmlns:v="urn:schemas-microsoft-com:vml" xmlns:pvml="urn:schemas-microsoft-com:office:powerpoint" xmlns:com="http://schemas.openxmlformats.org/drawingml/2006/compatibility" xmlns:p14="http://schemas.microsoft.com/office/powerpoint/2010/main" xmlns:p15="http://schemas.microsoft.com/office/powerpoint/2012/main" showMasterPhAnim="0" showMasterSp="0">
   <p:cSld>
     <p:spTree>
       <p:nvGrpSpPr>
@@ -450,14 +460,14 @@
         <p:spPr>
           <a:xfrm>
             <a:off x="685800" y="4343400"/>
-            <a:ext cx="5486399" cy="4114800"/>
-          </a:xfrm>
-          <a:prstGeom prst="rect">
-            <a:avLst/>
-          </a:prstGeom>
-        </p:spPr>
-        <p:txBody>
-          <a:bodyPr anchorCtr="0" anchor="t" bIns="91425" lIns="91425" rIns="91425" tIns="91425">
+            <a:ext cx="5486400" cy="4114800"/>
+          </a:xfrm>
+          <a:prstGeom prst="rect">
+            <a:avLst/>
+          </a:prstGeom>
+        </p:spPr>
+        <p:txBody>
+          <a:bodyPr anchorCtr="0" anchor="t" bIns="91425" lIns="91425" rIns="91425" wrap="square" tIns="91425">
             <a:noAutofit/>
           </a:bodyPr>
           <a:lstStyle/>
@@ -484,11 +494,11 @@
 </file>
 
 <file path=ppt/notesSlides/notesSlide10.xml><?xml version="1.0" encoding="utf-8"?>
-<p:notes xmlns:a="http://schemas.openxmlformats.org/drawingml/2006/main" xmlns:r="http://schemas.openxmlformats.org/officeDocument/2006/relationships" xmlns:mc="http://schemas.openxmlformats.org/markup-compatibility/2006" xmlns:mv="urn:schemas-microsoft-com:mac:vml" xmlns:p="http://schemas.openxmlformats.org/presentationml/2006/main" xmlns:c="http://schemas.openxmlformats.org/drawingml/2006/chart" xmlns:dgm="http://schemas.openxmlformats.org/drawingml/2006/diagram" xmlns:o="urn:schemas-microsoft-com:office:office" xmlns:v="urn:schemas-microsoft-com:vml" xmlns:pvml="urn:schemas-microsoft-com:office:powerpoint" xmlns:com="http://schemas.openxmlformats.org/drawingml/2006/compatibility" xmlns:p14="http://schemas.microsoft.com/office/powerpoint/2010/main" showMasterPhAnim="0" showMasterSp="0">
+<p:notes xmlns:a="http://schemas.openxmlformats.org/drawingml/2006/main" xmlns:r="http://schemas.openxmlformats.org/officeDocument/2006/relationships" xmlns:mc="http://schemas.openxmlformats.org/markup-compatibility/2006" xmlns:mv="urn:schemas-microsoft-com:mac:vml" xmlns:p="http://schemas.openxmlformats.org/presentationml/2006/main" xmlns:c="http://schemas.openxmlformats.org/drawingml/2006/chart" xmlns:dgm="http://schemas.openxmlformats.org/drawingml/2006/diagram" xmlns:o="urn:schemas-microsoft-com:office:office" xmlns:v="urn:schemas-microsoft-com:vml" xmlns:pvml="urn:schemas-microsoft-com:office:powerpoint" xmlns:com="http://schemas.openxmlformats.org/drawingml/2006/compatibility" xmlns:p14="http://schemas.microsoft.com/office/powerpoint/2010/main" xmlns:p15="http://schemas.microsoft.com/office/powerpoint/2012/main" showMasterPhAnim="0" showMasterSp="0">
   <p:cSld>
     <p:spTree>
       <p:nvGrpSpPr>
-        <p:cNvPr id="102" name="Shape 102"/>
+        <p:cNvPr id="101" name="Shape 101"/>
         <p:cNvGrpSpPr/>
         <p:nvPr/>
       </p:nvGrpSpPr>
@@ -502,7 +512,7 @@
       </p:grpSpPr>
       <p:sp>
         <p:nvSpPr>
-          <p:cNvPr id="103" name="Shape 103"/>
+          <p:cNvPr id="102" name="Shape 102"/>
           <p:cNvSpPr/>
           <p:nvPr>
             <p:ph idx="2" type="sldImg"/>
@@ -536,7 +546,7 @@
       </p:sp>
       <p:sp>
         <p:nvSpPr>
-          <p:cNvPr id="104" name="Shape 104"/>
+          <p:cNvPr id="103" name="Shape 103"/>
           <p:cNvSpPr txBox="1"/>
           <p:nvPr>
             <p:ph idx="1" type="body"/>
@@ -552,7 +562,7 @@
           </a:prstGeom>
         </p:spPr>
         <p:txBody>
-          <a:bodyPr anchorCtr="0" anchor="t" bIns="91425" lIns="91425" rIns="91425" tIns="91425">
+          <a:bodyPr anchorCtr="0" anchor="t" bIns="91425" lIns="91425" rIns="91425" wrap="square" tIns="91425">
             <a:noAutofit/>
           </a:bodyPr>
           <a:lstStyle/>
@@ -579,11 +589,11 @@
 </file>
 
 <file path=ppt/notesSlides/notesSlide11.xml><?xml version="1.0" encoding="utf-8"?>
-<p:notes xmlns:a="http://schemas.openxmlformats.org/drawingml/2006/main" xmlns:r="http://schemas.openxmlformats.org/officeDocument/2006/relationships" xmlns:mc="http://schemas.openxmlformats.org/markup-compatibility/2006" xmlns:mv="urn:schemas-microsoft-com:mac:vml" xmlns:p="http://schemas.openxmlformats.org/presentationml/2006/main" xmlns:c="http://schemas.openxmlformats.org/drawingml/2006/chart" xmlns:dgm="http://schemas.openxmlformats.org/drawingml/2006/diagram" xmlns:o="urn:schemas-microsoft-com:office:office" xmlns:v="urn:schemas-microsoft-com:vml" xmlns:pvml="urn:schemas-microsoft-com:office:powerpoint" xmlns:com="http://schemas.openxmlformats.org/drawingml/2006/compatibility" xmlns:p14="http://schemas.microsoft.com/office/powerpoint/2010/main" showMasterPhAnim="0" showMasterSp="0">
+<p:notes xmlns:a="http://schemas.openxmlformats.org/drawingml/2006/main" xmlns:r="http://schemas.openxmlformats.org/officeDocument/2006/relationships" xmlns:mc="http://schemas.openxmlformats.org/markup-compatibility/2006" xmlns:mv="urn:schemas-microsoft-com:mac:vml" xmlns:p="http://schemas.openxmlformats.org/presentationml/2006/main" xmlns:c="http://schemas.openxmlformats.org/drawingml/2006/chart" xmlns:dgm="http://schemas.openxmlformats.org/drawingml/2006/diagram" xmlns:o="urn:schemas-microsoft-com:office:office" xmlns:v="urn:schemas-microsoft-com:vml" xmlns:pvml="urn:schemas-microsoft-com:office:powerpoint" xmlns:com="http://schemas.openxmlformats.org/drawingml/2006/compatibility" xmlns:p14="http://schemas.microsoft.com/office/powerpoint/2010/main" xmlns:p15="http://schemas.microsoft.com/office/powerpoint/2012/main" showMasterPhAnim="0" showMasterSp="0">
   <p:cSld>
     <p:spTree>
       <p:nvGrpSpPr>
-        <p:cNvPr id="108" name="Shape 108"/>
+        <p:cNvPr id="107" name="Shape 107"/>
         <p:cNvGrpSpPr/>
         <p:nvPr/>
       </p:nvGrpSpPr>
@@ -597,7 +607,7 @@
       </p:grpSpPr>
       <p:sp>
         <p:nvSpPr>
-          <p:cNvPr id="109" name="Shape 109"/>
+          <p:cNvPr id="108" name="Shape 108"/>
           <p:cNvSpPr/>
           <p:nvPr>
             <p:ph idx="2" type="sldImg"/>
@@ -631,7 +641,7 @@
       </p:sp>
       <p:sp>
         <p:nvSpPr>
-          <p:cNvPr id="110" name="Shape 110"/>
+          <p:cNvPr id="109" name="Shape 109"/>
           <p:cNvSpPr txBox="1"/>
           <p:nvPr>
             <p:ph idx="1" type="body"/>
@@ -647,12 +657,12 @@
           </a:prstGeom>
         </p:spPr>
         <p:txBody>
-          <a:bodyPr anchorCtr="0" anchor="t" bIns="91425" lIns="91425" rIns="91425" tIns="91425">
+          <a:bodyPr anchorCtr="0" anchor="t" bIns="91425" lIns="91425" rIns="91425" wrap="square" tIns="91425">
             <a:noAutofit/>
           </a:bodyPr>
           <a:lstStyle/>
           <a:p>
-            <a:pPr lvl="0">
+            <a:pPr lvl="0" rtl="0">
               <a:spcBef>
                 <a:spcPts val="0"/>
               </a:spcBef>
@@ -674,11 +684,11 @@
 </file>
 
 <file path=ppt/notesSlides/notesSlide12.xml><?xml version="1.0" encoding="utf-8"?>
-<p:notes xmlns:a="http://schemas.openxmlformats.org/drawingml/2006/main" xmlns:r="http://schemas.openxmlformats.org/officeDocument/2006/relationships" xmlns:mc="http://schemas.openxmlformats.org/markup-compatibility/2006" xmlns:mv="urn:schemas-microsoft-com:mac:vml" xmlns:p="http://schemas.openxmlformats.org/presentationml/2006/main" xmlns:c="http://schemas.openxmlformats.org/drawingml/2006/chart" xmlns:dgm="http://schemas.openxmlformats.org/drawingml/2006/diagram" xmlns:o="urn:schemas-microsoft-com:office:office" xmlns:v="urn:schemas-microsoft-com:vml" xmlns:pvml="urn:schemas-microsoft-com:office:powerpoint" xmlns:com="http://schemas.openxmlformats.org/drawingml/2006/compatibility" xmlns:p14="http://schemas.microsoft.com/office/powerpoint/2010/main" showMasterPhAnim="0" showMasterSp="0">
+<p:notes xmlns:a="http://schemas.openxmlformats.org/drawingml/2006/main" xmlns:r="http://schemas.openxmlformats.org/officeDocument/2006/relationships" xmlns:mc="http://schemas.openxmlformats.org/markup-compatibility/2006" xmlns:mv="urn:schemas-microsoft-com:mac:vml" xmlns:p="http://schemas.openxmlformats.org/presentationml/2006/main" xmlns:c="http://schemas.openxmlformats.org/drawingml/2006/chart" xmlns:dgm="http://schemas.openxmlformats.org/drawingml/2006/diagram" xmlns:o="urn:schemas-microsoft-com:office:office" xmlns:v="urn:schemas-microsoft-com:vml" xmlns:pvml="urn:schemas-microsoft-com:office:powerpoint" xmlns:com="http://schemas.openxmlformats.org/drawingml/2006/compatibility" xmlns:p14="http://schemas.microsoft.com/office/powerpoint/2010/main" xmlns:p15="http://schemas.microsoft.com/office/powerpoint/2012/main" showMasterPhAnim="0" showMasterSp="0">
   <p:cSld>
     <p:spTree>
       <p:nvGrpSpPr>
-        <p:cNvPr id="114" name="Shape 114"/>
+        <p:cNvPr id="113" name="Shape 113"/>
         <p:cNvGrpSpPr/>
         <p:nvPr/>
       </p:nvGrpSpPr>
@@ -692,7 +702,7 @@
       </p:grpSpPr>
       <p:sp>
         <p:nvSpPr>
-          <p:cNvPr id="115" name="Shape 115"/>
+          <p:cNvPr id="114" name="Shape 114"/>
           <p:cNvSpPr/>
           <p:nvPr>
             <p:ph idx="2" type="sldImg"/>
@@ -726,7 +736,7 @@
       </p:sp>
       <p:sp>
         <p:nvSpPr>
-          <p:cNvPr id="116" name="Shape 116"/>
+          <p:cNvPr id="115" name="Shape 115"/>
           <p:cNvSpPr txBox="1"/>
           <p:nvPr>
             <p:ph idx="1" type="body"/>
@@ -742,7 +752,7 @@
           </a:prstGeom>
         </p:spPr>
         <p:txBody>
-          <a:bodyPr anchorCtr="0" anchor="t" bIns="91425" lIns="91425" rIns="91425" tIns="91425">
+          <a:bodyPr anchorCtr="0" anchor="t" bIns="91425" lIns="91425" rIns="91425" wrap="square" tIns="91425">
             <a:noAutofit/>
           </a:bodyPr>
           <a:lstStyle/>
@@ -769,7 +779,7 @@
 </file>
 
 <file path=ppt/notesSlides/notesSlide13.xml><?xml version="1.0" encoding="utf-8"?>
-<p:notes xmlns:a="http://schemas.openxmlformats.org/drawingml/2006/main" xmlns:r="http://schemas.openxmlformats.org/officeDocument/2006/relationships" xmlns:mc="http://schemas.openxmlformats.org/markup-compatibility/2006" xmlns:mv="urn:schemas-microsoft-com:mac:vml" xmlns:p="http://schemas.openxmlformats.org/presentationml/2006/main" xmlns:c="http://schemas.openxmlformats.org/drawingml/2006/chart" xmlns:dgm="http://schemas.openxmlformats.org/drawingml/2006/diagram" xmlns:o="urn:schemas-microsoft-com:office:office" xmlns:v="urn:schemas-microsoft-com:vml" xmlns:pvml="urn:schemas-microsoft-com:office:powerpoint" xmlns:com="http://schemas.openxmlformats.org/drawingml/2006/compatibility" xmlns:p14="http://schemas.microsoft.com/office/powerpoint/2010/main" showMasterPhAnim="0" showMasterSp="0">
+<p:notes xmlns:a="http://schemas.openxmlformats.org/drawingml/2006/main" xmlns:r="http://schemas.openxmlformats.org/officeDocument/2006/relationships" xmlns:mc="http://schemas.openxmlformats.org/markup-compatibility/2006" xmlns:mv="urn:schemas-microsoft-com:mac:vml" xmlns:p="http://schemas.openxmlformats.org/presentationml/2006/main" xmlns:c="http://schemas.openxmlformats.org/drawingml/2006/chart" xmlns:dgm="http://schemas.openxmlformats.org/drawingml/2006/diagram" xmlns:o="urn:schemas-microsoft-com:office:office" xmlns:v="urn:schemas-microsoft-com:vml" xmlns:pvml="urn:schemas-microsoft-com:office:powerpoint" xmlns:com="http://schemas.openxmlformats.org/drawingml/2006/compatibility" xmlns:p14="http://schemas.microsoft.com/office/powerpoint/2010/main" xmlns:p15="http://schemas.microsoft.com/office/powerpoint/2012/main" showMasterPhAnim="0" showMasterSp="0">
   <p:cSld>
     <p:spTree>
       <p:nvGrpSpPr>
@@ -837,7 +847,7 @@
           </a:prstGeom>
         </p:spPr>
         <p:txBody>
-          <a:bodyPr anchorCtr="0" anchor="t" bIns="91425" lIns="91425" rIns="91425" tIns="91425">
+          <a:bodyPr anchorCtr="0" anchor="t" bIns="91425" lIns="91425" rIns="91425" wrap="square" tIns="91425">
             <a:noAutofit/>
           </a:bodyPr>
           <a:lstStyle/>
@@ -864,11 +874,11 @@
 </file>
 
 <file path=ppt/notesSlides/notesSlide14.xml><?xml version="1.0" encoding="utf-8"?>
-<p:notes xmlns:a="http://schemas.openxmlformats.org/drawingml/2006/main" xmlns:r="http://schemas.openxmlformats.org/officeDocument/2006/relationships" xmlns:mc="http://schemas.openxmlformats.org/markup-compatibility/2006" xmlns:mv="urn:schemas-microsoft-com:mac:vml" xmlns:p="http://schemas.openxmlformats.org/presentationml/2006/main" xmlns:c="http://schemas.openxmlformats.org/drawingml/2006/chart" xmlns:dgm="http://schemas.openxmlformats.org/drawingml/2006/diagram" xmlns:o="urn:schemas-microsoft-com:office:office" xmlns:v="urn:schemas-microsoft-com:vml" xmlns:pvml="urn:schemas-microsoft-com:office:powerpoint" xmlns:com="http://schemas.openxmlformats.org/drawingml/2006/compatibility" xmlns:p14="http://schemas.microsoft.com/office/powerpoint/2010/main" showMasterPhAnim="0" showMasterSp="0">
+<p:notes xmlns:a="http://schemas.openxmlformats.org/drawingml/2006/main" xmlns:r="http://schemas.openxmlformats.org/officeDocument/2006/relationships" xmlns:mc="http://schemas.openxmlformats.org/markup-compatibility/2006" xmlns:mv="urn:schemas-microsoft-com:mac:vml" xmlns:p="http://schemas.openxmlformats.org/presentationml/2006/main" xmlns:c="http://schemas.openxmlformats.org/drawingml/2006/chart" xmlns:dgm="http://schemas.openxmlformats.org/drawingml/2006/diagram" xmlns:o="urn:schemas-microsoft-com:office:office" xmlns:v="urn:schemas-microsoft-com:vml" xmlns:pvml="urn:schemas-microsoft-com:office:powerpoint" xmlns:com="http://schemas.openxmlformats.org/drawingml/2006/compatibility" xmlns:p14="http://schemas.microsoft.com/office/powerpoint/2010/main" xmlns:p15="http://schemas.microsoft.com/office/powerpoint/2012/main" showMasterPhAnim="0" showMasterSp="0">
   <p:cSld>
     <p:spTree>
       <p:nvGrpSpPr>
-        <p:cNvPr id="125" name="Shape 125"/>
+        <p:cNvPr id="124" name="Shape 124"/>
         <p:cNvGrpSpPr/>
         <p:nvPr/>
       </p:nvGrpSpPr>
@@ -882,7 +892,7 @@
       </p:grpSpPr>
       <p:sp>
         <p:nvSpPr>
-          <p:cNvPr id="126" name="Shape 126"/>
+          <p:cNvPr id="125" name="Shape 125"/>
           <p:cNvSpPr/>
           <p:nvPr>
             <p:ph idx="2" type="sldImg"/>
@@ -916,7 +926,7 @@
       </p:sp>
       <p:sp>
         <p:nvSpPr>
-          <p:cNvPr id="127" name="Shape 127"/>
+          <p:cNvPr id="126" name="Shape 126"/>
           <p:cNvSpPr txBox="1"/>
           <p:nvPr>
             <p:ph idx="1" type="body"/>
@@ -932,7 +942,7 @@
           </a:prstGeom>
         </p:spPr>
         <p:txBody>
-          <a:bodyPr anchorCtr="0" anchor="t" bIns="91425" lIns="91425" rIns="91425" tIns="91425">
+          <a:bodyPr anchorCtr="0" anchor="t" bIns="91425" lIns="91425" rIns="91425" wrap="square" tIns="91425">
             <a:noAutofit/>
           </a:bodyPr>
           <a:lstStyle/>
@@ -959,11 +969,11 @@
 </file>
 
 <file path=ppt/notesSlides/notesSlide15.xml><?xml version="1.0" encoding="utf-8"?>
-<p:notes xmlns:a="http://schemas.openxmlformats.org/drawingml/2006/main" xmlns:r="http://schemas.openxmlformats.org/officeDocument/2006/relationships" xmlns:mc="http://schemas.openxmlformats.org/markup-compatibility/2006" xmlns:mv="urn:schemas-microsoft-com:mac:vml" xmlns:p="http://schemas.openxmlformats.org/presentationml/2006/main" xmlns:c="http://schemas.openxmlformats.org/drawingml/2006/chart" xmlns:dgm="http://schemas.openxmlformats.org/drawingml/2006/diagram" xmlns:o="urn:schemas-microsoft-com:office:office" xmlns:v="urn:schemas-microsoft-com:vml" xmlns:pvml="urn:schemas-microsoft-com:office:powerpoint" xmlns:com="http://schemas.openxmlformats.org/drawingml/2006/compatibility" xmlns:p14="http://schemas.microsoft.com/office/powerpoint/2010/main" showMasterPhAnim="0" showMasterSp="0">
+<p:notes xmlns:a="http://schemas.openxmlformats.org/drawingml/2006/main" xmlns:r="http://schemas.openxmlformats.org/officeDocument/2006/relationships" xmlns:mc="http://schemas.openxmlformats.org/markup-compatibility/2006" xmlns:mv="urn:schemas-microsoft-com:mac:vml" xmlns:p="http://schemas.openxmlformats.org/presentationml/2006/main" xmlns:c="http://schemas.openxmlformats.org/drawingml/2006/chart" xmlns:dgm="http://schemas.openxmlformats.org/drawingml/2006/diagram" xmlns:o="urn:schemas-microsoft-com:office:office" xmlns:v="urn:schemas-microsoft-com:vml" xmlns:pvml="urn:schemas-microsoft-com:office:powerpoint" xmlns:com="http://schemas.openxmlformats.org/drawingml/2006/compatibility" xmlns:p14="http://schemas.microsoft.com/office/powerpoint/2010/main" xmlns:p15="http://schemas.microsoft.com/office/powerpoint/2012/main" showMasterPhAnim="0" showMasterSp="0">
   <p:cSld>
     <p:spTree>
       <p:nvGrpSpPr>
-        <p:cNvPr id="130" name="Shape 130"/>
+        <p:cNvPr id="129" name="Shape 129"/>
         <p:cNvGrpSpPr/>
         <p:nvPr/>
       </p:nvGrpSpPr>
@@ -977,7 +987,7 @@
       </p:grpSpPr>
       <p:sp>
         <p:nvSpPr>
-          <p:cNvPr id="131" name="Shape 131"/>
+          <p:cNvPr id="130" name="Shape 130"/>
           <p:cNvSpPr/>
           <p:nvPr>
             <p:ph idx="2" type="sldImg"/>
@@ -1011,7 +1021,7 @@
       </p:sp>
       <p:sp>
         <p:nvSpPr>
-          <p:cNvPr id="132" name="Shape 132"/>
+          <p:cNvPr id="131" name="Shape 131"/>
           <p:cNvSpPr txBox="1"/>
           <p:nvPr>
             <p:ph idx="1" type="body"/>
@@ -1027,7 +1037,7 @@
           </a:prstGeom>
         </p:spPr>
         <p:txBody>
-          <a:bodyPr anchorCtr="0" anchor="t" bIns="91425" lIns="91425" rIns="91425" tIns="91425">
+          <a:bodyPr anchorCtr="0" anchor="t" bIns="91425" lIns="91425" rIns="91425" wrap="square" tIns="91425">
             <a:noAutofit/>
           </a:bodyPr>
           <a:lstStyle/>
@@ -1054,11 +1064,11 @@
 </file>
 
 <file path=ppt/notesSlides/notesSlide16.xml><?xml version="1.0" encoding="utf-8"?>
-<p:notes xmlns:a="http://schemas.openxmlformats.org/drawingml/2006/main" xmlns:r="http://schemas.openxmlformats.org/officeDocument/2006/relationships" xmlns:mc="http://schemas.openxmlformats.org/markup-compatibility/2006" xmlns:mv="urn:schemas-microsoft-com:mac:vml" xmlns:p="http://schemas.openxmlformats.org/presentationml/2006/main" xmlns:c="http://schemas.openxmlformats.org/drawingml/2006/chart" xmlns:dgm="http://schemas.openxmlformats.org/drawingml/2006/diagram" xmlns:o="urn:schemas-microsoft-com:office:office" xmlns:v="urn:schemas-microsoft-com:vml" xmlns:pvml="urn:schemas-microsoft-com:office:powerpoint" xmlns:com="http://schemas.openxmlformats.org/drawingml/2006/compatibility" xmlns:p14="http://schemas.microsoft.com/office/powerpoint/2010/main" showMasterPhAnim="0" showMasterSp="0">
+<p:notes xmlns:a="http://schemas.openxmlformats.org/drawingml/2006/main" xmlns:r="http://schemas.openxmlformats.org/officeDocument/2006/relationships" xmlns:mc="http://schemas.openxmlformats.org/markup-compatibility/2006" xmlns:mv="urn:schemas-microsoft-com:mac:vml" xmlns:p="http://schemas.openxmlformats.org/presentationml/2006/main" xmlns:c="http://schemas.openxmlformats.org/drawingml/2006/chart" xmlns:dgm="http://schemas.openxmlformats.org/drawingml/2006/diagram" xmlns:o="urn:schemas-microsoft-com:office:office" xmlns:v="urn:schemas-microsoft-com:vml" xmlns:pvml="urn:schemas-microsoft-com:office:powerpoint" xmlns:com="http://schemas.openxmlformats.org/drawingml/2006/compatibility" xmlns:p14="http://schemas.microsoft.com/office/powerpoint/2010/main" xmlns:p15="http://schemas.microsoft.com/office/powerpoint/2012/main" showMasterPhAnim="0" showMasterSp="0">
   <p:cSld>
     <p:spTree>
       <p:nvGrpSpPr>
-        <p:cNvPr id="136" name="Shape 136"/>
+        <p:cNvPr id="135" name="Shape 135"/>
         <p:cNvGrpSpPr/>
         <p:nvPr/>
       </p:nvGrpSpPr>
@@ -1072,7 +1082,7 @@
       </p:grpSpPr>
       <p:sp>
         <p:nvSpPr>
-          <p:cNvPr id="137" name="Shape 137"/>
+          <p:cNvPr id="136" name="Shape 136"/>
           <p:cNvSpPr/>
           <p:nvPr>
             <p:ph idx="2" type="sldImg"/>
@@ -1106,7 +1116,7 @@
       </p:sp>
       <p:sp>
         <p:nvSpPr>
-          <p:cNvPr id="138" name="Shape 138"/>
+          <p:cNvPr id="137" name="Shape 137"/>
           <p:cNvSpPr txBox="1"/>
           <p:nvPr>
             <p:ph idx="1" type="body"/>
@@ -1122,12 +1132,12 @@
           </a:prstGeom>
         </p:spPr>
         <p:txBody>
-          <a:bodyPr anchorCtr="0" anchor="t" bIns="91425" lIns="91425" rIns="91425" tIns="91425">
+          <a:bodyPr anchorCtr="0" anchor="t" bIns="91425" lIns="91425" rIns="91425" wrap="square" tIns="91425">
             <a:noAutofit/>
           </a:bodyPr>
           <a:lstStyle/>
           <a:p>
-            <a:pPr lvl="0" rtl="0">
+            <a:pPr lvl="0">
               <a:spcBef>
                 <a:spcPts val="0"/>
               </a:spcBef>
@@ -1149,11 +1159,11 @@
 </file>
 
 <file path=ppt/notesSlides/notesSlide17.xml><?xml version="1.0" encoding="utf-8"?>
-<p:notes xmlns:a="http://schemas.openxmlformats.org/drawingml/2006/main" xmlns:r="http://schemas.openxmlformats.org/officeDocument/2006/relationships" xmlns:mc="http://schemas.openxmlformats.org/markup-compatibility/2006" xmlns:mv="urn:schemas-microsoft-com:mac:vml" xmlns:p="http://schemas.openxmlformats.org/presentationml/2006/main" xmlns:c="http://schemas.openxmlformats.org/drawingml/2006/chart" xmlns:dgm="http://schemas.openxmlformats.org/drawingml/2006/diagram" xmlns:o="urn:schemas-microsoft-com:office:office" xmlns:v="urn:schemas-microsoft-com:vml" xmlns:pvml="urn:schemas-microsoft-com:office:powerpoint" xmlns:com="http://schemas.openxmlformats.org/drawingml/2006/compatibility" xmlns:p14="http://schemas.microsoft.com/office/powerpoint/2010/main" showMasterPhAnim="0" showMasterSp="0">
+<p:notes xmlns:a="http://schemas.openxmlformats.org/drawingml/2006/main" xmlns:r="http://schemas.openxmlformats.org/officeDocument/2006/relationships" xmlns:mc="http://schemas.openxmlformats.org/markup-compatibility/2006" xmlns:mv="urn:schemas-microsoft-com:mac:vml" xmlns:p="http://schemas.openxmlformats.org/presentationml/2006/main" xmlns:c="http://schemas.openxmlformats.org/drawingml/2006/chart" xmlns:dgm="http://schemas.openxmlformats.org/drawingml/2006/diagram" xmlns:o="urn:schemas-microsoft-com:office:office" xmlns:v="urn:schemas-microsoft-com:vml" xmlns:pvml="urn:schemas-microsoft-com:office:powerpoint" xmlns:com="http://schemas.openxmlformats.org/drawingml/2006/compatibility" xmlns:p14="http://schemas.microsoft.com/office/powerpoint/2010/main" xmlns:p15="http://schemas.microsoft.com/office/powerpoint/2012/main" showMasterPhAnim="0" showMasterSp="0">
   <p:cSld>
     <p:spTree>
       <p:nvGrpSpPr>
-        <p:cNvPr id="144" name="Shape 144"/>
+        <p:cNvPr id="141" name="Shape 141"/>
         <p:cNvGrpSpPr/>
         <p:nvPr/>
       </p:nvGrpSpPr>
@@ -1167,7 +1177,7 @@
       </p:grpSpPr>
       <p:sp>
         <p:nvSpPr>
-          <p:cNvPr id="145" name="Shape 145"/>
+          <p:cNvPr id="142" name="Shape 142"/>
           <p:cNvSpPr/>
           <p:nvPr>
             <p:ph idx="2" type="sldImg"/>
@@ -1201,7 +1211,7 @@
       </p:sp>
       <p:sp>
         <p:nvSpPr>
-          <p:cNvPr id="146" name="Shape 146"/>
+          <p:cNvPr id="143" name="Shape 143"/>
           <p:cNvSpPr txBox="1"/>
           <p:nvPr>
             <p:ph idx="1" type="body"/>
@@ -1217,7 +1227,7 @@
           </a:prstGeom>
         </p:spPr>
         <p:txBody>
-          <a:bodyPr anchorCtr="0" anchor="t" bIns="91425" lIns="91425" rIns="91425" tIns="91425">
+          <a:bodyPr anchorCtr="0" anchor="t" bIns="91425" lIns="91425" rIns="91425" wrap="square" tIns="91425">
             <a:noAutofit/>
           </a:bodyPr>
           <a:lstStyle/>
@@ -1244,11 +1254,11 @@
 </file>
 
 <file path=ppt/notesSlides/notesSlide18.xml><?xml version="1.0" encoding="utf-8"?>
-<p:notes xmlns:a="http://schemas.openxmlformats.org/drawingml/2006/main" xmlns:r="http://schemas.openxmlformats.org/officeDocument/2006/relationships" xmlns:mc="http://schemas.openxmlformats.org/markup-compatibility/2006" xmlns:mv="urn:schemas-microsoft-com:mac:vml" xmlns:p="http://schemas.openxmlformats.org/presentationml/2006/main" xmlns:c="http://schemas.openxmlformats.org/drawingml/2006/chart" xmlns:dgm="http://schemas.openxmlformats.org/drawingml/2006/diagram" xmlns:o="urn:schemas-microsoft-com:office:office" xmlns:v="urn:schemas-microsoft-com:vml" xmlns:pvml="urn:schemas-microsoft-com:office:powerpoint" xmlns:com="http://schemas.openxmlformats.org/drawingml/2006/compatibility" xmlns:p14="http://schemas.microsoft.com/office/powerpoint/2010/main" showMasterPhAnim="0" showMasterSp="0">
+<p:notes xmlns:a="http://schemas.openxmlformats.org/drawingml/2006/main" xmlns:r="http://schemas.openxmlformats.org/officeDocument/2006/relationships" xmlns:mc="http://schemas.openxmlformats.org/markup-compatibility/2006" xmlns:mv="urn:schemas-microsoft-com:mac:vml" xmlns:p="http://schemas.openxmlformats.org/presentationml/2006/main" xmlns:c="http://schemas.openxmlformats.org/drawingml/2006/chart" xmlns:dgm="http://schemas.openxmlformats.org/drawingml/2006/diagram" xmlns:o="urn:schemas-microsoft-com:office:office" xmlns:v="urn:schemas-microsoft-com:vml" xmlns:pvml="urn:schemas-microsoft-com:office:powerpoint" xmlns:com="http://schemas.openxmlformats.org/drawingml/2006/compatibility" xmlns:p14="http://schemas.microsoft.com/office/powerpoint/2010/main" xmlns:p15="http://schemas.microsoft.com/office/powerpoint/2012/main" showMasterPhAnim="0" showMasterSp="0">
   <p:cSld>
     <p:spTree>
       <p:nvGrpSpPr>
-        <p:cNvPr id="153" name="Shape 153"/>
+        <p:cNvPr id="149" name="Shape 149"/>
         <p:cNvGrpSpPr/>
         <p:nvPr/>
       </p:nvGrpSpPr>
@@ -1262,7 +1272,7 @@
       </p:grpSpPr>
       <p:sp>
         <p:nvSpPr>
-          <p:cNvPr id="154" name="Shape 154"/>
+          <p:cNvPr id="150" name="Shape 150"/>
           <p:cNvSpPr/>
           <p:nvPr>
             <p:ph idx="2" type="sldImg"/>
@@ -1296,7 +1306,7 @@
       </p:sp>
       <p:sp>
         <p:nvSpPr>
-          <p:cNvPr id="155" name="Shape 155"/>
+          <p:cNvPr id="151" name="Shape 151"/>
           <p:cNvSpPr txBox="1"/>
           <p:nvPr>
             <p:ph idx="1" type="body"/>
@@ -1312,12 +1322,12 @@
           </a:prstGeom>
         </p:spPr>
         <p:txBody>
-          <a:bodyPr anchorCtr="0" anchor="t" bIns="91425" lIns="91425" rIns="91425" tIns="91425">
+          <a:bodyPr anchorCtr="0" anchor="t" bIns="91425" lIns="91425" rIns="91425" wrap="square" tIns="91425">
             <a:noAutofit/>
           </a:bodyPr>
           <a:lstStyle/>
           <a:p>
-            <a:pPr lvl="0">
+            <a:pPr lvl="0" rtl="0">
               <a:spcBef>
                 <a:spcPts val="0"/>
               </a:spcBef>
@@ -1339,11 +1349,11 @@
 </file>
 
 <file path=ppt/notesSlides/notesSlide19.xml><?xml version="1.0" encoding="utf-8"?>
-<p:notes xmlns:a="http://schemas.openxmlformats.org/drawingml/2006/main" xmlns:r="http://schemas.openxmlformats.org/officeDocument/2006/relationships" xmlns:mc="http://schemas.openxmlformats.org/markup-compatibility/2006" xmlns:mv="urn:schemas-microsoft-com:mac:vml" xmlns:p="http://schemas.openxmlformats.org/presentationml/2006/main" xmlns:c="http://schemas.openxmlformats.org/drawingml/2006/chart" xmlns:dgm="http://schemas.openxmlformats.org/drawingml/2006/diagram" xmlns:o="urn:schemas-microsoft-com:office:office" xmlns:v="urn:schemas-microsoft-com:vml" xmlns:pvml="urn:schemas-microsoft-com:office:powerpoint" xmlns:com="http://schemas.openxmlformats.org/drawingml/2006/compatibility" xmlns:p14="http://schemas.microsoft.com/office/powerpoint/2010/main" showMasterPhAnim="0" showMasterSp="0">
+<p:notes xmlns:a="http://schemas.openxmlformats.org/drawingml/2006/main" xmlns:r="http://schemas.openxmlformats.org/officeDocument/2006/relationships" xmlns:mc="http://schemas.openxmlformats.org/markup-compatibility/2006" xmlns:mv="urn:schemas-microsoft-com:mac:vml" xmlns:p="http://schemas.openxmlformats.org/presentationml/2006/main" xmlns:c="http://schemas.openxmlformats.org/drawingml/2006/chart" xmlns:dgm="http://schemas.openxmlformats.org/drawingml/2006/diagram" xmlns:o="urn:schemas-microsoft-com:office:office" xmlns:v="urn:schemas-microsoft-com:vml" xmlns:pvml="urn:schemas-microsoft-com:office:powerpoint" xmlns:com="http://schemas.openxmlformats.org/drawingml/2006/compatibility" xmlns:p14="http://schemas.microsoft.com/office/powerpoint/2010/main" xmlns:p15="http://schemas.microsoft.com/office/powerpoint/2012/main" showMasterPhAnim="0" showMasterSp="0">
   <p:cSld>
     <p:spTree>
       <p:nvGrpSpPr>
-        <p:cNvPr id="159" name="Shape 159"/>
+        <p:cNvPr id="158" name="Shape 158"/>
         <p:cNvGrpSpPr/>
         <p:nvPr/>
       </p:nvGrpSpPr>
@@ -1357,7 +1367,7 @@
       </p:grpSpPr>
       <p:sp>
         <p:nvSpPr>
-          <p:cNvPr id="160" name="Shape 160"/>
+          <p:cNvPr id="159" name="Shape 159"/>
           <p:cNvSpPr/>
           <p:nvPr>
             <p:ph idx="2" type="sldImg"/>
@@ -1391,7 +1401,7 @@
       </p:sp>
       <p:sp>
         <p:nvSpPr>
-          <p:cNvPr id="161" name="Shape 161"/>
+          <p:cNvPr id="160" name="Shape 160"/>
           <p:cNvSpPr txBox="1"/>
           <p:nvPr>
             <p:ph idx="1" type="body"/>
@@ -1407,12 +1417,12 @@
           </a:prstGeom>
         </p:spPr>
         <p:txBody>
-          <a:bodyPr anchorCtr="0" anchor="t" bIns="91425" lIns="91425" rIns="91425" tIns="91425">
+          <a:bodyPr anchorCtr="0" anchor="t" bIns="91425" lIns="91425" rIns="91425" wrap="square" tIns="91425">
             <a:noAutofit/>
           </a:bodyPr>
           <a:lstStyle/>
           <a:p>
-            <a:pPr lvl="0" rtl="0">
+            <a:pPr lvl="0">
               <a:spcBef>
                 <a:spcPts val="0"/>
               </a:spcBef>
@@ -1434,7 +1444,7 @@
 </file>
 
 <file path=ppt/notesSlides/notesSlide2.xml><?xml version="1.0" encoding="utf-8"?>
-<p:notes xmlns:a="http://schemas.openxmlformats.org/drawingml/2006/main" xmlns:r="http://schemas.openxmlformats.org/officeDocument/2006/relationships" xmlns:mc="http://schemas.openxmlformats.org/markup-compatibility/2006" xmlns:mv="urn:schemas-microsoft-com:mac:vml" xmlns:p="http://schemas.openxmlformats.org/presentationml/2006/main" xmlns:c="http://schemas.openxmlformats.org/drawingml/2006/chart" xmlns:dgm="http://schemas.openxmlformats.org/drawingml/2006/diagram" xmlns:o="urn:schemas-microsoft-com:office:office" xmlns:v="urn:schemas-microsoft-com:vml" xmlns:pvml="urn:schemas-microsoft-com:office:powerpoint" xmlns:com="http://schemas.openxmlformats.org/drawingml/2006/compatibility" xmlns:p14="http://schemas.microsoft.com/office/powerpoint/2010/main" showMasterPhAnim="0" showMasterSp="0">
+<p:notes xmlns:a="http://schemas.openxmlformats.org/drawingml/2006/main" xmlns:r="http://schemas.openxmlformats.org/officeDocument/2006/relationships" xmlns:mc="http://schemas.openxmlformats.org/markup-compatibility/2006" xmlns:mv="urn:schemas-microsoft-com:mac:vml" xmlns:p="http://schemas.openxmlformats.org/presentationml/2006/main" xmlns:c="http://schemas.openxmlformats.org/drawingml/2006/chart" xmlns:dgm="http://schemas.openxmlformats.org/drawingml/2006/diagram" xmlns:o="urn:schemas-microsoft-com:office:office" xmlns:v="urn:schemas-microsoft-com:vml" xmlns:pvml="urn:schemas-microsoft-com:office:powerpoint" xmlns:com="http://schemas.openxmlformats.org/drawingml/2006/compatibility" xmlns:p14="http://schemas.microsoft.com/office/powerpoint/2010/main" xmlns:p15="http://schemas.microsoft.com/office/powerpoint/2012/main" showMasterPhAnim="0" showMasterSp="0">
   <p:cSld>
     <p:spTree>
       <p:nvGrpSpPr>
@@ -1502,7 +1512,7 @@
           </a:prstGeom>
         </p:spPr>
         <p:txBody>
-          <a:bodyPr anchorCtr="0" anchor="t" bIns="91425" lIns="91425" rIns="91425" tIns="91425">
+          <a:bodyPr anchorCtr="0" anchor="t" bIns="91425" lIns="91425" rIns="91425" wrap="square" tIns="91425">
             <a:noAutofit/>
           </a:bodyPr>
           <a:lstStyle/>
@@ -1529,11 +1539,11 @@
 </file>
 
 <file path=ppt/notesSlides/notesSlide20.xml><?xml version="1.0" encoding="utf-8"?>
-<p:notes xmlns:a="http://schemas.openxmlformats.org/drawingml/2006/main" xmlns:r="http://schemas.openxmlformats.org/officeDocument/2006/relationships" xmlns:mc="http://schemas.openxmlformats.org/markup-compatibility/2006" xmlns:mv="urn:schemas-microsoft-com:mac:vml" xmlns:p="http://schemas.openxmlformats.org/presentationml/2006/main" xmlns:c="http://schemas.openxmlformats.org/drawingml/2006/chart" xmlns:dgm="http://schemas.openxmlformats.org/drawingml/2006/diagram" xmlns:o="urn:schemas-microsoft-com:office:office" xmlns:v="urn:schemas-microsoft-com:vml" xmlns:pvml="urn:schemas-microsoft-com:office:powerpoint" xmlns:com="http://schemas.openxmlformats.org/drawingml/2006/compatibility" xmlns:p14="http://schemas.microsoft.com/office/powerpoint/2010/main" showMasterPhAnim="0" showMasterSp="0">
+<p:notes xmlns:a="http://schemas.openxmlformats.org/drawingml/2006/main" xmlns:r="http://schemas.openxmlformats.org/officeDocument/2006/relationships" xmlns:mc="http://schemas.openxmlformats.org/markup-compatibility/2006" xmlns:mv="urn:schemas-microsoft-com:mac:vml" xmlns:p="http://schemas.openxmlformats.org/presentationml/2006/main" xmlns:c="http://schemas.openxmlformats.org/drawingml/2006/chart" xmlns:dgm="http://schemas.openxmlformats.org/drawingml/2006/diagram" xmlns:o="urn:schemas-microsoft-com:office:office" xmlns:v="urn:schemas-microsoft-com:vml" xmlns:pvml="urn:schemas-microsoft-com:office:powerpoint" xmlns:com="http://schemas.openxmlformats.org/drawingml/2006/compatibility" xmlns:p14="http://schemas.microsoft.com/office/powerpoint/2010/main" xmlns:p15="http://schemas.microsoft.com/office/powerpoint/2012/main" showMasterPhAnim="0" showMasterSp="0">
   <p:cSld>
     <p:spTree>
       <p:nvGrpSpPr>
-        <p:cNvPr id="168" name="Shape 168"/>
+        <p:cNvPr id="164" name="Shape 164"/>
         <p:cNvGrpSpPr/>
         <p:nvPr/>
       </p:nvGrpSpPr>
@@ -1547,7 +1557,7 @@
       </p:grpSpPr>
       <p:sp>
         <p:nvSpPr>
-          <p:cNvPr id="169" name="Shape 169"/>
+          <p:cNvPr id="165" name="Shape 165"/>
           <p:cNvSpPr/>
           <p:nvPr>
             <p:ph idx="2" type="sldImg"/>
@@ -1581,7 +1591,7 @@
       </p:sp>
       <p:sp>
         <p:nvSpPr>
-          <p:cNvPr id="170" name="Shape 170"/>
+          <p:cNvPr id="166" name="Shape 166"/>
           <p:cNvSpPr txBox="1"/>
           <p:nvPr>
             <p:ph idx="1" type="body"/>
@@ -1597,7 +1607,7 @@
           </a:prstGeom>
         </p:spPr>
         <p:txBody>
-          <a:bodyPr anchorCtr="0" anchor="t" bIns="91425" lIns="91425" rIns="91425" tIns="91425">
+          <a:bodyPr anchorCtr="0" anchor="t" bIns="91425" lIns="91425" rIns="91425" wrap="square" tIns="91425">
             <a:noAutofit/>
           </a:bodyPr>
           <a:lstStyle/>
@@ -1624,11 +1634,11 @@
 </file>
 
 <file path=ppt/notesSlides/notesSlide21.xml><?xml version="1.0" encoding="utf-8"?>
-<p:notes xmlns:a="http://schemas.openxmlformats.org/drawingml/2006/main" xmlns:r="http://schemas.openxmlformats.org/officeDocument/2006/relationships" xmlns:mc="http://schemas.openxmlformats.org/markup-compatibility/2006" xmlns:mv="urn:schemas-microsoft-com:mac:vml" xmlns:p="http://schemas.openxmlformats.org/presentationml/2006/main" xmlns:c="http://schemas.openxmlformats.org/drawingml/2006/chart" xmlns:dgm="http://schemas.openxmlformats.org/drawingml/2006/diagram" xmlns:o="urn:schemas-microsoft-com:office:office" xmlns:v="urn:schemas-microsoft-com:vml" xmlns:pvml="urn:schemas-microsoft-com:office:powerpoint" xmlns:com="http://schemas.openxmlformats.org/drawingml/2006/compatibility" xmlns:p14="http://schemas.microsoft.com/office/powerpoint/2010/main" showMasterPhAnim="0" showMasterSp="0">
+<p:notes xmlns:a="http://schemas.openxmlformats.org/drawingml/2006/main" xmlns:r="http://schemas.openxmlformats.org/officeDocument/2006/relationships" xmlns:mc="http://schemas.openxmlformats.org/markup-compatibility/2006" xmlns:mv="urn:schemas-microsoft-com:mac:vml" xmlns:p="http://schemas.openxmlformats.org/presentationml/2006/main" xmlns:c="http://schemas.openxmlformats.org/drawingml/2006/chart" xmlns:dgm="http://schemas.openxmlformats.org/drawingml/2006/diagram" xmlns:o="urn:schemas-microsoft-com:office:office" xmlns:v="urn:schemas-microsoft-com:vml" xmlns:pvml="urn:schemas-microsoft-com:office:powerpoint" xmlns:com="http://schemas.openxmlformats.org/drawingml/2006/compatibility" xmlns:p14="http://schemas.microsoft.com/office/powerpoint/2010/main" xmlns:p15="http://schemas.microsoft.com/office/powerpoint/2012/main" showMasterPhAnim="0" showMasterSp="0">
   <p:cSld>
     <p:spTree>
       <p:nvGrpSpPr>
-        <p:cNvPr id="176" name="Shape 176"/>
+        <p:cNvPr id="173" name="Shape 173"/>
         <p:cNvGrpSpPr/>
         <p:nvPr/>
       </p:nvGrpSpPr>
@@ -1642,7 +1652,7 @@
       </p:grpSpPr>
       <p:sp>
         <p:nvSpPr>
-          <p:cNvPr id="177" name="Shape 177"/>
+          <p:cNvPr id="174" name="Shape 174"/>
           <p:cNvSpPr/>
           <p:nvPr>
             <p:ph idx="2" type="sldImg"/>
@@ -1676,7 +1686,7 @@
       </p:sp>
       <p:sp>
         <p:nvSpPr>
-          <p:cNvPr id="178" name="Shape 178"/>
+          <p:cNvPr id="175" name="Shape 175"/>
           <p:cNvSpPr txBox="1"/>
           <p:nvPr>
             <p:ph idx="1" type="body"/>
@@ -1692,7 +1702,7 @@
           </a:prstGeom>
         </p:spPr>
         <p:txBody>
-          <a:bodyPr anchorCtr="0" anchor="t" bIns="91425" lIns="91425" rIns="91425" tIns="91425">
+          <a:bodyPr anchorCtr="0" anchor="t" bIns="91425" lIns="91425" rIns="91425" wrap="square" tIns="91425">
             <a:noAutofit/>
           </a:bodyPr>
           <a:lstStyle/>
@@ -1719,11 +1729,11 @@
 </file>
 
 <file path=ppt/notesSlides/notesSlide22.xml><?xml version="1.0" encoding="utf-8"?>
-<p:notes xmlns:a="http://schemas.openxmlformats.org/drawingml/2006/main" xmlns:r="http://schemas.openxmlformats.org/officeDocument/2006/relationships" xmlns:mc="http://schemas.openxmlformats.org/markup-compatibility/2006" xmlns:mv="urn:schemas-microsoft-com:mac:vml" xmlns:p="http://schemas.openxmlformats.org/presentationml/2006/main" xmlns:c="http://schemas.openxmlformats.org/drawingml/2006/chart" xmlns:dgm="http://schemas.openxmlformats.org/drawingml/2006/diagram" xmlns:o="urn:schemas-microsoft-com:office:office" xmlns:v="urn:schemas-microsoft-com:vml" xmlns:pvml="urn:schemas-microsoft-com:office:powerpoint" xmlns:com="http://schemas.openxmlformats.org/drawingml/2006/compatibility" xmlns:p14="http://schemas.microsoft.com/office/powerpoint/2010/main" showMasterPhAnim="0" showMasterSp="0">
+<p:notes xmlns:a="http://schemas.openxmlformats.org/drawingml/2006/main" xmlns:r="http://schemas.openxmlformats.org/officeDocument/2006/relationships" xmlns:mc="http://schemas.openxmlformats.org/markup-compatibility/2006" xmlns:mv="urn:schemas-microsoft-com:mac:vml" xmlns:p="http://schemas.openxmlformats.org/presentationml/2006/main" xmlns:c="http://schemas.openxmlformats.org/drawingml/2006/chart" xmlns:dgm="http://schemas.openxmlformats.org/drawingml/2006/diagram" xmlns:o="urn:schemas-microsoft-com:office:office" xmlns:v="urn:schemas-microsoft-com:vml" xmlns:pvml="urn:schemas-microsoft-com:office:powerpoint" xmlns:com="http://schemas.openxmlformats.org/drawingml/2006/compatibility" xmlns:p14="http://schemas.microsoft.com/office/powerpoint/2010/main" xmlns:p15="http://schemas.microsoft.com/office/powerpoint/2012/main" showMasterPhAnim="0" showMasterSp="0">
   <p:cSld>
     <p:spTree>
       <p:nvGrpSpPr>
-        <p:cNvPr id="186" name="Shape 186"/>
+        <p:cNvPr id="181" name="Shape 181"/>
         <p:cNvGrpSpPr/>
         <p:nvPr/>
       </p:nvGrpSpPr>
@@ -1737,7 +1747,7 @@
       </p:grpSpPr>
       <p:sp>
         <p:nvSpPr>
-          <p:cNvPr id="187" name="Shape 187"/>
+          <p:cNvPr id="182" name="Shape 182"/>
           <p:cNvSpPr/>
           <p:nvPr>
             <p:ph idx="2" type="sldImg"/>
@@ -1771,7 +1781,7 @@
       </p:sp>
       <p:sp>
         <p:nvSpPr>
-          <p:cNvPr id="188" name="Shape 188"/>
+          <p:cNvPr id="183" name="Shape 183"/>
           <p:cNvSpPr txBox="1"/>
           <p:nvPr>
             <p:ph idx="1" type="body"/>
@@ -1787,7 +1797,7 @@
           </a:prstGeom>
         </p:spPr>
         <p:txBody>
-          <a:bodyPr anchorCtr="0" anchor="t" bIns="91425" lIns="91425" rIns="91425" tIns="91425">
+          <a:bodyPr anchorCtr="0" anchor="t" bIns="91425" lIns="91425" rIns="91425" wrap="square" tIns="91425">
             <a:noAutofit/>
           </a:bodyPr>
           <a:lstStyle/>
@@ -1814,11 +1824,11 @@
 </file>
 
 <file path=ppt/notesSlides/notesSlide23.xml><?xml version="1.0" encoding="utf-8"?>
-<p:notes xmlns:a="http://schemas.openxmlformats.org/drawingml/2006/main" xmlns:r="http://schemas.openxmlformats.org/officeDocument/2006/relationships" xmlns:mc="http://schemas.openxmlformats.org/markup-compatibility/2006" xmlns:mv="urn:schemas-microsoft-com:mac:vml" xmlns:p="http://schemas.openxmlformats.org/presentationml/2006/main" xmlns:c="http://schemas.openxmlformats.org/drawingml/2006/chart" xmlns:dgm="http://schemas.openxmlformats.org/drawingml/2006/diagram" xmlns:o="urn:schemas-microsoft-com:office:office" xmlns:v="urn:schemas-microsoft-com:vml" xmlns:pvml="urn:schemas-microsoft-com:office:powerpoint" xmlns:com="http://schemas.openxmlformats.org/drawingml/2006/compatibility" xmlns:p14="http://schemas.microsoft.com/office/powerpoint/2010/main" showMasterPhAnim="0" showMasterSp="0">
+<p:notes xmlns:a="http://schemas.openxmlformats.org/drawingml/2006/main" xmlns:r="http://schemas.openxmlformats.org/officeDocument/2006/relationships" xmlns:mc="http://schemas.openxmlformats.org/markup-compatibility/2006" xmlns:mv="urn:schemas-microsoft-com:mac:vml" xmlns:p="http://schemas.openxmlformats.org/presentationml/2006/main" xmlns:c="http://schemas.openxmlformats.org/drawingml/2006/chart" xmlns:dgm="http://schemas.openxmlformats.org/drawingml/2006/diagram" xmlns:o="urn:schemas-microsoft-com:office:office" xmlns:v="urn:schemas-microsoft-com:vml" xmlns:pvml="urn:schemas-microsoft-com:office:powerpoint" xmlns:com="http://schemas.openxmlformats.org/drawingml/2006/compatibility" xmlns:p14="http://schemas.microsoft.com/office/powerpoint/2010/main" xmlns:p15="http://schemas.microsoft.com/office/powerpoint/2012/main" showMasterPhAnim="0" showMasterSp="0">
   <p:cSld>
     <p:spTree>
       <p:nvGrpSpPr>
-        <p:cNvPr id="197" name="Shape 197"/>
+        <p:cNvPr id="191" name="Shape 191"/>
         <p:cNvGrpSpPr/>
         <p:nvPr/>
       </p:nvGrpSpPr>
@@ -1832,7 +1842,7 @@
       </p:grpSpPr>
       <p:sp>
         <p:nvSpPr>
-          <p:cNvPr id="198" name="Shape 198"/>
+          <p:cNvPr id="192" name="Shape 192"/>
           <p:cNvSpPr/>
           <p:nvPr>
             <p:ph idx="2" type="sldImg"/>
@@ -1841,7 +1851,7 @@
         <p:spPr>
           <a:xfrm>
             <a:off x="1143225" y="685800"/>
-            <a:ext cx="4572299" cy="3429000"/>
+            <a:ext cx="4572300" cy="3429000"/>
           </a:xfrm>
           <a:custGeom>
             <a:pathLst>
@@ -1866,7 +1876,7 @@
       </p:sp>
       <p:sp>
         <p:nvSpPr>
-          <p:cNvPr id="199" name="Shape 199"/>
+          <p:cNvPr id="193" name="Shape 193"/>
           <p:cNvSpPr txBox="1"/>
           <p:nvPr>
             <p:ph idx="1" type="body"/>
@@ -1875,19 +1885,19 @@
         <p:spPr>
           <a:xfrm>
             <a:off x="685800" y="4343400"/>
-            <a:ext cx="5486399" cy="4114800"/>
-          </a:xfrm>
-          <a:prstGeom prst="rect">
-            <a:avLst/>
-          </a:prstGeom>
-        </p:spPr>
-        <p:txBody>
-          <a:bodyPr anchorCtr="0" anchor="t" bIns="91425" lIns="91425" rIns="91425" tIns="91425">
+            <a:ext cx="5486400" cy="4114800"/>
+          </a:xfrm>
+          <a:prstGeom prst="rect">
+            <a:avLst/>
+          </a:prstGeom>
+        </p:spPr>
+        <p:txBody>
+          <a:bodyPr anchorCtr="0" anchor="t" bIns="91425" lIns="91425" rIns="91425" wrap="square" tIns="91425">
             <a:noAutofit/>
           </a:bodyPr>
           <a:lstStyle/>
           <a:p>
-            <a:pPr lvl="0">
+            <a:pPr lvl="0" rtl="0">
               <a:spcBef>
                 <a:spcPts val="0"/>
               </a:spcBef>
@@ -1908,12 +1918,12 @@
 </p:notes>
 </file>
 
-<file path=ppt/notesSlides/notesSlide3.xml><?xml version="1.0" encoding="utf-8"?>
-<p:notes xmlns:a="http://schemas.openxmlformats.org/drawingml/2006/main" xmlns:r="http://schemas.openxmlformats.org/officeDocument/2006/relationships" xmlns:mc="http://schemas.openxmlformats.org/markup-compatibility/2006" xmlns:mv="urn:schemas-microsoft-com:mac:vml" xmlns:p="http://schemas.openxmlformats.org/presentationml/2006/main" xmlns:c="http://schemas.openxmlformats.org/drawingml/2006/chart" xmlns:dgm="http://schemas.openxmlformats.org/drawingml/2006/diagram" xmlns:o="urn:schemas-microsoft-com:office:office" xmlns:v="urn:schemas-microsoft-com:vml" xmlns:pvml="urn:schemas-microsoft-com:office:powerpoint" xmlns:com="http://schemas.openxmlformats.org/drawingml/2006/compatibility" xmlns:p14="http://schemas.microsoft.com/office/powerpoint/2010/main" showMasterPhAnim="0" showMasterSp="0">
+<file path=ppt/notesSlides/notesSlide24.xml><?xml version="1.0" encoding="utf-8"?>
+<p:notes xmlns:a="http://schemas.openxmlformats.org/drawingml/2006/main" xmlns:r="http://schemas.openxmlformats.org/officeDocument/2006/relationships" xmlns:mc="http://schemas.openxmlformats.org/markup-compatibility/2006" xmlns:mv="urn:schemas-microsoft-com:mac:vml" xmlns:p="http://schemas.openxmlformats.org/presentationml/2006/main" xmlns:c="http://schemas.openxmlformats.org/drawingml/2006/chart" xmlns:dgm="http://schemas.openxmlformats.org/drawingml/2006/diagram" xmlns:o="urn:schemas-microsoft-com:office:office" xmlns:v="urn:schemas-microsoft-com:vml" xmlns:pvml="urn:schemas-microsoft-com:office:powerpoint" xmlns:com="http://schemas.openxmlformats.org/drawingml/2006/compatibility" xmlns:p14="http://schemas.microsoft.com/office/powerpoint/2010/main" xmlns:p15="http://schemas.microsoft.com/office/powerpoint/2012/main" showMasterPhAnim="0" showMasterSp="0">
   <p:cSld>
     <p:spTree>
       <p:nvGrpSpPr>
-        <p:cNvPr id="41" name="Shape 41"/>
+        <p:cNvPr id="202" name="Shape 202"/>
         <p:cNvGrpSpPr/>
         <p:nvPr/>
       </p:nvGrpSpPr>
@@ -1927,7 +1937,7 @@
       </p:grpSpPr>
       <p:sp>
         <p:nvSpPr>
-          <p:cNvPr id="42" name="Shape 42"/>
+          <p:cNvPr id="203" name="Shape 203"/>
           <p:cNvSpPr/>
           <p:nvPr>
             <p:ph idx="2" type="sldImg"/>
@@ -1961,7 +1971,7 @@
       </p:sp>
       <p:sp>
         <p:nvSpPr>
-          <p:cNvPr id="43" name="Shape 43"/>
+          <p:cNvPr id="204" name="Shape 204"/>
           <p:cNvSpPr txBox="1"/>
           <p:nvPr>
             <p:ph idx="1" type="body"/>
@@ -1977,12 +1987,12 @@
           </a:prstGeom>
         </p:spPr>
         <p:txBody>
-          <a:bodyPr anchorCtr="0" anchor="t" bIns="91425" lIns="91425" rIns="91425" tIns="91425">
+          <a:bodyPr anchorCtr="0" anchor="t" bIns="91425" lIns="91425" rIns="91425" wrap="square" tIns="91425">
             <a:noAutofit/>
           </a:bodyPr>
           <a:lstStyle/>
           <a:p>
-            <a:pPr lvl="0" rtl="0">
+            <a:pPr lvl="0">
               <a:spcBef>
                 <a:spcPts val="0"/>
               </a:spcBef>
@@ -2003,12 +2013,12 @@
 </p:notes>
 </file>
 
-<file path=ppt/notesSlides/notesSlide4.xml><?xml version="1.0" encoding="utf-8"?>
-<p:notes xmlns:a="http://schemas.openxmlformats.org/drawingml/2006/main" xmlns:r="http://schemas.openxmlformats.org/officeDocument/2006/relationships" xmlns:mc="http://schemas.openxmlformats.org/markup-compatibility/2006" xmlns:mv="urn:schemas-microsoft-com:mac:vml" xmlns:p="http://schemas.openxmlformats.org/presentationml/2006/main" xmlns:c="http://schemas.openxmlformats.org/drawingml/2006/chart" xmlns:dgm="http://schemas.openxmlformats.org/drawingml/2006/diagram" xmlns:o="urn:schemas-microsoft-com:office:office" xmlns:v="urn:schemas-microsoft-com:vml" xmlns:pvml="urn:schemas-microsoft-com:office:powerpoint" xmlns:com="http://schemas.openxmlformats.org/drawingml/2006/compatibility" xmlns:p14="http://schemas.microsoft.com/office/powerpoint/2010/main" showMasterPhAnim="0" showMasterSp="0">
+<file path=ppt/notesSlides/notesSlide3.xml><?xml version="1.0" encoding="utf-8"?>
+<p:notes xmlns:a="http://schemas.openxmlformats.org/drawingml/2006/main" xmlns:r="http://schemas.openxmlformats.org/officeDocument/2006/relationships" xmlns:mc="http://schemas.openxmlformats.org/markup-compatibility/2006" xmlns:mv="urn:schemas-microsoft-com:mac:vml" xmlns:p="http://schemas.openxmlformats.org/presentationml/2006/main" xmlns:c="http://schemas.openxmlformats.org/drawingml/2006/chart" xmlns:dgm="http://schemas.openxmlformats.org/drawingml/2006/diagram" xmlns:o="urn:schemas-microsoft-com:office:office" xmlns:v="urn:schemas-microsoft-com:vml" xmlns:pvml="urn:schemas-microsoft-com:office:powerpoint" xmlns:com="http://schemas.openxmlformats.org/drawingml/2006/compatibility" xmlns:p14="http://schemas.microsoft.com/office/powerpoint/2010/main" xmlns:p15="http://schemas.microsoft.com/office/powerpoint/2012/main" showMasterPhAnim="0" showMasterSp="0">
   <p:cSld>
     <p:spTree>
       <p:nvGrpSpPr>
-        <p:cNvPr id="52" name="Shape 52"/>
+        <p:cNvPr id="41" name="Shape 41"/>
         <p:cNvGrpSpPr/>
         <p:nvPr/>
       </p:nvGrpSpPr>
@@ -2022,7 +2032,7 @@
       </p:grpSpPr>
       <p:sp>
         <p:nvSpPr>
-          <p:cNvPr id="53" name="Shape 53"/>
+          <p:cNvPr id="42" name="Shape 42"/>
           <p:cNvSpPr/>
           <p:nvPr>
             <p:ph idx="2" type="sldImg"/>
@@ -2056,7 +2066,7 @@
       </p:sp>
       <p:sp>
         <p:nvSpPr>
-          <p:cNvPr id="54" name="Shape 54"/>
+          <p:cNvPr id="43" name="Shape 43"/>
           <p:cNvSpPr txBox="1"/>
           <p:nvPr>
             <p:ph idx="1" type="body"/>
@@ -2072,12 +2082,12 @@
           </a:prstGeom>
         </p:spPr>
         <p:txBody>
-          <a:bodyPr anchorCtr="0" anchor="t" bIns="91425" lIns="91425" rIns="91425" tIns="91425">
+          <a:bodyPr anchorCtr="0" anchor="t" bIns="91425" lIns="91425" rIns="91425" wrap="square" tIns="91425">
             <a:noAutofit/>
           </a:bodyPr>
           <a:lstStyle/>
           <a:p>
-            <a:pPr lvl="0">
+            <a:pPr lvl="0" rtl="0">
               <a:spcBef>
                 <a:spcPts val="0"/>
               </a:spcBef>
@@ -2098,12 +2108,12 @@
 </p:notes>
 </file>
 
-<file path=ppt/notesSlides/notesSlide5.xml><?xml version="1.0" encoding="utf-8"?>
-<p:notes xmlns:a="http://schemas.openxmlformats.org/drawingml/2006/main" xmlns:r="http://schemas.openxmlformats.org/officeDocument/2006/relationships" xmlns:mc="http://schemas.openxmlformats.org/markup-compatibility/2006" xmlns:mv="urn:schemas-microsoft-com:mac:vml" xmlns:p="http://schemas.openxmlformats.org/presentationml/2006/main" xmlns:c="http://schemas.openxmlformats.org/drawingml/2006/chart" xmlns:dgm="http://schemas.openxmlformats.org/drawingml/2006/diagram" xmlns:o="urn:schemas-microsoft-com:office:office" xmlns:v="urn:schemas-microsoft-com:vml" xmlns:pvml="urn:schemas-microsoft-com:office:powerpoint" xmlns:com="http://schemas.openxmlformats.org/drawingml/2006/compatibility" xmlns:p14="http://schemas.microsoft.com/office/powerpoint/2010/main" showMasterPhAnim="0" showMasterSp="0">
+<file path=ppt/notesSlides/notesSlide4.xml><?xml version="1.0" encoding="utf-8"?>
+<p:notes xmlns:a="http://schemas.openxmlformats.org/drawingml/2006/main" xmlns:r="http://schemas.openxmlformats.org/officeDocument/2006/relationships" xmlns:mc="http://schemas.openxmlformats.org/markup-compatibility/2006" xmlns:mv="urn:schemas-microsoft-com:mac:vml" xmlns:p="http://schemas.openxmlformats.org/presentationml/2006/main" xmlns:c="http://schemas.openxmlformats.org/drawingml/2006/chart" xmlns:dgm="http://schemas.openxmlformats.org/drawingml/2006/diagram" xmlns:o="urn:schemas-microsoft-com:office:office" xmlns:v="urn:schemas-microsoft-com:vml" xmlns:pvml="urn:schemas-microsoft-com:office:powerpoint" xmlns:com="http://schemas.openxmlformats.org/drawingml/2006/compatibility" xmlns:p14="http://schemas.microsoft.com/office/powerpoint/2010/main" xmlns:p15="http://schemas.microsoft.com/office/powerpoint/2012/main" showMasterPhAnim="0" showMasterSp="0">
   <p:cSld>
     <p:spTree>
       <p:nvGrpSpPr>
-        <p:cNvPr id="57" name="Shape 57"/>
+        <p:cNvPr id="52" name="Shape 52"/>
         <p:cNvGrpSpPr/>
         <p:nvPr/>
       </p:nvGrpSpPr>
@@ -2117,7 +2127,7 @@
       </p:grpSpPr>
       <p:sp>
         <p:nvSpPr>
-          <p:cNvPr id="58" name="Shape 58"/>
+          <p:cNvPr id="53" name="Shape 53"/>
           <p:cNvSpPr/>
           <p:nvPr>
             <p:ph idx="2" type="sldImg"/>
@@ -2151,7 +2161,7 @@
       </p:sp>
       <p:sp>
         <p:nvSpPr>
-          <p:cNvPr id="59" name="Shape 59"/>
+          <p:cNvPr id="54" name="Shape 54"/>
           <p:cNvSpPr txBox="1"/>
           <p:nvPr>
             <p:ph idx="1" type="body"/>
@@ -2167,7 +2177,7 @@
           </a:prstGeom>
         </p:spPr>
         <p:txBody>
-          <a:bodyPr anchorCtr="0" anchor="t" bIns="91425" lIns="91425" rIns="91425" tIns="91425">
+          <a:bodyPr anchorCtr="0" anchor="t" bIns="91425" lIns="91425" rIns="91425" wrap="square" tIns="91425">
             <a:noAutofit/>
           </a:bodyPr>
           <a:lstStyle/>
@@ -2193,12 +2203,12 @@
 </p:notes>
 </file>
 
-<file path=ppt/notesSlides/notesSlide6.xml><?xml version="1.0" encoding="utf-8"?>
-<p:notes xmlns:a="http://schemas.openxmlformats.org/drawingml/2006/main" xmlns:r="http://schemas.openxmlformats.org/officeDocument/2006/relationships" xmlns:mc="http://schemas.openxmlformats.org/markup-compatibility/2006" xmlns:mv="urn:schemas-microsoft-com:mac:vml" xmlns:p="http://schemas.openxmlformats.org/presentationml/2006/main" xmlns:c="http://schemas.openxmlformats.org/drawingml/2006/chart" xmlns:dgm="http://schemas.openxmlformats.org/drawingml/2006/diagram" xmlns:o="urn:schemas-microsoft-com:office:office" xmlns:v="urn:schemas-microsoft-com:vml" xmlns:pvml="urn:schemas-microsoft-com:office:powerpoint" xmlns:com="http://schemas.openxmlformats.org/drawingml/2006/compatibility" xmlns:p14="http://schemas.microsoft.com/office/powerpoint/2010/main" showMasterPhAnim="0" showMasterSp="0">
+<file path=ppt/notesSlides/notesSlide5.xml><?xml version="1.0" encoding="utf-8"?>
+<p:notes xmlns:a="http://schemas.openxmlformats.org/drawingml/2006/main" xmlns:r="http://schemas.openxmlformats.org/officeDocument/2006/relationships" xmlns:mc="http://schemas.openxmlformats.org/markup-compatibility/2006" xmlns:mv="urn:schemas-microsoft-com:mac:vml" xmlns:p="http://schemas.openxmlformats.org/presentationml/2006/main" xmlns:c="http://schemas.openxmlformats.org/drawingml/2006/chart" xmlns:dgm="http://schemas.openxmlformats.org/drawingml/2006/diagram" xmlns:o="urn:schemas-microsoft-com:office:office" xmlns:v="urn:schemas-microsoft-com:vml" xmlns:pvml="urn:schemas-microsoft-com:office:powerpoint" xmlns:com="http://schemas.openxmlformats.org/drawingml/2006/compatibility" xmlns:p14="http://schemas.microsoft.com/office/powerpoint/2010/main" xmlns:p15="http://schemas.microsoft.com/office/powerpoint/2012/main" showMasterPhAnim="0" showMasterSp="0">
   <p:cSld>
     <p:spTree>
       <p:nvGrpSpPr>
-        <p:cNvPr id="68" name="Shape 68"/>
+        <p:cNvPr id="57" name="Shape 57"/>
         <p:cNvGrpSpPr/>
         <p:nvPr/>
       </p:nvGrpSpPr>
@@ -2212,7 +2222,7 @@
       </p:grpSpPr>
       <p:sp>
         <p:nvSpPr>
-          <p:cNvPr id="69" name="Shape 69"/>
+          <p:cNvPr id="58" name="Shape 58"/>
           <p:cNvSpPr/>
           <p:nvPr>
             <p:ph idx="2" type="sldImg"/>
@@ -2246,7 +2256,7 @@
       </p:sp>
       <p:sp>
         <p:nvSpPr>
-          <p:cNvPr id="70" name="Shape 70"/>
+          <p:cNvPr id="59" name="Shape 59"/>
           <p:cNvSpPr txBox="1"/>
           <p:nvPr>
             <p:ph idx="1" type="body"/>
@@ -2262,7 +2272,7 @@
           </a:prstGeom>
         </p:spPr>
         <p:txBody>
-          <a:bodyPr anchorCtr="0" anchor="t" bIns="91425" lIns="91425" rIns="91425" tIns="91425">
+          <a:bodyPr anchorCtr="0" anchor="t" bIns="91425" lIns="91425" rIns="91425" wrap="square" tIns="91425">
             <a:noAutofit/>
           </a:bodyPr>
           <a:lstStyle/>
@@ -2288,12 +2298,12 @@
 </p:notes>
 </file>
 
-<file path=ppt/notesSlides/notesSlide7.xml><?xml version="1.0" encoding="utf-8"?>
-<p:notes xmlns:a="http://schemas.openxmlformats.org/drawingml/2006/main" xmlns:r="http://schemas.openxmlformats.org/officeDocument/2006/relationships" xmlns:mc="http://schemas.openxmlformats.org/markup-compatibility/2006" xmlns:mv="urn:schemas-microsoft-com:mac:vml" xmlns:p="http://schemas.openxmlformats.org/presentationml/2006/main" xmlns:c="http://schemas.openxmlformats.org/drawingml/2006/chart" xmlns:dgm="http://schemas.openxmlformats.org/drawingml/2006/diagram" xmlns:o="urn:schemas-microsoft-com:office:office" xmlns:v="urn:schemas-microsoft-com:vml" xmlns:pvml="urn:schemas-microsoft-com:office:powerpoint" xmlns:com="http://schemas.openxmlformats.org/drawingml/2006/compatibility" xmlns:p14="http://schemas.microsoft.com/office/powerpoint/2010/main" showMasterPhAnim="0" showMasterSp="0">
+<file path=ppt/notesSlides/notesSlide6.xml><?xml version="1.0" encoding="utf-8"?>
+<p:notes xmlns:a="http://schemas.openxmlformats.org/drawingml/2006/main" xmlns:r="http://schemas.openxmlformats.org/officeDocument/2006/relationships" xmlns:mc="http://schemas.openxmlformats.org/markup-compatibility/2006" xmlns:mv="urn:schemas-microsoft-com:mac:vml" xmlns:p="http://schemas.openxmlformats.org/presentationml/2006/main" xmlns:c="http://schemas.openxmlformats.org/drawingml/2006/chart" xmlns:dgm="http://schemas.openxmlformats.org/drawingml/2006/diagram" xmlns:o="urn:schemas-microsoft-com:office:office" xmlns:v="urn:schemas-microsoft-com:vml" xmlns:pvml="urn:schemas-microsoft-com:office:powerpoint" xmlns:com="http://schemas.openxmlformats.org/drawingml/2006/compatibility" xmlns:p14="http://schemas.microsoft.com/office/powerpoint/2010/main" xmlns:p15="http://schemas.microsoft.com/office/powerpoint/2012/main" showMasterPhAnim="0" showMasterSp="0">
   <p:cSld>
     <p:spTree>
       <p:nvGrpSpPr>
-        <p:cNvPr id="79" name="Shape 79"/>
+        <p:cNvPr id="68" name="Shape 68"/>
         <p:cNvGrpSpPr/>
         <p:nvPr/>
       </p:nvGrpSpPr>
@@ -2307,7 +2317,7 @@
       </p:grpSpPr>
       <p:sp>
         <p:nvSpPr>
-          <p:cNvPr id="80" name="Shape 80"/>
+          <p:cNvPr id="69" name="Shape 69"/>
           <p:cNvSpPr/>
           <p:nvPr>
             <p:ph idx="2" type="sldImg"/>
@@ -2341,7 +2351,7 @@
       </p:sp>
       <p:sp>
         <p:nvSpPr>
-          <p:cNvPr id="81" name="Shape 81"/>
+          <p:cNvPr id="70" name="Shape 70"/>
           <p:cNvSpPr txBox="1"/>
           <p:nvPr>
             <p:ph idx="1" type="body"/>
@@ -2357,12 +2367,12 @@
           </a:prstGeom>
         </p:spPr>
         <p:txBody>
-          <a:bodyPr anchorCtr="0" anchor="t" bIns="91425" lIns="91425" rIns="91425" tIns="91425">
+          <a:bodyPr anchorCtr="0" anchor="t" bIns="91425" lIns="91425" rIns="91425" wrap="square" tIns="91425">
             <a:noAutofit/>
           </a:bodyPr>
           <a:lstStyle/>
           <a:p>
-            <a:pPr lvl="0" rtl="0">
+            <a:pPr lvl="0">
               <a:spcBef>
                 <a:spcPts val="0"/>
               </a:spcBef>
@@ -2383,12 +2393,12 @@
 </p:notes>
 </file>
 
-<file path=ppt/notesSlides/notesSlide8.xml><?xml version="1.0" encoding="utf-8"?>
-<p:notes xmlns:a="http://schemas.openxmlformats.org/drawingml/2006/main" xmlns:r="http://schemas.openxmlformats.org/officeDocument/2006/relationships" xmlns:mc="http://schemas.openxmlformats.org/markup-compatibility/2006" xmlns:mv="urn:schemas-microsoft-com:mac:vml" xmlns:p="http://schemas.openxmlformats.org/presentationml/2006/main" xmlns:c="http://schemas.openxmlformats.org/drawingml/2006/chart" xmlns:dgm="http://schemas.openxmlformats.org/drawingml/2006/diagram" xmlns:o="urn:schemas-microsoft-com:office:office" xmlns:v="urn:schemas-microsoft-com:vml" xmlns:pvml="urn:schemas-microsoft-com:office:powerpoint" xmlns:com="http://schemas.openxmlformats.org/drawingml/2006/compatibility" xmlns:p14="http://schemas.microsoft.com/office/powerpoint/2010/main" showMasterPhAnim="0" showMasterSp="0">
+<file path=ppt/notesSlides/notesSlide7.xml><?xml version="1.0" encoding="utf-8"?>
+<p:notes xmlns:a="http://schemas.openxmlformats.org/drawingml/2006/main" xmlns:r="http://schemas.openxmlformats.org/officeDocument/2006/relationships" xmlns:mc="http://schemas.openxmlformats.org/markup-compatibility/2006" xmlns:mv="urn:schemas-microsoft-com:mac:vml" xmlns:p="http://schemas.openxmlformats.org/presentationml/2006/main" xmlns:c="http://schemas.openxmlformats.org/drawingml/2006/chart" xmlns:dgm="http://schemas.openxmlformats.org/drawingml/2006/diagram" xmlns:o="urn:schemas-microsoft-com:office:office" xmlns:v="urn:schemas-microsoft-com:vml" xmlns:pvml="urn:schemas-microsoft-com:office:powerpoint" xmlns:com="http://schemas.openxmlformats.org/drawingml/2006/compatibility" xmlns:p14="http://schemas.microsoft.com/office/powerpoint/2010/main" xmlns:p15="http://schemas.microsoft.com/office/powerpoint/2012/main" showMasterPhAnim="0" showMasterSp="0">
   <p:cSld>
     <p:spTree>
       <p:nvGrpSpPr>
-        <p:cNvPr id="90" name="Shape 90"/>
+        <p:cNvPr id="79" name="Shape 79"/>
         <p:cNvGrpSpPr/>
         <p:nvPr/>
       </p:nvGrpSpPr>
@@ -2402,7 +2412,7 @@
       </p:grpSpPr>
       <p:sp>
         <p:nvSpPr>
-          <p:cNvPr id="91" name="Shape 91"/>
+          <p:cNvPr id="80" name="Shape 80"/>
           <p:cNvSpPr/>
           <p:nvPr>
             <p:ph idx="2" type="sldImg"/>
@@ -2436,7 +2446,7 @@
       </p:sp>
       <p:sp>
         <p:nvSpPr>
-          <p:cNvPr id="92" name="Shape 92"/>
+          <p:cNvPr id="81" name="Shape 81"/>
           <p:cNvSpPr txBox="1"/>
           <p:nvPr>
             <p:ph idx="1" type="body"/>
@@ -2452,12 +2462,12 @@
           </a:prstGeom>
         </p:spPr>
         <p:txBody>
-          <a:bodyPr anchorCtr="0" anchor="t" bIns="91425" lIns="91425" rIns="91425" tIns="91425">
+          <a:bodyPr anchorCtr="0" anchor="t" bIns="91425" lIns="91425" rIns="91425" wrap="square" tIns="91425">
             <a:noAutofit/>
           </a:bodyPr>
           <a:lstStyle/>
           <a:p>
-            <a:pPr lvl="0">
+            <a:pPr lvl="0" rtl="0">
               <a:spcBef>
                 <a:spcPts val="0"/>
               </a:spcBef>
@@ -2478,12 +2488,12 @@
 </p:notes>
 </file>
 
-<file path=ppt/notesSlides/notesSlide9.xml><?xml version="1.0" encoding="utf-8"?>
-<p:notes xmlns:a="http://schemas.openxmlformats.org/drawingml/2006/main" xmlns:r="http://schemas.openxmlformats.org/officeDocument/2006/relationships" xmlns:mc="http://schemas.openxmlformats.org/markup-compatibility/2006" xmlns:mv="urn:schemas-microsoft-com:mac:vml" xmlns:p="http://schemas.openxmlformats.org/presentationml/2006/main" xmlns:c="http://schemas.openxmlformats.org/drawingml/2006/chart" xmlns:dgm="http://schemas.openxmlformats.org/drawingml/2006/diagram" xmlns:o="urn:schemas-microsoft-com:office:office" xmlns:v="urn:schemas-microsoft-com:vml" xmlns:pvml="urn:schemas-microsoft-com:office:powerpoint" xmlns:com="http://schemas.openxmlformats.org/drawingml/2006/compatibility" xmlns:p14="http://schemas.microsoft.com/office/powerpoint/2010/main" showMasterPhAnim="0" showMasterSp="0">
+<file path=ppt/notesSlides/notesSlide8.xml><?xml version="1.0" encoding="utf-8"?>
+<p:notes xmlns:a="http://schemas.openxmlformats.org/drawingml/2006/main" xmlns:r="http://schemas.openxmlformats.org/officeDocument/2006/relationships" xmlns:mc="http://schemas.openxmlformats.org/markup-compatibility/2006" xmlns:mv="urn:schemas-microsoft-com:mac:vml" xmlns:p="http://schemas.openxmlformats.org/presentationml/2006/main" xmlns:c="http://schemas.openxmlformats.org/drawingml/2006/chart" xmlns:dgm="http://schemas.openxmlformats.org/drawingml/2006/diagram" xmlns:o="urn:schemas-microsoft-com:office:office" xmlns:v="urn:schemas-microsoft-com:vml" xmlns:pvml="urn:schemas-microsoft-com:office:powerpoint" xmlns:com="http://schemas.openxmlformats.org/drawingml/2006/compatibility" xmlns:p14="http://schemas.microsoft.com/office/powerpoint/2010/main" xmlns:p15="http://schemas.microsoft.com/office/powerpoint/2012/main" showMasterPhAnim="0" showMasterSp="0">
   <p:cSld>
     <p:spTree>
       <p:nvGrpSpPr>
-        <p:cNvPr id="96" name="Shape 96"/>
+        <p:cNvPr id="90" name="Shape 90"/>
         <p:cNvGrpSpPr/>
         <p:nvPr/>
       </p:nvGrpSpPr>
@@ -2497,7 +2507,7 @@
       </p:grpSpPr>
       <p:sp>
         <p:nvSpPr>
-          <p:cNvPr id="97" name="Shape 97"/>
+          <p:cNvPr id="91" name="Shape 91"/>
           <p:cNvSpPr/>
           <p:nvPr>
             <p:ph idx="2" type="sldImg"/>
@@ -2531,7 +2541,7 @@
       </p:sp>
       <p:sp>
         <p:nvSpPr>
-          <p:cNvPr id="98" name="Shape 98"/>
+          <p:cNvPr id="92" name="Shape 92"/>
           <p:cNvSpPr txBox="1"/>
           <p:nvPr>
             <p:ph idx="1" type="body"/>
@@ -2547,12 +2557,107 @@
           </a:prstGeom>
         </p:spPr>
         <p:txBody>
-          <a:bodyPr anchorCtr="0" anchor="t" bIns="91425" lIns="91425" rIns="91425" tIns="91425">
+          <a:bodyPr anchorCtr="0" anchor="t" bIns="91425" lIns="91425" rIns="91425" wrap="square" tIns="91425">
             <a:noAutofit/>
           </a:bodyPr>
           <a:lstStyle/>
           <a:p>
             <a:pPr lvl="0" rtl="0">
+              <a:spcBef>
+                <a:spcPts val="0"/>
+              </a:spcBef>
+              <a:buNone/>
+            </a:pPr>
+            <a:r>
+              <a:t/>
+            </a:r>
+            <a:endParaRPr/>
+          </a:p>
+        </p:txBody>
+      </p:sp>
+    </p:spTree>
+  </p:cSld>
+  <p:clrMapOvr>
+    <a:masterClrMapping/>
+  </p:clrMapOvr>
+</p:notes>
+</file>
+
+<file path=ppt/notesSlides/notesSlide9.xml><?xml version="1.0" encoding="utf-8"?>
+<p:notes xmlns:a="http://schemas.openxmlformats.org/drawingml/2006/main" xmlns:r="http://schemas.openxmlformats.org/officeDocument/2006/relationships" xmlns:mc="http://schemas.openxmlformats.org/markup-compatibility/2006" xmlns:mv="urn:schemas-microsoft-com:mac:vml" xmlns:p="http://schemas.openxmlformats.org/presentationml/2006/main" xmlns:c="http://schemas.openxmlformats.org/drawingml/2006/chart" xmlns:dgm="http://schemas.openxmlformats.org/drawingml/2006/diagram" xmlns:o="urn:schemas-microsoft-com:office:office" xmlns:v="urn:schemas-microsoft-com:vml" xmlns:pvml="urn:schemas-microsoft-com:office:powerpoint" xmlns:com="http://schemas.openxmlformats.org/drawingml/2006/compatibility" xmlns:p14="http://schemas.microsoft.com/office/powerpoint/2010/main" xmlns:p15="http://schemas.microsoft.com/office/powerpoint/2012/main" showMasterPhAnim="0" showMasterSp="0">
+  <p:cSld>
+    <p:spTree>
+      <p:nvGrpSpPr>
+        <p:cNvPr id="95" name="Shape 95"/>
+        <p:cNvGrpSpPr/>
+        <p:nvPr/>
+      </p:nvGrpSpPr>
+      <p:grpSpPr>
+        <a:xfrm>
+          <a:off x="0" y="0"/>
+          <a:ext cx="0" cy="0"/>
+          <a:chOff x="0" y="0"/>
+          <a:chExt cx="0" cy="0"/>
+        </a:xfrm>
+      </p:grpSpPr>
+      <p:sp>
+        <p:nvSpPr>
+          <p:cNvPr id="96" name="Shape 96"/>
+          <p:cNvSpPr/>
+          <p:nvPr>
+            <p:ph idx="2" type="sldImg"/>
+          </p:nvPr>
+        </p:nvSpPr>
+        <p:spPr>
+          <a:xfrm>
+            <a:off x="1143225" y="685800"/>
+            <a:ext cx="4572300" cy="3429000"/>
+          </a:xfrm>
+          <a:custGeom>
+            <a:pathLst>
+              <a:path extrusionOk="0" h="120000" w="120000">
+                <a:moveTo>
+                  <a:pt x="0" y="0"/>
+                </a:moveTo>
+                <a:lnTo>
+                  <a:pt x="120000" y="0"/>
+                </a:lnTo>
+                <a:lnTo>
+                  <a:pt x="120000" y="120000"/>
+                </a:lnTo>
+                <a:lnTo>
+                  <a:pt x="0" y="120000"/>
+                </a:lnTo>
+                <a:close/>
+              </a:path>
+            </a:pathLst>
+          </a:custGeom>
+        </p:spPr>
+      </p:sp>
+      <p:sp>
+        <p:nvSpPr>
+          <p:cNvPr id="97" name="Shape 97"/>
+          <p:cNvSpPr txBox="1"/>
+          <p:nvPr>
+            <p:ph idx="1" type="body"/>
+          </p:nvPr>
+        </p:nvSpPr>
+        <p:spPr>
+          <a:xfrm>
+            <a:off x="685800" y="4343400"/>
+            <a:ext cx="5486400" cy="4114800"/>
+          </a:xfrm>
+          <a:prstGeom prst="rect">
+            <a:avLst/>
+          </a:prstGeom>
+        </p:spPr>
+        <p:txBody>
+          <a:bodyPr anchorCtr="0" anchor="t" bIns="91425" lIns="91425" rIns="91425" wrap="square" tIns="91425">
+            <a:noAutofit/>
+          </a:bodyPr>
+          <a:lstStyle/>
+          <a:p>
+            <a:pPr lvl="0">
               <a:spcBef>
                 <a:spcPts val="0"/>
               </a:spcBef>
@@ -2574,7 +2679,7 @@
 </file>
 
 <file path=ppt/slideLayouts/slideLayout1.xml><?xml version="1.0" encoding="utf-8"?>
-<p:sldLayout xmlns:a="http://schemas.openxmlformats.org/drawingml/2006/main" xmlns:r="http://schemas.openxmlformats.org/officeDocument/2006/relationships" xmlns:mc="http://schemas.openxmlformats.org/markup-compatibility/2006" xmlns:mv="urn:schemas-microsoft-com:mac:vml" xmlns:p="http://schemas.openxmlformats.org/presentationml/2006/main" xmlns:c="http://schemas.openxmlformats.org/drawingml/2006/chart" xmlns:dgm="http://schemas.openxmlformats.org/drawingml/2006/diagram" xmlns:o="urn:schemas-microsoft-com:office:office" xmlns:v="urn:schemas-microsoft-com:vml" xmlns:pvml="urn:schemas-microsoft-com:office:powerpoint" xmlns:com="http://schemas.openxmlformats.org/drawingml/2006/compatibility" xmlns:p14="http://schemas.microsoft.com/office/powerpoint/2010/main" type="title">
+<p:sldLayout xmlns:a="http://schemas.openxmlformats.org/drawingml/2006/main" xmlns:r="http://schemas.openxmlformats.org/officeDocument/2006/relationships" xmlns:mc="http://schemas.openxmlformats.org/markup-compatibility/2006" xmlns:mv="urn:schemas-microsoft-com:mac:vml" xmlns:p="http://schemas.openxmlformats.org/presentationml/2006/main" xmlns:c="http://schemas.openxmlformats.org/drawingml/2006/chart" xmlns:dgm="http://schemas.openxmlformats.org/drawingml/2006/diagram" xmlns:o="urn:schemas-microsoft-com:office:office" xmlns:v="urn:schemas-microsoft-com:vml" xmlns:pvml="urn:schemas-microsoft-com:office:powerpoint" xmlns:com="http://schemas.openxmlformats.org/drawingml/2006/compatibility" xmlns:p14="http://schemas.microsoft.com/office/powerpoint/2010/main" xmlns:p15="http://schemas.microsoft.com/office/powerpoint/2012/main" type="title">
   <p:cSld name="Title slide">
     <p:spTree>
       <p:nvGrpSpPr>
@@ -2598,8 +2703,8 @@
         </p:nvSpPr>
         <p:spPr>
           <a:xfrm flipH="1" rot="10800000">
-            <a:off x="0" y="4124512"/>
-            <a:ext cx="8458200" cy="949799"/>
+            <a:off x="0" y="4124513"/>
+            <a:ext cx="8458200" cy="949800"/>
           </a:xfrm>
           <a:prstGeom prst="rect">
             <a:avLst/>
@@ -2612,7 +2717,7 @@
           </a:ln>
         </p:spPr>
         <p:txBody>
-          <a:bodyPr anchorCtr="0" anchor="ctr" bIns="45700" lIns="91425" rIns="91425" tIns="45700">
+          <a:bodyPr anchorCtr="0" anchor="ctr" bIns="45700" lIns="91425" rIns="91425" wrap="square" tIns="45700">
             <a:noAutofit/>
           </a:bodyPr>
           <a:lstStyle/>
@@ -2640,8 +2745,8 @@
         </p:nvSpPr>
         <p:spPr>
           <a:xfrm>
-            <a:off x="685800" y="1734342"/>
-            <a:ext cx="7772400" cy="2245499"/>
+            <a:off x="685800" y="1734343"/>
+            <a:ext cx="7772400" cy="2245500"/>
           </a:xfrm>
           <a:prstGeom prst="rect">
             <a:avLst/>
@@ -2652,7 +2757,7 @@
           </a:ln>
         </p:spPr>
         <p:txBody>
-          <a:bodyPr anchorCtr="0" anchor="b" bIns="91425" lIns="91425" rIns="91425" tIns="91425"/>
+          <a:bodyPr anchorCtr="0" anchor="b" bIns="91425" lIns="91425" rIns="91425" wrap="square" tIns="91425"/>
           <a:lstStyle>
             <a:lvl1pPr lvl="0" rtl="0" algn="l">
               <a:spcBef>
@@ -2849,7 +2954,7 @@
         <p:spPr>
           <a:xfrm>
             <a:off x="685800" y="4124476"/>
-            <a:ext cx="7772400" cy="949799"/>
+            <a:ext cx="7772400" cy="949800"/>
           </a:xfrm>
           <a:prstGeom prst="rect">
             <a:avLst/>
@@ -2860,7 +2965,7 @@
           </a:ln>
         </p:spPr>
         <p:txBody>
-          <a:bodyPr anchorCtr="0" anchor="ctr" bIns="91425" lIns="91425" rIns="91425" tIns="91425"/>
+          <a:bodyPr anchorCtr="0" anchor="ctr" bIns="91425" lIns="91425" rIns="91425" wrap="square" tIns="91425"/>
           <a:lstStyle>
             <a:lvl1pPr lvl="0" rtl="0" algn="l">
               <a:spcBef>
@@ -3055,7 +3160,7 @@
 </file>
 
 <file path=ppt/slideLayouts/slideLayout2.xml><?xml version="1.0" encoding="utf-8"?>
-<p:sldLayout xmlns:a="http://schemas.openxmlformats.org/drawingml/2006/main" xmlns:r="http://schemas.openxmlformats.org/officeDocument/2006/relationships" xmlns:mc="http://schemas.openxmlformats.org/markup-compatibility/2006" xmlns:mv="urn:schemas-microsoft-com:mac:vml" xmlns:p="http://schemas.openxmlformats.org/presentationml/2006/main" xmlns:c="http://schemas.openxmlformats.org/drawingml/2006/chart" xmlns:dgm="http://schemas.openxmlformats.org/drawingml/2006/diagram" xmlns:o="urn:schemas-microsoft-com:office:office" xmlns:v="urn:schemas-microsoft-com:vml" xmlns:pvml="urn:schemas-microsoft-com:office:powerpoint" xmlns:com="http://schemas.openxmlformats.org/drawingml/2006/compatibility" xmlns:p14="http://schemas.microsoft.com/office/powerpoint/2010/main" type="tx">
+<p:sldLayout xmlns:a="http://schemas.openxmlformats.org/drawingml/2006/main" xmlns:r="http://schemas.openxmlformats.org/officeDocument/2006/relationships" xmlns:mc="http://schemas.openxmlformats.org/markup-compatibility/2006" xmlns:mv="urn:schemas-microsoft-com:mac:vml" xmlns:p="http://schemas.openxmlformats.org/presentationml/2006/main" xmlns:c="http://schemas.openxmlformats.org/drawingml/2006/chart" xmlns:dgm="http://schemas.openxmlformats.org/drawingml/2006/diagram" xmlns:o="urn:schemas-microsoft-com:office:office" xmlns:v="urn:schemas-microsoft-com:vml" xmlns:pvml="urn:schemas-microsoft-com:office:powerpoint" xmlns:com="http://schemas.openxmlformats.org/drawingml/2006/compatibility" xmlns:p14="http://schemas.microsoft.com/office/powerpoint/2010/main" xmlns:p15="http://schemas.microsoft.com/office/powerpoint/2012/main" type="tx">
   <p:cSld name="Title and body">
     <p:spTree>
       <p:nvGrpSpPr>
@@ -3093,7 +3198,7 @@
           </a:ln>
         </p:spPr>
         <p:txBody>
-          <a:bodyPr anchorCtr="0" anchor="ctr" bIns="45700" lIns="91425" rIns="91425" tIns="45700">
+          <a:bodyPr anchorCtr="0" anchor="ctr" bIns="45700" lIns="91425" rIns="91425" wrap="square" tIns="45700">
             <a:noAutofit/>
           </a:bodyPr>
           <a:lstStyle/>
@@ -3122,7 +3227,7 @@
         <p:spPr>
           <a:xfrm>
             <a:off x="457200" y="274637"/>
-            <a:ext cx="8229600" cy="1522199"/>
+            <a:ext cx="8229600" cy="1522200"/>
           </a:xfrm>
           <a:prstGeom prst="rect">
             <a:avLst/>
@@ -3133,7 +3238,7 @@
           </a:ln>
         </p:spPr>
         <p:txBody>
-          <a:bodyPr anchorCtr="0" anchor="b" bIns="91425" lIns="91425" rIns="91425" tIns="91425"/>
+          <a:bodyPr anchorCtr="0" anchor="b" bIns="91425" lIns="91425" rIns="91425" wrap="square" tIns="91425"/>
           <a:lstStyle>
             <a:lvl1pPr lvl="0" rtl="0">
               <a:spcBef>
@@ -3240,7 +3345,7 @@
         <p:spPr>
           <a:xfrm>
             <a:off x="457200" y="1947332"/>
-            <a:ext cx="8229600" cy="4620299"/>
+            <a:ext cx="8229600" cy="4620300"/>
           </a:xfrm>
           <a:prstGeom prst="rect">
             <a:avLst/>
@@ -3251,7 +3356,7 @@
           </a:ln>
         </p:spPr>
         <p:txBody>
-          <a:bodyPr anchorCtr="0" anchor="t" bIns="91425" lIns="91425" rIns="91425" tIns="91425"/>
+          <a:bodyPr anchorCtr="0" anchor="t" bIns="91425" lIns="91425" rIns="91425" wrap="square" tIns="91425"/>
           <a:lstStyle>
             <a:lvl1pPr lvl="0" rtl="0">
               <a:spcBef>
@@ -3320,7 +3425,7 @@
 </file>
 
 <file path=ppt/slideLayouts/slideLayout3.xml><?xml version="1.0" encoding="utf-8"?>
-<p:sldLayout xmlns:a="http://schemas.openxmlformats.org/drawingml/2006/main" xmlns:r="http://schemas.openxmlformats.org/officeDocument/2006/relationships" xmlns:mc="http://schemas.openxmlformats.org/markup-compatibility/2006" xmlns:mv="urn:schemas-microsoft-com:mac:vml" xmlns:p="http://schemas.openxmlformats.org/presentationml/2006/main" xmlns:c="http://schemas.openxmlformats.org/drawingml/2006/chart" xmlns:dgm="http://schemas.openxmlformats.org/drawingml/2006/diagram" xmlns:o="urn:schemas-microsoft-com:office:office" xmlns:v="urn:schemas-microsoft-com:vml" xmlns:pvml="urn:schemas-microsoft-com:office:powerpoint" xmlns:com="http://schemas.openxmlformats.org/drawingml/2006/compatibility" xmlns:p14="http://schemas.microsoft.com/office/powerpoint/2010/main" type="twoColTx">
+<p:sldLayout xmlns:a="http://schemas.openxmlformats.org/drawingml/2006/main" xmlns:r="http://schemas.openxmlformats.org/officeDocument/2006/relationships" xmlns:mc="http://schemas.openxmlformats.org/markup-compatibility/2006" xmlns:mv="urn:schemas-microsoft-com:mac:vml" xmlns:p="http://schemas.openxmlformats.org/presentationml/2006/main" xmlns:c="http://schemas.openxmlformats.org/drawingml/2006/chart" xmlns:dgm="http://schemas.openxmlformats.org/drawingml/2006/diagram" xmlns:o="urn:schemas-microsoft-com:office:office" xmlns:v="urn:schemas-microsoft-com:vml" xmlns:pvml="urn:schemas-microsoft-com:office:powerpoint" xmlns:com="http://schemas.openxmlformats.org/drawingml/2006/compatibility" xmlns:p14="http://schemas.microsoft.com/office/powerpoint/2010/main" xmlns:p15="http://schemas.microsoft.com/office/powerpoint/2012/main" type="twoColTx">
   <p:cSld name="Title and two columns">
     <p:spTree>
       <p:nvGrpSpPr>
@@ -3358,7 +3463,7 @@
           </a:ln>
         </p:spPr>
         <p:txBody>
-          <a:bodyPr anchorCtr="0" anchor="ctr" bIns="45700" lIns="91425" rIns="91425" tIns="45700">
+          <a:bodyPr anchorCtr="0" anchor="ctr" bIns="45700" lIns="91425" rIns="91425" wrap="square" tIns="45700">
             <a:noAutofit/>
           </a:bodyPr>
           <a:lstStyle/>
@@ -3387,7 +3492,7 @@
         <p:spPr>
           <a:xfrm>
             <a:off x="457200" y="274637"/>
-            <a:ext cx="8229600" cy="1522199"/>
+            <a:ext cx="8229600" cy="1522200"/>
           </a:xfrm>
           <a:prstGeom prst="rect">
             <a:avLst/>
@@ -3398,7 +3503,7 @@
           </a:ln>
         </p:spPr>
         <p:txBody>
-          <a:bodyPr anchorCtr="0" anchor="b" bIns="91425" lIns="91425" rIns="91425" tIns="91425"/>
+          <a:bodyPr anchorCtr="0" anchor="b" bIns="91425" lIns="91425" rIns="91425" wrap="square" tIns="91425"/>
           <a:lstStyle>
             <a:lvl1pPr lvl="0" rtl="0" algn="l">
               <a:spcBef>
@@ -3568,7 +3673,7 @@
         <p:spPr>
           <a:xfrm>
             <a:off x="457200" y="1947332"/>
-            <a:ext cx="4030200" cy="4620299"/>
+            <a:ext cx="4030200" cy="4620300"/>
           </a:xfrm>
           <a:prstGeom prst="rect">
             <a:avLst/>
@@ -3579,7 +3684,7 @@
           </a:ln>
         </p:spPr>
         <p:txBody>
-          <a:bodyPr anchorCtr="0" anchor="t" bIns="91425" lIns="91425" rIns="91425" tIns="91425"/>
+          <a:bodyPr anchorCtr="0" anchor="t" bIns="91425" lIns="91425" rIns="91425" wrap="square" tIns="91425"/>
           <a:lstStyle>
             <a:lvl1pPr lvl="0" rtl="0">
               <a:spcBef>
@@ -3649,8 +3754,8 @@
         </p:nvSpPr>
         <p:spPr>
           <a:xfrm>
-            <a:off x="4656667" y="1949211"/>
-            <a:ext cx="4030200" cy="4620299"/>
+            <a:off x="4656667" y="1949212"/>
+            <a:ext cx="4030200" cy="4620300"/>
           </a:xfrm>
           <a:prstGeom prst="rect">
             <a:avLst/>
@@ -3661,7 +3766,7 @@
           </a:ln>
         </p:spPr>
         <p:txBody>
-          <a:bodyPr anchorCtr="0" anchor="t" bIns="91425" lIns="91425" rIns="91425" tIns="91425"/>
+          <a:bodyPr anchorCtr="0" anchor="t" bIns="91425" lIns="91425" rIns="91425" wrap="square" tIns="91425"/>
           <a:lstStyle>
             <a:lvl1pPr lvl="0" rtl="0">
               <a:spcBef>
@@ -3730,7 +3835,7 @@
 </file>
 
 <file path=ppt/slideLayouts/slideLayout4.xml><?xml version="1.0" encoding="utf-8"?>
-<p:sldLayout xmlns:a="http://schemas.openxmlformats.org/drawingml/2006/main" xmlns:r="http://schemas.openxmlformats.org/officeDocument/2006/relationships" xmlns:mc="http://schemas.openxmlformats.org/markup-compatibility/2006" xmlns:mv="urn:schemas-microsoft-com:mac:vml" xmlns:p="http://schemas.openxmlformats.org/presentationml/2006/main" xmlns:c="http://schemas.openxmlformats.org/drawingml/2006/chart" xmlns:dgm="http://schemas.openxmlformats.org/drawingml/2006/diagram" xmlns:o="urn:schemas-microsoft-com:office:office" xmlns:v="urn:schemas-microsoft-com:vml" xmlns:pvml="urn:schemas-microsoft-com:office:powerpoint" xmlns:com="http://schemas.openxmlformats.org/drawingml/2006/compatibility" xmlns:p14="http://schemas.microsoft.com/office/powerpoint/2010/main" type="titleOnly">
+<p:sldLayout xmlns:a="http://schemas.openxmlformats.org/drawingml/2006/main" xmlns:r="http://schemas.openxmlformats.org/officeDocument/2006/relationships" xmlns:mc="http://schemas.openxmlformats.org/markup-compatibility/2006" xmlns:mv="urn:schemas-microsoft-com:mac:vml" xmlns:p="http://schemas.openxmlformats.org/presentationml/2006/main" xmlns:c="http://schemas.openxmlformats.org/drawingml/2006/chart" xmlns:dgm="http://schemas.openxmlformats.org/drawingml/2006/diagram" xmlns:o="urn:schemas-microsoft-com:office:office" xmlns:v="urn:schemas-microsoft-com:vml" xmlns:pvml="urn:schemas-microsoft-com:office:powerpoint" xmlns:com="http://schemas.openxmlformats.org/drawingml/2006/compatibility" xmlns:p14="http://schemas.microsoft.com/office/powerpoint/2010/main" xmlns:p15="http://schemas.microsoft.com/office/powerpoint/2012/main" type="titleOnly">
   <p:cSld name="Title only">
     <p:spTree>
       <p:nvGrpSpPr>
@@ -3768,7 +3873,7 @@
           </a:ln>
         </p:spPr>
         <p:txBody>
-          <a:bodyPr anchorCtr="0" anchor="ctr" bIns="45700" lIns="91425" rIns="91425" tIns="45700">
+          <a:bodyPr anchorCtr="0" anchor="ctr" bIns="45700" lIns="91425" rIns="91425" wrap="square" tIns="45700">
             <a:noAutofit/>
           </a:bodyPr>
           <a:lstStyle/>
@@ -3797,7 +3902,7 @@
         <p:spPr>
           <a:xfrm>
             <a:off x="457200" y="274637"/>
-            <a:ext cx="8229600" cy="1522199"/>
+            <a:ext cx="8229600" cy="1522200"/>
           </a:xfrm>
           <a:prstGeom prst="rect">
             <a:avLst/>
@@ -3808,7 +3913,7 @@
           </a:ln>
         </p:spPr>
         <p:txBody>
-          <a:bodyPr anchorCtr="0" anchor="b" bIns="91425" lIns="91425" rIns="91425" tIns="91425"/>
+          <a:bodyPr anchorCtr="0" anchor="b" bIns="91425" lIns="91425" rIns="91425" wrap="square" tIns="91425"/>
           <a:lstStyle>
             <a:lvl1pPr lvl="0" rtl="0" algn="l">
               <a:spcBef>
@@ -3976,7 +4081,7 @@
 </file>
 
 <file path=ppt/slideLayouts/slideLayout5.xml><?xml version="1.0" encoding="utf-8"?>
-<p:sldLayout xmlns:a="http://schemas.openxmlformats.org/drawingml/2006/main" xmlns:r="http://schemas.openxmlformats.org/officeDocument/2006/relationships" xmlns:mc="http://schemas.openxmlformats.org/markup-compatibility/2006" xmlns:mv="urn:schemas-microsoft-com:mac:vml" xmlns:p="http://schemas.openxmlformats.org/presentationml/2006/main" xmlns:c="http://schemas.openxmlformats.org/drawingml/2006/chart" xmlns:dgm="http://schemas.openxmlformats.org/drawingml/2006/diagram" xmlns:o="urn:schemas-microsoft-com:office:office" xmlns:v="urn:schemas-microsoft-com:vml" xmlns:pvml="urn:schemas-microsoft-com:office:powerpoint" xmlns:com="http://schemas.openxmlformats.org/drawingml/2006/compatibility" xmlns:p14="http://schemas.microsoft.com/office/powerpoint/2010/main">
+<p:sldLayout xmlns:a="http://schemas.openxmlformats.org/drawingml/2006/main" xmlns:r="http://schemas.openxmlformats.org/officeDocument/2006/relationships" xmlns:mc="http://schemas.openxmlformats.org/markup-compatibility/2006" xmlns:mv="urn:schemas-microsoft-com:mac:vml" xmlns:p="http://schemas.openxmlformats.org/presentationml/2006/main" xmlns:c="http://schemas.openxmlformats.org/drawingml/2006/chart" xmlns:dgm="http://schemas.openxmlformats.org/drawingml/2006/diagram" xmlns:o="urn:schemas-microsoft-com:office:office" xmlns:v="urn:schemas-microsoft-com:vml" xmlns:pvml="urn:schemas-microsoft-com:office:powerpoint" xmlns:com="http://schemas.openxmlformats.org/drawingml/2006/compatibility" xmlns:p14="http://schemas.microsoft.com/office/powerpoint/2010/main" xmlns:p15="http://schemas.microsoft.com/office/powerpoint/2012/main">
   <p:cSld name="Caption">
     <p:spTree>
       <p:nvGrpSpPr>
@@ -4000,7 +4105,7 @@
         </p:nvSpPr>
         <p:spPr>
           <a:xfrm>
-            <a:off x="0" y="5875078"/>
+            <a:off x="0" y="5875079"/>
             <a:ext cx="8686800" cy="692700"/>
           </a:xfrm>
           <a:prstGeom prst="rect">
@@ -4014,7 +4119,7 @@
           </a:ln>
         </p:spPr>
         <p:txBody>
-          <a:bodyPr anchorCtr="0" anchor="ctr" bIns="45700" lIns="91425" rIns="91425" tIns="45700">
+          <a:bodyPr anchorCtr="0" anchor="ctr" bIns="45700" lIns="91425" rIns="91425" wrap="square" tIns="45700">
             <a:noAutofit/>
           </a:bodyPr>
           <a:lstStyle/>
@@ -4042,7 +4147,7 @@
         </p:nvSpPr>
         <p:spPr>
           <a:xfrm>
-            <a:off x="457200" y="5875078"/>
+            <a:off x="457200" y="5875079"/>
             <a:ext cx="8229600" cy="692700"/>
           </a:xfrm>
           <a:prstGeom prst="rect">
@@ -4054,7 +4159,7 @@
           </a:ln>
         </p:spPr>
         <p:txBody>
-          <a:bodyPr anchorCtr="0" anchor="ctr" bIns="91425" lIns="91425" rIns="91425" tIns="91425"/>
+          <a:bodyPr anchorCtr="0" anchor="ctr" bIns="91425" lIns="91425" rIns="91425" wrap="square" tIns="91425"/>
           <a:lstStyle>
             <a:lvl1pPr lvl="0" rtl="0" algn="l">
               <a:lnSpc>
@@ -4267,7 +4372,7 @@
 </file>
 
 <file path=ppt/slideLayouts/slideLayout6.xml><?xml version="1.0" encoding="utf-8"?>
-<p:sldLayout xmlns:a="http://schemas.openxmlformats.org/drawingml/2006/main" xmlns:r="http://schemas.openxmlformats.org/officeDocument/2006/relationships" xmlns:mc="http://schemas.openxmlformats.org/markup-compatibility/2006" xmlns:mv="urn:schemas-microsoft-com:mac:vml" xmlns:p="http://schemas.openxmlformats.org/presentationml/2006/main" xmlns:c="http://schemas.openxmlformats.org/drawingml/2006/chart" xmlns:dgm="http://schemas.openxmlformats.org/drawingml/2006/diagram" xmlns:o="urn:schemas-microsoft-com:office:office" xmlns:v="urn:schemas-microsoft-com:vml" xmlns:pvml="urn:schemas-microsoft-com:office:powerpoint" xmlns:com="http://schemas.openxmlformats.org/drawingml/2006/compatibility" xmlns:p14="http://schemas.microsoft.com/office/powerpoint/2010/main" type="blank">
+<p:sldLayout xmlns:a="http://schemas.openxmlformats.org/drawingml/2006/main" xmlns:r="http://schemas.openxmlformats.org/officeDocument/2006/relationships" xmlns:mc="http://schemas.openxmlformats.org/markup-compatibility/2006" xmlns:mv="urn:schemas-microsoft-com:mac:vml" xmlns:p="http://schemas.openxmlformats.org/presentationml/2006/main" xmlns:c="http://schemas.openxmlformats.org/drawingml/2006/chart" xmlns:dgm="http://schemas.openxmlformats.org/drawingml/2006/diagram" xmlns:o="urn:schemas-microsoft-com:office:office" xmlns:v="urn:schemas-microsoft-com:vml" xmlns:pvml="urn:schemas-microsoft-com:office:powerpoint" xmlns:com="http://schemas.openxmlformats.org/drawingml/2006/compatibility" xmlns:p14="http://schemas.microsoft.com/office/powerpoint/2010/main" xmlns:p15="http://schemas.microsoft.com/office/powerpoint/2012/main" type="blank">
   <p:cSld name="Blank">
     <p:spTree>
       <p:nvGrpSpPr>
@@ -4292,7 +4397,7 @@
 </file>
 
 <file path=ppt/slideMasters/slideMaster1.xml><?xml version="1.0" encoding="utf-8"?>
-<p:sldMaster xmlns:a="http://schemas.openxmlformats.org/drawingml/2006/main" xmlns:r="http://schemas.openxmlformats.org/officeDocument/2006/relationships" xmlns:mc="http://schemas.openxmlformats.org/markup-compatibility/2006" xmlns:mv="urn:schemas-microsoft-com:mac:vml" xmlns:p="http://schemas.openxmlformats.org/presentationml/2006/main" xmlns:c="http://schemas.openxmlformats.org/drawingml/2006/chart" xmlns:dgm="http://schemas.openxmlformats.org/drawingml/2006/diagram" xmlns:o="urn:schemas-microsoft-com:office:office" xmlns:v="urn:schemas-microsoft-com:vml" xmlns:pvml="urn:schemas-microsoft-com:office:powerpoint" xmlns:com="http://schemas.openxmlformats.org/drawingml/2006/compatibility" xmlns:p14="http://schemas.microsoft.com/office/powerpoint/2010/main">
+<p:sldMaster xmlns:a="http://schemas.openxmlformats.org/drawingml/2006/main" xmlns:r="http://schemas.openxmlformats.org/officeDocument/2006/relationships" xmlns:mc="http://schemas.openxmlformats.org/markup-compatibility/2006" xmlns:mv="urn:schemas-microsoft-com:mac:vml" xmlns:p="http://schemas.openxmlformats.org/presentationml/2006/main" xmlns:c="http://schemas.openxmlformats.org/drawingml/2006/chart" xmlns:dgm="http://schemas.openxmlformats.org/drawingml/2006/diagram" xmlns:o="urn:schemas-microsoft-com:office:office" xmlns:v="urn:schemas-microsoft-com:vml" xmlns:pvml="urn:schemas-microsoft-com:office:powerpoint" xmlns:com="http://schemas.openxmlformats.org/drawingml/2006/compatibility" xmlns:p14="http://schemas.microsoft.com/office/powerpoint/2010/main" xmlns:p15="http://schemas.microsoft.com/office/powerpoint/2012/main">
   <p:cSld>
     <p:bg>
       <p:bgPr>
@@ -4326,7 +4431,7 @@
         <p:spPr>
           <a:xfrm>
             <a:off x="457200" y="274637"/>
-            <a:ext cx="8229600" cy="1522199"/>
+            <a:ext cx="8229600" cy="1522200"/>
           </a:xfrm>
           <a:prstGeom prst="rect">
             <a:avLst/>
@@ -4337,7 +4442,7 @@
           </a:ln>
         </p:spPr>
         <p:txBody>
-          <a:bodyPr anchorCtr="0" anchor="b" bIns="91425" lIns="91425" rIns="91425" tIns="91425"/>
+          <a:bodyPr anchorCtr="0" anchor="b" bIns="91425" lIns="91425" rIns="91425" wrap="square" tIns="91425"/>
           <a:lstStyle>
             <a:lvl1pPr lvl="0" rtl="0" algn="l">
               <a:spcBef>
@@ -4534,7 +4639,7 @@
         <p:spPr>
           <a:xfrm>
             <a:off x="457200" y="1947332"/>
-            <a:ext cx="8229600" cy="4620299"/>
+            <a:ext cx="8229600" cy="4620300"/>
           </a:xfrm>
           <a:prstGeom prst="rect">
             <a:avLst/>
@@ -4545,7 +4650,7 @@
           </a:ln>
         </p:spPr>
         <p:txBody>
-          <a:bodyPr anchorCtr="0" anchor="t" bIns="91425" lIns="91425" rIns="91425" tIns="91425"/>
+          <a:bodyPr anchorCtr="0" anchor="t" bIns="91425" lIns="91425" rIns="91425" wrap="square" tIns="91425"/>
           <a:lstStyle>
             <a:lvl1pPr lvl="0" rtl="0" algn="l">
               <a:spcBef>
@@ -5187,7 +5292,7 @@
 </file>
 
 <file path=ppt/slides/slide1.xml><?xml version="1.0" encoding="utf-8"?>
-<p:sld xmlns:a="http://schemas.openxmlformats.org/drawingml/2006/main" xmlns:r="http://schemas.openxmlformats.org/officeDocument/2006/relationships" xmlns:mc="http://schemas.openxmlformats.org/markup-compatibility/2006" xmlns:mv="urn:schemas-microsoft-com:mac:vml" xmlns:p="http://schemas.openxmlformats.org/presentationml/2006/main" xmlns:c="http://schemas.openxmlformats.org/drawingml/2006/chart" xmlns:dgm="http://schemas.openxmlformats.org/drawingml/2006/diagram" xmlns:o="urn:schemas-microsoft-com:office:office" xmlns:v="urn:schemas-microsoft-com:vml" xmlns:pvml="urn:schemas-microsoft-com:office:powerpoint" xmlns:com="http://schemas.openxmlformats.org/drawingml/2006/compatibility" xmlns:p14="http://schemas.microsoft.com/office/powerpoint/2010/main">
+<p:sld xmlns:a="http://schemas.openxmlformats.org/drawingml/2006/main" xmlns:r="http://schemas.openxmlformats.org/officeDocument/2006/relationships" xmlns:mc="http://schemas.openxmlformats.org/markup-compatibility/2006" xmlns:mv="urn:schemas-microsoft-com:mac:vml" xmlns:p="http://schemas.openxmlformats.org/presentationml/2006/main" xmlns:c="http://schemas.openxmlformats.org/drawingml/2006/chart" xmlns:dgm="http://schemas.openxmlformats.org/drawingml/2006/diagram" xmlns:o="urn:schemas-microsoft-com:office:office" xmlns:v="urn:schemas-microsoft-com:vml" xmlns:pvml="urn:schemas-microsoft-com:office:powerpoint" xmlns:com="http://schemas.openxmlformats.org/drawingml/2006/compatibility" xmlns:p14="http://schemas.microsoft.com/office/powerpoint/2010/main" xmlns:p15="http://schemas.microsoft.com/office/powerpoint/2012/main">
   <p:cSld>
     <p:spTree>
       <p:nvGrpSpPr>
@@ -5213,15 +5318,15 @@
         </p:nvSpPr>
         <p:spPr>
           <a:xfrm>
-            <a:off x="685800" y="1734342"/>
-            <a:ext cx="7772400" cy="2245499"/>
-          </a:xfrm>
-          <a:prstGeom prst="rect">
-            <a:avLst/>
-          </a:prstGeom>
-        </p:spPr>
-        <p:txBody>
-          <a:bodyPr anchorCtr="0" anchor="b" bIns="91425" lIns="91425" rIns="91425" tIns="91425">
+            <a:off x="685800" y="1734343"/>
+            <a:ext cx="7772400" cy="2245500"/>
+          </a:xfrm>
+          <a:prstGeom prst="rect">
+            <a:avLst/>
+          </a:prstGeom>
+        </p:spPr>
+        <p:txBody>
+          <a:bodyPr anchorCtr="0" anchor="b" bIns="91425" lIns="91425" rIns="91425" wrap="square" tIns="91425">
             <a:noAutofit/>
           </a:bodyPr>
           <a:lstStyle/>
@@ -5234,7 +5339,7 @@
             </a:pPr>
             <a:r>
               <a:rPr lang="en" sz="6000"/>
-              <a:t>Algorithms</a:t>
+              <a:t>Algoritmos</a:t>
             </a:r>
           </a:p>
         </p:txBody>
@@ -5250,14 +5355,14 @@
         <p:spPr>
           <a:xfrm>
             <a:off x="685800" y="4124476"/>
-            <a:ext cx="7772400" cy="949799"/>
-          </a:xfrm>
-          <a:prstGeom prst="rect">
-            <a:avLst/>
-          </a:prstGeom>
-        </p:spPr>
-        <p:txBody>
-          <a:bodyPr anchorCtr="0" anchor="ctr" bIns="91425" lIns="91425" rIns="91425" tIns="91425">
+            <a:ext cx="7772400" cy="949800"/>
+          </a:xfrm>
+          <a:prstGeom prst="rect">
+            <a:avLst/>
+          </a:prstGeom>
+        </p:spPr>
+        <p:txBody>
+          <a:bodyPr anchorCtr="0" anchor="ctr" bIns="91425" lIns="91425" rIns="91425" wrap="square" tIns="91425">
             <a:noAutofit/>
           </a:bodyPr>
           <a:lstStyle/>
@@ -5270,7 +5375,7 @@
             </a:pPr>
             <a:r>
               <a:rPr lang="en"/>
-              <a:t>2. Computational Thinking </a:t>
+              <a:t>3. Lógica Computacional</a:t>
             </a:r>
           </a:p>
         </p:txBody>
@@ -5291,7 +5396,7 @@
         </p:blipFill>
         <p:spPr>
           <a:xfrm>
-            <a:off x="7417074" y="6402549"/>
+            <a:off x="7417075" y="6402550"/>
             <a:ext cx="1726925" cy="455450"/>
           </a:xfrm>
           <a:prstGeom prst="rect">
@@ -5312,11 +5417,11 @@
 </file>
 
 <file path=ppt/slides/slide10.xml><?xml version="1.0" encoding="utf-8"?>
-<p:sld xmlns:a="http://schemas.openxmlformats.org/drawingml/2006/main" xmlns:r="http://schemas.openxmlformats.org/officeDocument/2006/relationships" xmlns:mc="http://schemas.openxmlformats.org/markup-compatibility/2006" xmlns:mv="urn:schemas-microsoft-com:mac:vml" xmlns:p="http://schemas.openxmlformats.org/presentationml/2006/main" xmlns:c="http://schemas.openxmlformats.org/drawingml/2006/chart" xmlns:dgm="http://schemas.openxmlformats.org/drawingml/2006/diagram" xmlns:o="urn:schemas-microsoft-com:office:office" xmlns:v="urn:schemas-microsoft-com:vml" xmlns:pvml="urn:schemas-microsoft-com:office:powerpoint" xmlns:com="http://schemas.openxmlformats.org/drawingml/2006/compatibility" xmlns:p14="http://schemas.microsoft.com/office/powerpoint/2010/main">
+<p:sld xmlns:a="http://schemas.openxmlformats.org/drawingml/2006/main" xmlns:r="http://schemas.openxmlformats.org/officeDocument/2006/relationships" xmlns:mc="http://schemas.openxmlformats.org/markup-compatibility/2006" xmlns:mv="urn:schemas-microsoft-com:mac:vml" xmlns:p="http://schemas.openxmlformats.org/presentationml/2006/main" xmlns:c="http://schemas.openxmlformats.org/drawingml/2006/chart" xmlns:dgm="http://schemas.openxmlformats.org/drawingml/2006/diagram" xmlns:o="urn:schemas-microsoft-com:office:office" xmlns:v="urn:schemas-microsoft-com:vml" xmlns:pvml="urn:schemas-microsoft-com:office:powerpoint" xmlns:com="http://schemas.openxmlformats.org/drawingml/2006/compatibility" xmlns:p14="http://schemas.microsoft.com/office/powerpoint/2010/main" xmlns:p15="http://schemas.microsoft.com/office/powerpoint/2012/main">
   <p:cSld>
     <p:spTree>
       <p:nvGrpSpPr>
-        <p:cNvPr id="105" name="Shape 105"/>
+        <p:cNvPr id="104" name="Shape 104"/>
         <p:cNvGrpSpPr/>
         <p:nvPr/>
       </p:nvGrpSpPr>
@@ -5330,7 +5435,7 @@
       </p:grpSpPr>
       <p:sp>
         <p:nvSpPr>
-          <p:cNvPr id="106" name="Shape 106"/>
+          <p:cNvPr id="105" name="Shape 105"/>
           <p:cNvSpPr txBox="1"/>
           <p:nvPr>
             <p:ph type="title"/>
@@ -5339,14 +5444,14 @@
         <p:spPr>
           <a:xfrm>
             <a:off x="457200" y="274637"/>
-            <a:ext cx="8229600" cy="1522199"/>
-          </a:xfrm>
-          <a:prstGeom prst="rect">
-            <a:avLst/>
-          </a:prstGeom>
-        </p:spPr>
-        <p:txBody>
-          <a:bodyPr anchorCtr="0" anchor="b" bIns="91425" lIns="91425" rIns="91425" tIns="91425">
+            <a:ext cx="8229600" cy="1522200"/>
+          </a:xfrm>
+          <a:prstGeom prst="rect">
+            <a:avLst/>
+          </a:prstGeom>
+        </p:spPr>
+        <p:txBody>
+          <a:bodyPr anchorCtr="0" anchor="b" bIns="91425" lIns="91425" rIns="91425" wrap="square" tIns="91425">
             <a:noAutofit/>
           </a:bodyPr>
           <a:lstStyle/>
@@ -5355,18 +5460,23 @@
               <a:spcBef>
                 <a:spcPts val="0"/>
               </a:spcBef>
+              <a:buClr>
+                <a:schemeClr val="dk1"/>
+              </a:buClr>
+              <a:buSzPct val="25000"/>
+              <a:buFont typeface="Arial"/>
               <a:buNone/>
             </a:pPr>
             <a:r>
               <a:rPr lang="en"/>
-              <a:t>What does an algorithm needs? - Output</a:t>
-            </a:r>
-          </a:p>
-        </p:txBody>
-      </p:sp>
-      <p:sp>
-        <p:nvSpPr>
-          <p:cNvPr id="107" name="Shape 107"/>
+              <a:t>¿Qué necesita un algoritmo? PROCESO</a:t>
+            </a:r>
+          </a:p>
+        </p:txBody>
+      </p:sp>
+      <p:sp>
+        <p:nvSpPr>
+          <p:cNvPr id="106" name="Shape 106"/>
           <p:cNvSpPr txBox="1"/>
           <p:nvPr>
             <p:ph idx="1" type="body"/>
@@ -5382,19 +5492,66 @@
           </a:prstGeom>
         </p:spPr>
         <p:txBody>
-          <a:bodyPr anchorCtr="0" anchor="t" bIns="91425" lIns="91425" rIns="91425" tIns="91425">
+          <a:bodyPr anchorCtr="0" anchor="t" bIns="91425" lIns="91425" rIns="91425" wrap="square" tIns="91425">
             <a:noAutofit/>
           </a:bodyPr>
           <a:lstStyle/>
           <a:p>
-            <a:pPr indent="-228600" lvl="0" marL="457200" rtl="0">
-              <a:spcBef>
-                <a:spcPts val="0"/>
-              </a:spcBef>
+            <a:pPr indent="-400050" lvl="0" marL="457200" rtl="0">
+              <a:spcBef>
+                <a:spcPts val="0"/>
+              </a:spcBef>
+              <a:buSzPct val="100000"/>
+            </a:pPr>
+            <a:r>
+              <a:rPr lang="en" sz="2700"/>
+              <a:t>An algorithm requires clear and precisely stated steps that express how to perform the operations.</a:t>
+            </a:r>
+          </a:p>
+          <a:p>
+            <a:pPr indent="-400050" lvl="0" marL="457200" rtl="0">
+              <a:spcBef>
+                <a:spcPts val="0"/>
+              </a:spcBef>
+              <a:buSzPct val="100000"/>
+            </a:pPr>
+            <a:r>
+              <a:rPr lang="en" sz="2700"/>
+              <a:t>Un algoritmo requiere pasos claros y precisos que expresen cómo se llevarán a cabo las operaciones</a:t>
+            </a:r>
+          </a:p>
+          <a:p>
+            <a:pPr indent="-400050" lvl="0" marL="457200" rtl="0">
+              <a:spcBef>
+                <a:spcPts val="0"/>
+              </a:spcBef>
+              <a:buSzPct val="100000"/>
+            </a:pPr>
+            <a:r>
+              <a:rPr lang="en" sz="2700"/>
+              <a:t>Los algoritmos suponen que el ejecutor del mismo reconoce un set básico de operaciones primitivas</a:t>
+            </a:r>
+          </a:p>
+          <a:p>
+            <a:pPr indent="-419100" lvl="1" marL="914400" marR="0" rtl="0" algn="l">
+              <a:lnSpc>
+                <a:spcPct val="100000"/>
+              </a:lnSpc>
+              <a:spcBef>
+                <a:spcPts val="600"/>
+              </a:spcBef>
+              <a:spcAft>
+                <a:spcPts val="0"/>
+              </a:spcAft>
+              <a:buClr>
+                <a:schemeClr val="dk2"/>
+              </a:buClr>
+              <a:buSzPct val="125000"/>
+              <a:buFont typeface="Arial"/>
             </a:pPr>
             <a:r>
               <a:rPr lang="en"/>
-              <a:t>Output specification</a:t>
+              <a:t>Recetas: batir, moler, cocinas, etc.</a:t>
             </a:r>
           </a:p>
           <a:p>
@@ -5405,19 +5562,117 @@
             </a:pPr>
             <a:r>
               <a:rPr lang="en"/>
-              <a:t>Recipes: number of servings, how to serve </a:t>
-            </a:r>
-          </a:p>
-          <a:p>
-            <a:pPr indent="-228600" lvl="0" marL="457200" rtl="0">
-              <a:spcBef>
-                <a:spcPts val="0"/>
-              </a:spcBef>
-              <a:buNone/>
-            </a:pPr>
-            <a:r>
-              <a:rPr lang="en"/>
-              <a:t>					 								</a:t>
+              <a:t>Computacional: sumar, restar, saltar, etc.</a:t>
+            </a:r>
+          </a:p>
+          <a:p>
+            <a:pPr indent="-228600" lvl="0" marL="457200">
+              <a:lnSpc>
+                <a:spcPct val="115000"/>
+              </a:lnSpc>
+              <a:spcBef>
+                <a:spcPts val="0"/>
+              </a:spcBef>
+              <a:buClr>
+                <a:schemeClr val="dk1"/>
+              </a:buClr>
+              <a:buSzPct val="100000"/>
+              <a:buNone/>
+            </a:pPr>
+            <a:r>
+              <a:rPr lang="en" sz="1100">
+                <a:solidFill>
+                  <a:schemeClr val="dk1"/>
+                </a:solidFill>
+              </a:rPr>
+              <a:t>							</a:t>
+            </a:r>
+          </a:p>
+          <a:p>
+            <a:pPr lvl="0">
+              <a:lnSpc>
+                <a:spcPct val="115000"/>
+              </a:lnSpc>
+              <a:spcBef>
+                <a:spcPts val="0"/>
+              </a:spcBef>
+              <a:buClr>
+                <a:schemeClr val="dk1"/>
+              </a:buClr>
+              <a:buSzPct val="100000"/>
+              <a:buFont typeface="Arial"/>
+              <a:buNone/>
+            </a:pPr>
+            <a:r>
+              <a:rPr lang="en" sz="1100">
+                <a:solidFill>
+                  <a:schemeClr val="dk1"/>
+                </a:solidFill>
+              </a:rPr>
+              <a:t>						 					</a:t>
+            </a:r>
+          </a:p>
+          <a:p>
+            <a:pPr lvl="0">
+              <a:spcBef>
+                <a:spcPts val="0"/>
+              </a:spcBef>
+              <a:buClr>
+                <a:schemeClr val="dk1"/>
+              </a:buClr>
+              <a:buSzPct val="100000"/>
+              <a:buFont typeface="Arial"/>
+              <a:buNone/>
+            </a:pPr>
+            <a:r>
+              <a:rPr lang="en" sz="1100">
+                <a:solidFill>
+                  <a:schemeClr val="dk1"/>
+                </a:solidFill>
+              </a:rPr>
+              <a:t>				</a:t>
+            </a:r>
+          </a:p>
+          <a:p>
+            <a:pPr lvl="0">
+              <a:spcBef>
+                <a:spcPts val="0"/>
+              </a:spcBef>
+              <a:buClr>
+                <a:schemeClr val="dk1"/>
+              </a:buClr>
+              <a:buSzPct val="100000"/>
+              <a:buFont typeface="Arial"/>
+              <a:buNone/>
+            </a:pPr>
+            <a:r>
+              <a:rPr lang="en" sz="1100">
+                <a:solidFill>
+                  <a:schemeClr val="dk1"/>
+                </a:solidFill>
+              </a:rPr>
+              <a:t>			</a:t>
+            </a:r>
+          </a:p>
+          <a:p>
+            <a:pPr lvl="0">
+              <a:spcBef>
+                <a:spcPts val="0"/>
+              </a:spcBef>
+              <a:buClr>
+                <a:schemeClr val="dk1"/>
+              </a:buClr>
+              <a:buSzPct val="100000"/>
+              <a:buFont typeface="Arial"/>
+              <a:buNone/>
+            </a:pPr>
+            <a:r>
+              <a:rPr lang="en" sz="1100">
+                <a:solidFill>
+                  <a:schemeClr val="dk1"/>
+                </a:solidFill>
+              </a:rPr>
+              <a:t>		</a:t>
             </a:r>
           </a:p>
           <a:p>
@@ -5428,42 +5683,9 @@
               <a:buNone/>
             </a:pPr>
             <a:r>
-              <a:rPr lang="en"/>
-              <a:t>Output specification for computational algorithms:</a:t>
-            </a:r>
-          </a:p>
-          <a:p>
-            <a:pPr indent="-228600" lvl="0" marL="914400" rtl="0">
-              <a:spcBef>
-                <a:spcPts val="0"/>
-              </a:spcBef>
-            </a:pPr>
-            <a:r>
-              <a:rPr lang="en" sz="2400"/>
-              <a:t>What results are required?</a:t>
-            </a:r>
-          </a:p>
-          <a:p>
-            <a:pPr indent="-228600" lvl="0" marL="914400" rtl="0">
-              <a:spcBef>
-                <a:spcPts val="0"/>
-              </a:spcBef>
-            </a:pPr>
-            <a:r>
-              <a:rPr lang="en" sz="2400"/>
-              <a:t>How should these results be reported?</a:t>
-            </a:r>
-          </a:p>
-          <a:p>
-            <a:pPr indent="-228600" lvl="0" marL="914400" rtl="0">
-              <a:spcBef>
-                <a:spcPts val="0"/>
-              </a:spcBef>
-            </a:pPr>
-            <a:r>
-              <a:rPr lang="en" sz="2400"/>
-              <a:t>What happens if no results can be computed due to an error in the input?</a:t>
-            </a:r>
+              <a:t/>
+            </a:r>
+            <a:endParaRPr/>
           </a:p>
         </p:txBody>
       </p:sp>
@@ -5476,11 +5698,11 @@
 </file>
 
 <file path=ppt/slides/slide11.xml><?xml version="1.0" encoding="utf-8"?>
-<p:sld xmlns:a="http://schemas.openxmlformats.org/drawingml/2006/main" xmlns:r="http://schemas.openxmlformats.org/officeDocument/2006/relationships" xmlns:mc="http://schemas.openxmlformats.org/markup-compatibility/2006" xmlns:mv="urn:schemas-microsoft-com:mac:vml" xmlns:p="http://schemas.openxmlformats.org/presentationml/2006/main" xmlns:c="http://schemas.openxmlformats.org/drawingml/2006/chart" xmlns:dgm="http://schemas.openxmlformats.org/drawingml/2006/diagram" xmlns:o="urn:schemas-microsoft-com:office:office" xmlns:v="urn:schemas-microsoft-com:vml" xmlns:pvml="urn:schemas-microsoft-com:office:powerpoint" xmlns:com="http://schemas.openxmlformats.org/drawingml/2006/compatibility" xmlns:p14="http://schemas.microsoft.com/office/powerpoint/2010/main">
+<p:sld xmlns:a="http://schemas.openxmlformats.org/drawingml/2006/main" xmlns:r="http://schemas.openxmlformats.org/officeDocument/2006/relationships" xmlns:mc="http://schemas.openxmlformats.org/markup-compatibility/2006" xmlns:mv="urn:schemas-microsoft-com:mac:vml" xmlns:p="http://schemas.openxmlformats.org/presentationml/2006/main" xmlns:c="http://schemas.openxmlformats.org/drawingml/2006/chart" xmlns:dgm="http://schemas.openxmlformats.org/drawingml/2006/diagram" xmlns:o="urn:schemas-microsoft-com:office:office" xmlns:v="urn:schemas-microsoft-com:vml" xmlns:pvml="urn:schemas-microsoft-com:office:powerpoint" xmlns:com="http://schemas.openxmlformats.org/drawingml/2006/compatibility" xmlns:p14="http://schemas.microsoft.com/office/powerpoint/2010/main" xmlns:p15="http://schemas.microsoft.com/office/powerpoint/2012/main">
   <p:cSld>
     <p:spTree>
       <p:nvGrpSpPr>
-        <p:cNvPr id="111" name="Shape 111"/>
+        <p:cNvPr id="110" name="Shape 110"/>
         <p:cNvGrpSpPr/>
         <p:nvPr/>
       </p:nvGrpSpPr>
@@ -5494,72 +5716,139 @@
       </p:grpSpPr>
       <p:sp>
         <p:nvSpPr>
+          <p:cNvPr id="111" name="Shape 111"/>
+          <p:cNvSpPr txBox="1"/>
+          <p:nvPr>
+            <p:ph type="title"/>
+          </p:nvPr>
+        </p:nvSpPr>
+        <p:spPr>
+          <a:xfrm>
+            <a:off x="457200" y="274637"/>
+            <a:ext cx="8229600" cy="1522200"/>
+          </a:xfrm>
+          <a:prstGeom prst="rect">
+            <a:avLst/>
+          </a:prstGeom>
+        </p:spPr>
+        <p:txBody>
+          <a:bodyPr anchorCtr="0" anchor="b" bIns="91425" lIns="91425" rIns="91425" wrap="square" tIns="91425">
+            <a:noAutofit/>
+          </a:bodyPr>
+          <a:lstStyle/>
+          <a:p>
+            <a:pPr lvl="0" rtl="0">
+              <a:spcBef>
+                <a:spcPts val="0"/>
+              </a:spcBef>
+              <a:buNone/>
+            </a:pPr>
+            <a:r>
+              <a:rPr lang="en"/>
+              <a:t>What does an algorithm needs? - OUTPUT</a:t>
+            </a:r>
+          </a:p>
+        </p:txBody>
+      </p:sp>
+      <p:sp>
+        <p:nvSpPr>
           <p:cNvPr id="112" name="Shape 112"/>
           <p:cNvSpPr txBox="1"/>
           <p:nvPr>
-            <p:ph type="ctrTitle"/>
+            <p:ph idx="1" type="body"/>
           </p:nvPr>
         </p:nvSpPr>
         <p:spPr>
           <a:xfrm>
-            <a:off x="685800" y="1734342"/>
-            <a:ext cx="7772400" cy="2245500"/>
-          </a:xfrm>
-          <a:prstGeom prst="rect">
-            <a:avLst/>
-          </a:prstGeom>
-        </p:spPr>
-        <p:txBody>
-          <a:bodyPr anchorCtr="0" anchor="b" bIns="91425" lIns="91425" rIns="91425" tIns="91425">
+            <a:off x="457200" y="1947332"/>
+            <a:ext cx="8229600" cy="4620300"/>
+          </a:xfrm>
+          <a:prstGeom prst="rect">
+            <a:avLst/>
+          </a:prstGeom>
+        </p:spPr>
+        <p:txBody>
+          <a:bodyPr anchorCtr="0" anchor="t" bIns="91425" lIns="91425" rIns="91425" wrap="square" tIns="91425">
             <a:noAutofit/>
           </a:bodyPr>
           <a:lstStyle/>
           <a:p>
-            <a:pPr lvl="0">
-              <a:spcBef>
-                <a:spcPts val="0"/>
-              </a:spcBef>
-              <a:buNone/>
+            <a:pPr indent="-228600" lvl="0" marL="457200" rtl="0">
+              <a:spcBef>
+                <a:spcPts val="0"/>
+              </a:spcBef>
             </a:pPr>
             <a:r>
               <a:rPr lang="en"/>
-              <a:t>Optimization</a:t>
-            </a:r>
-          </a:p>
-        </p:txBody>
-      </p:sp>
-      <p:sp>
-        <p:nvSpPr>
-          <p:cNvPr id="113" name="Shape 113"/>
-          <p:cNvSpPr txBox="1"/>
-          <p:nvPr>
-            <p:ph idx="1" type="subTitle"/>
-          </p:nvPr>
-        </p:nvSpPr>
-        <p:spPr>
-          <a:xfrm>
-            <a:off x="685800" y="4124476"/>
-            <a:ext cx="7772400" cy="949800"/>
-          </a:xfrm>
-          <a:prstGeom prst="rect">
-            <a:avLst/>
-          </a:prstGeom>
-        </p:spPr>
-        <p:txBody>
-          <a:bodyPr anchorCtr="0" anchor="ctr" bIns="91425" lIns="91425" rIns="91425" tIns="91425">
-            <a:noAutofit/>
-          </a:bodyPr>
-          <a:lstStyle/>
-          <a:p>
-            <a:pPr lvl="0">
-              <a:spcBef>
-                <a:spcPts val="0"/>
-              </a:spcBef>
-              <a:buNone/>
+              <a:t>Especificación de salida - OUTPUT</a:t>
+            </a:r>
+          </a:p>
+          <a:p>
+            <a:pPr indent="-228600" lvl="1" marL="914400" rtl="0">
+              <a:spcBef>
+                <a:spcPts val="0"/>
+              </a:spcBef>
             </a:pPr>
             <a:r>
               <a:rPr lang="en"/>
-              <a:t>What makes a good algorithm?</a:t>
+              <a:t>El pastel (rico o no rico, pero pastel) </a:t>
+            </a:r>
+          </a:p>
+          <a:p>
+            <a:pPr indent="-228600" lvl="0" marL="457200" rtl="0">
+              <a:spcBef>
+                <a:spcPts val="0"/>
+              </a:spcBef>
+              <a:buNone/>
+            </a:pPr>
+            <a:r>
+              <a:rPr lang="en"/>
+              <a:t>					 								</a:t>
+            </a:r>
+          </a:p>
+          <a:p>
+            <a:pPr lvl="0" rtl="0">
+              <a:spcBef>
+                <a:spcPts val="0"/>
+              </a:spcBef>
+              <a:buNone/>
+            </a:pPr>
+            <a:r>
+              <a:rPr lang="en"/>
+              <a:t>Especificaciones para una salida derivada de un algoritmo:</a:t>
+            </a:r>
+          </a:p>
+          <a:p>
+            <a:pPr indent="-228600" lvl="0" marL="914400" rtl="0">
+              <a:spcBef>
+                <a:spcPts val="0"/>
+              </a:spcBef>
+            </a:pPr>
+            <a:r>
+              <a:rPr lang="en" sz="2400"/>
+              <a:t>¿Qué resultados son requeridos?</a:t>
+            </a:r>
+          </a:p>
+          <a:p>
+            <a:pPr indent="-228600" lvl="0" marL="914400" rtl="0">
+              <a:spcBef>
+                <a:spcPts val="0"/>
+              </a:spcBef>
+            </a:pPr>
+            <a:r>
+              <a:rPr lang="en" sz="2400"/>
+              <a:t>¿Cómo debieran ser reportados estos resultado?</a:t>
+            </a:r>
+          </a:p>
+          <a:p>
+            <a:pPr indent="-228600" lvl="0" marL="914400" rtl="0">
+              <a:spcBef>
+                <a:spcPts val="0"/>
+              </a:spcBef>
+            </a:pPr>
+            <a:r>
+              <a:rPr lang="en" sz="2400"/>
+              <a:t>¿Qué pasa si los resultados no pueden ser procesados por un problema en la entrada?</a:t>
             </a:r>
           </a:p>
         </p:txBody>
@@ -5573,11 +5862,11 @@
 </file>
 
 <file path=ppt/slides/slide12.xml><?xml version="1.0" encoding="utf-8"?>
-<p:sld xmlns:a="http://schemas.openxmlformats.org/drawingml/2006/main" xmlns:r="http://schemas.openxmlformats.org/officeDocument/2006/relationships" xmlns:mc="http://schemas.openxmlformats.org/markup-compatibility/2006" xmlns:mv="urn:schemas-microsoft-com:mac:vml" xmlns:p="http://schemas.openxmlformats.org/presentationml/2006/main" xmlns:c="http://schemas.openxmlformats.org/drawingml/2006/chart" xmlns:dgm="http://schemas.openxmlformats.org/drawingml/2006/diagram" xmlns:o="urn:schemas-microsoft-com:office:office" xmlns:v="urn:schemas-microsoft-com:vml" xmlns:pvml="urn:schemas-microsoft-com:office:powerpoint" xmlns:com="http://schemas.openxmlformats.org/drawingml/2006/compatibility" xmlns:p14="http://schemas.microsoft.com/office/powerpoint/2010/main">
+<p:sld xmlns:a="http://schemas.openxmlformats.org/drawingml/2006/main" xmlns:r="http://schemas.openxmlformats.org/officeDocument/2006/relationships" xmlns:mc="http://schemas.openxmlformats.org/markup-compatibility/2006" xmlns:mv="urn:schemas-microsoft-com:mac:vml" xmlns:p="http://schemas.openxmlformats.org/presentationml/2006/main" xmlns:c="http://schemas.openxmlformats.org/drawingml/2006/chart" xmlns:dgm="http://schemas.openxmlformats.org/drawingml/2006/diagram" xmlns:o="urn:schemas-microsoft-com:office:office" xmlns:v="urn:schemas-microsoft-com:vml" xmlns:pvml="urn:schemas-microsoft-com:office:powerpoint" xmlns:com="http://schemas.openxmlformats.org/drawingml/2006/compatibility" xmlns:p14="http://schemas.microsoft.com/office/powerpoint/2010/main" xmlns:p15="http://schemas.microsoft.com/office/powerpoint/2012/main">
   <p:cSld>
     <p:spTree>
       <p:nvGrpSpPr>
-        <p:cNvPr id="117" name="Shape 117"/>
+        <p:cNvPr id="116" name="Shape 116"/>
         <p:cNvGrpSpPr/>
         <p:nvPr/>
       </p:nvGrpSpPr>
@@ -5589,34 +5878,78 @@
           <a:chExt cx="0" cy="0"/>
         </a:xfrm>
       </p:grpSpPr>
-      <p:pic>
-        <p:nvPicPr>
+      <p:sp>
+        <p:nvSpPr>
+          <p:cNvPr id="117" name="Shape 117"/>
+          <p:cNvSpPr txBox="1"/>
+          <p:nvPr>
+            <p:ph type="ctrTitle"/>
+          </p:nvPr>
+        </p:nvSpPr>
+        <p:spPr>
+          <a:xfrm>
+            <a:off x="685800" y="1734343"/>
+            <a:ext cx="7772400" cy="2245500"/>
+          </a:xfrm>
+          <a:prstGeom prst="rect">
+            <a:avLst/>
+          </a:prstGeom>
+        </p:spPr>
+        <p:txBody>
+          <a:bodyPr anchorCtr="0" anchor="b" bIns="91425" lIns="91425" rIns="91425" wrap="square" tIns="91425">
+            <a:noAutofit/>
+          </a:bodyPr>
+          <a:lstStyle/>
+          <a:p>
+            <a:pPr lvl="0">
+              <a:spcBef>
+                <a:spcPts val="0"/>
+              </a:spcBef>
+              <a:buNone/>
+            </a:pPr>
+            <a:r>
+              <a:rPr lang="en"/>
+              <a:t>Optimización</a:t>
+            </a:r>
+          </a:p>
+        </p:txBody>
+      </p:sp>
+      <p:sp>
+        <p:nvSpPr>
           <p:cNvPr id="118" name="Shape 118"/>
-          <p:cNvPicPr preferRelativeResize="0"/>
-          <p:nvPr/>
-        </p:nvPicPr>
-        <p:blipFill>
-          <a:blip r:embed="rId3">
-            <a:alphaModFix/>
-          </a:blip>
-          <a:stretch>
-            <a:fillRect/>
-          </a:stretch>
-        </p:blipFill>
-        <p:spPr>
-          <a:xfrm>
-            <a:off x="1885950" y="1238250"/>
-            <a:ext cx="5372100" cy="4381500"/>
-          </a:xfrm>
-          <a:prstGeom prst="rect">
-            <a:avLst/>
-          </a:prstGeom>
-          <a:noFill/>
-          <a:ln>
-            <a:noFill/>
-          </a:ln>
-        </p:spPr>
-      </p:pic>
+          <p:cNvSpPr txBox="1"/>
+          <p:nvPr>
+            <p:ph idx="1" type="subTitle"/>
+          </p:nvPr>
+        </p:nvSpPr>
+        <p:spPr>
+          <a:xfrm>
+            <a:off x="685800" y="4124476"/>
+            <a:ext cx="7772400" cy="949800"/>
+          </a:xfrm>
+          <a:prstGeom prst="rect">
+            <a:avLst/>
+          </a:prstGeom>
+        </p:spPr>
+        <p:txBody>
+          <a:bodyPr anchorCtr="0" anchor="ctr" bIns="91425" lIns="91425" rIns="91425" wrap="square" tIns="91425">
+            <a:noAutofit/>
+          </a:bodyPr>
+          <a:lstStyle/>
+          <a:p>
+            <a:pPr lvl="0">
+              <a:spcBef>
+                <a:spcPts val="0"/>
+              </a:spcBef>
+              <a:buNone/>
+            </a:pPr>
+            <a:r>
+              <a:rPr lang="en"/>
+              <a:t>¿Qué lo hace a un algoritmo bueno?</a:t>
+            </a:r>
+          </a:p>
+        </p:txBody>
+      </p:sp>
     </p:spTree>
   </p:cSld>
   <p:clrMapOvr>
@@ -5626,7 +5959,7 @@
 </file>
 
 <file path=ppt/slides/slide13.xml><?xml version="1.0" encoding="utf-8"?>
-<p:sld xmlns:a="http://schemas.openxmlformats.org/drawingml/2006/main" xmlns:r="http://schemas.openxmlformats.org/officeDocument/2006/relationships" xmlns:mc="http://schemas.openxmlformats.org/markup-compatibility/2006" xmlns:mv="urn:schemas-microsoft-com:mac:vml" xmlns:p="http://schemas.openxmlformats.org/presentationml/2006/main" xmlns:c="http://schemas.openxmlformats.org/drawingml/2006/chart" xmlns:dgm="http://schemas.openxmlformats.org/drawingml/2006/diagram" xmlns:o="urn:schemas-microsoft-com:office:office" xmlns:v="urn:schemas-microsoft-com:vml" xmlns:pvml="urn:schemas-microsoft-com:office:powerpoint" xmlns:com="http://schemas.openxmlformats.org/drawingml/2006/compatibility" xmlns:p14="http://schemas.microsoft.com/office/powerpoint/2010/main">
+<p:sld xmlns:a="http://schemas.openxmlformats.org/drawingml/2006/main" xmlns:r="http://schemas.openxmlformats.org/officeDocument/2006/relationships" xmlns:mc="http://schemas.openxmlformats.org/markup-compatibility/2006" xmlns:mv="urn:schemas-microsoft-com:mac:vml" xmlns:p="http://schemas.openxmlformats.org/presentationml/2006/main" xmlns:c="http://schemas.openxmlformats.org/drawingml/2006/chart" xmlns:dgm="http://schemas.openxmlformats.org/drawingml/2006/diagram" xmlns:o="urn:schemas-microsoft-com:office:office" xmlns:v="urn:schemas-microsoft-com:vml" xmlns:pvml="urn:schemas-microsoft-com:office:powerpoint" xmlns:com="http://schemas.openxmlformats.org/drawingml/2006/compatibility" xmlns:p14="http://schemas.microsoft.com/office/powerpoint/2010/main" xmlns:p15="http://schemas.microsoft.com/office/powerpoint/2012/main">
   <p:cSld>
     <p:spTree>
       <p:nvGrpSpPr>
@@ -5642,124 +5975,34 @@
           <a:chExt cx="0" cy="0"/>
         </a:xfrm>
       </p:grpSpPr>
-      <p:sp>
-        <p:nvSpPr>
+      <p:pic>
+        <p:nvPicPr>
           <p:cNvPr id="123" name="Shape 123"/>
-          <p:cNvSpPr txBox="1"/>
-          <p:nvPr>
-            <p:ph type="title"/>
-          </p:nvPr>
-        </p:nvSpPr>
-        <p:spPr>
-          <a:xfrm>
-            <a:off x="457200" y="274637"/>
-            <a:ext cx="8229600" cy="1522199"/>
-          </a:xfrm>
-          <a:prstGeom prst="rect">
-            <a:avLst/>
-          </a:prstGeom>
-        </p:spPr>
-        <p:txBody>
-          <a:bodyPr anchorCtr="0" anchor="b" bIns="91425" lIns="91425" rIns="91425" tIns="91425">
-            <a:noAutofit/>
-          </a:bodyPr>
-          <a:lstStyle/>
-          <a:p>
-            <a:pPr lvl="0">
-              <a:spcBef>
-                <a:spcPts val="0"/>
-              </a:spcBef>
-              <a:buClr>
-                <a:schemeClr val="dk1"/>
-              </a:buClr>
-              <a:buSzPct val="25000"/>
-              <a:buFont typeface="Arial"/>
-              <a:buNone/>
-            </a:pPr>
-            <a:r>
-              <a:rPr lang="en"/>
-              <a:t>What makes a good algorithm?</a:t>
-            </a:r>
-          </a:p>
-        </p:txBody>
-      </p:sp>
-      <p:sp>
-        <p:nvSpPr>
-          <p:cNvPr id="124" name="Shape 124"/>
-          <p:cNvSpPr txBox="1"/>
-          <p:nvPr>
-            <p:ph idx="1" type="body"/>
-          </p:nvPr>
-        </p:nvSpPr>
-        <p:spPr>
-          <a:xfrm>
-            <a:off x="457200" y="1947332"/>
-            <a:ext cx="8229600" cy="4620300"/>
-          </a:xfrm>
-          <a:prstGeom prst="rect">
-            <a:avLst/>
-          </a:prstGeom>
-        </p:spPr>
-        <p:txBody>
-          <a:bodyPr anchorCtr="0" anchor="t" bIns="91425" lIns="91425" rIns="91425" tIns="91425">
-            <a:noAutofit/>
-          </a:bodyPr>
-          <a:lstStyle/>
-          <a:p>
-            <a:pPr indent="-228600" lvl="0" marL="457200" rtl="0">
-              <a:spcBef>
-                <a:spcPts val="0"/>
-              </a:spcBef>
-            </a:pPr>
-            <a:r>
-              <a:rPr lang="en"/>
-              <a:t>A good algorithm should produce the </a:t>
-            </a:r>
-            <a:r>
-              <a:rPr b="1" lang="en"/>
-              <a:t>correct outputs for any set of legal inputs</a:t>
-            </a:r>
-            <a:r>
-              <a:rPr lang="en"/>
-              <a:t>.</a:t>
-            </a:r>
-          </a:p>
-          <a:p>
-            <a:pPr indent="-228600" lvl="0" marL="457200" rtl="0">
-              <a:spcBef>
-                <a:spcPts val="0"/>
-              </a:spcBef>
-            </a:pPr>
-            <a:r>
-              <a:rPr lang="en"/>
-              <a:t>A good algorithm should execute efficiently with the </a:t>
-            </a:r>
-            <a:r>
-              <a:rPr b="1" lang="en"/>
-              <a:t>fewest number of steps as possible.</a:t>
-            </a:r>
-          </a:p>
-          <a:p>
-            <a:pPr indent="-228600" lvl="0" marL="457200" rtl="0">
-              <a:spcBef>
-                <a:spcPts val="0"/>
-              </a:spcBef>
-            </a:pPr>
-            <a:r>
-              <a:rPr lang="en"/>
-              <a:t>A good algorithm should be designed in such a way that </a:t>
-            </a:r>
-            <a:r>
-              <a:rPr b="1" lang="en"/>
-              <a:t>others will be able to understand it and modify it</a:t>
-            </a:r>
-            <a:r>
-              <a:rPr lang="en"/>
-              <a:t> to specify solutions to additional problems. </a:t>
-            </a:r>
-          </a:p>
-        </p:txBody>
-      </p:sp>
+          <p:cNvPicPr preferRelativeResize="0"/>
+          <p:nvPr/>
+        </p:nvPicPr>
+        <p:blipFill>
+          <a:blip r:embed="rId3">
+            <a:alphaModFix/>
+          </a:blip>
+          <a:stretch>
+            <a:fillRect/>
+          </a:stretch>
+        </p:blipFill>
+        <p:spPr>
+          <a:xfrm>
+            <a:off x="1885950" y="1238250"/>
+            <a:ext cx="5372100" cy="4381500"/>
+          </a:xfrm>
+          <a:prstGeom prst="rect">
+            <a:avLst/>
+          </a:prstGeom>
+          <a:noFill/>
+          <a:ln>
+            <a:noFill/>
+          </a:ln>
+        </p:spPr>
+      </p:pic>
     </p:spTree>
   </p:cSld>
   <p:clrMapOvr>
@@ -5769,11 +6012,11 @@
 </file>
 
 <file path=ppt/slides/slide14.xml><?xml version="1.0" encoding="utf-8"?>
-<p:sld xmlns:a="http://schemas.openxmlformats.org/drawingml/2006/main" xmlns:r="http://schemas.openxmlformats.org/officeDocument/2006/relationships" xmlns:mc="http://schemas.openxmlformats.org/markup-compatibility/2006" xmlns:mv="urn:schemas-microsoft-com:mac:vml" xmlns:p="http://schemas.openxmlformats.org/presentationml/2006/main" xmlns:c="http://schemas.openxmlformats.org/drawingml/2006/chart" xmlns:dgm="http://schemas.openxmlformats.org/drawingml/2006/diagram" xmlns:o="urn:schemas-microsoft-com:office:office" xmlns:v="urn:schemas-microsoft-com:vml" xmlns:pvml="urn:schemas-microsoft-com:office:powerpoint" xmlns:com="http://schemas.openxmlformats.org/drawingml/2006/compatibility" xmlns:p14="http://schemas.microsoft.com/office/powerpoint/2010/main">
+<p:sld xmlns:a="http://schemas.openxmlformats.org/drawingml/2006/main" xmlns:r="http://schemas.openxmlformats.org/officeDocument/2006/relationships" xmlns:mc="http://schemas.openxmlformats.org/markup-compatibility/2006" xmlns:mv="urn:schemas-microsoft-com:mac:vml" xmlns:p="http://schemas.openxmlformats.org/presentationml/2006/main" xmlns:c="http://schemas.openxmlformats.org/drawingml/2006/chart" xmlns:dgm="http://schemas.openxmlformats.org/drawingml/2006/diagram" xmlns:o="urn:schemas-microsoft-com:office:office" xmlns:v="urn:schemas-microsoft-com:vml" xmlns:pvml="urn:schemas-microsoft-com:office:powerpoint" xmlns:com="http://schemas.openxmlformats.org/drawingml/2006/compatibility" xmlns:p14="http://schemas.microsoft.com/office/powerpoint/2010/main" xmlns:p15="http://schemas.microsoft.com/office/powerpoint/2012/main">
   <p:cSld>
     <p:spTree>
       <p:nvGrpSpPr>
-        <p:cNvPr id="128" name="Shape 128"/>
+        <p:cNvPr id="127" name="Shape 127"/>
         <p:cNvGrpSpPr/>
         <p:nvPr/>
       </p:nvGrpSpPr>
@@ -5787,7 +6030,7 @@
       </p:grpSpPr>
       <p:sp>
         <p:nvSpPr>
-          <p:cNvPr id="129" name="Shape 129"/>
+          <p:cNvPr id="128" name="Shape 128"/>
           <p:cNvSpPr txBox="1"/>
           <p:nvPr/>
         </p:nvSpPr>
@@ -5805,7 +6048,7 @@
           </a:ln>
         </p:spPr>
         <p:txBody>
-          <a:bodyPr anchorCtr="0" anchor="t" bIns="91425" lIns="91425" rIns="91425" tIns="91425">
+          <a:bodyPr anchorCtr="0" anchor="t" bIns="91425" lIns="91425" rIns="91425" wrap="square" tIns="91425">
             <a:noAutofit/>
           </a:bodyPr>
           <a:lstStyle/>
@@ -5857,11 +6100,11 @@
 </file>
 
 <file path=ppt/slides/slide15.xml><?xml version="1.0" encoding="utf-8"?>
-<p:sld xmlns:a="http://schemas.openxmlformats.org/drawingml/2006/main" xmlns:r="http://schemas.openxmlformats.org/officeDocument/2006/relationships" xmlns:mc="http://schemas.openxmlformats.org/markup-compatibility/2006" xmlns:mv="urn:schemas-microsoft-com:mac:vml" xmlns:p="http://schemas.openxmlformats.org/presentationml/2006/main" xmlns:c="http://schemas.openxmlformats.org/drawingml/2006/chart" xmlns:dgm="http://schemas.openxmlformats.org/drawingml/2006/diagram" xmlns:o="urn:schemas-microsoft-com:office:office" xmlns:v="urn:schemas-microsoft-com:vml" xmlns:pvml="urn:schemas-microsoft-com:office:powerpoint" xmlns:com="http://schemas.openxmlformats.org/drawingml/2006/compatibility" xmlns:p14="http://schemas.microsoft.com/office/powerpoint/2010/main">
+<p:sld xmlns:a="http://schemas.openxmlformats.org/drawingml/2006/main" xmlns:r="http://schemas.openxmlformats.org/officeDocument/2006/relationships" xmlns:mc="http://schemas.openxmlformats.org/markup-compatibility/2006" xmlns:mv="urn:schemas-microsoft-com:mac:vml" xmlns:p="http://schemas.openxmlformats.org/presentationml/2006/main" xmlns:c="http://schemas.openxmlformats.org/drawingml/2006/chart" xmlns:dgm="http://schemas.openxmlformats.org/drawingml/2006/diagram" xmlns:o="urn:schemas-microsoft-com:office:office" xmlns:v="urn:schemas-microsoft-com:vml" xmlns:pvml="urn:schemas-microsoft-com:office:powerpoint" xmlns:com="http://schemas.openxmlformats.org/drawingml/2006/compatibility" xmlns:p14="http://schemas.microsoft.com/office/powerpoint/2010/main" xmlns:p15="http://schemas.microsoft.com/office/powerpoint/2012/main">
   <p:cSld>
     <p:spTree>
       <p:nvGrpSpPr>
-        <p:cNvPr id="133" name="Shape 133"/>
+        <p:cNvPr id="132" name="Shape 132"/>
         <p:cNvGrpSpPr/>
         <p:nvPr/>
       </p:nvGrpSpPr>
@@ -5875,7 +6118,7 @@
       </p:grpSpPr>
       <p:sp>
         <p:nvSpPr>
-          <p:cNvPr id="134" name="Shape 134"/>
+          <p:cNvPr id="133" name="Shape 133"/>
           <p:cNvSpPr txBox="1"/>
           <p:nvPr>
             <p:ph type="title"/>
@@ -5884,14 +6127,14 @@
         <p:spPr>
           <a:xfrm>
             <a:off x="457200" y="274637"/>
-            <a:ext cx="8229600" cy="1522199"/>
-          </a:xfrm>
-          <a:prstGeom prst="rect">
-            <a:avLst/>
-          </a:prstGeom>
-        </p:spPr>
-        <p:txBody>
-          <a:bodyPr anchorCtr="0" anchor="b" bIns="91425" lIns="91425" rIns="91425" tIns="91425">
+            <a:ext cx="8229600" cy="1522200"/>
+          </a:xfrm>
+          <a:prstGeom prst="rect">
+            <a:avLst/>
+          </a:prstGeom>
+        </p:spPr>
+        <p:txBody>
+          <a:bodyPr anchorCtr="0" anchor="b" bIns="91425" lIns="91425" rIns="91425" wrap="square" tIns="91425">
             <a:noAutofit/>
           </a:bodyPr>
           <a:lstStyle/>
@@ -5900,18 +6143,157 @@
               <a:spcBef>
                 <a:spcPts val="0"/>
               </a:spcBef>
+              <a:buClr>
+                <a:schemeClr val="dk1"/>
+              </a:buClr>
+              <a:buSzPct val="25000"/>
+              <a:buFont typeface="Arial"/>
               <a:buNone/>
             </a:pPr>
             <a:r>
               <a:rPr lang="en"/>
-              <a:t>Quotient of 2 numbers</a:t>
+              <a:t>¿Qué lo hace a un algoritmo bueno?</a:t>
+            </a:r>
+          </a:p>
+        </p:txBody>
+      </p:sp>
+      <p:sp>
+        <p:nvSpPr>
+          <p:cNvPr id="134" name="Shape 134"/>
+          <p:cNvSpPr txBox="1"/>
+          <p:nvPr>
+            <p:ph idx="1" type="body"/>
+          </p:nvPr>
+        </p:nvSpPr>
+        <p:spPr>
+          <a:xfrm>
+            <a:off x="457200" y="1947332"/>
+            <a:ext cx="8229600" cy="4620300"/>
+          </a:xfrm>
+          <a:prstGeom prst="rect">
+            <a:avLst/>
+          </a:prstGeom>
+        </p:spPr>
+        <p:txBody>
+          <a:bodyPr anchorCtr="0" anchor="t" bIns="91425" lIns="91425" rIns="91425" wrap="square" tIns="91425">
+            <a:noAutofit/>
+          </a:bodyPr>
+          <a:lstStyle/>
+          <a:p>
+            <a:pPr indent="-228600" lvl="0" marL="457200" rtl="0">
+              <a:spcBef>
+                <a:spcPts val="0"/>
+              </a:spcBef>
+            </a:pPr>
+            <a:r>
+              <a:rPr lang="en"/>
+              <a:t>Un buen algoritmo debe producir la </a:t>
+            </a:r>
+            <a:r>
+              <a:rPr b="1" lang="en"/>
+              <a:t>salida correcta para cualquier set de entradas permitidas</a:t>
+            </a:r>
+          </a:p>
+          <a:p>
+            <a:pPr indent="-228600" lvl="0" marL="457200" rtl="0">
+              <a:spcBef>
+                <a:spcPts val="0"/>
+              </a:spcBef>
+            </a:pPr>
+            <a:r>
+              <a:rPr lang="en"/>
+              <a:t>Un buen algoritmo debe ejecutarse eficientemente con la </a:t>
+            </a:r>
+            <a:r>
+              <a:rPr b="1" lang="en"/>
+              <a:t>menor cantidad de pasos posibles</a:t>
+            </a:r>
+          </a:p>
+          <a:p>
+            <a:pPr indent="-228600" lvl="0" marL="457200" rtl="0">
+              <a:spcBef>
+                <a:spcPts val="0"/>
+              </a:spcBef>
+            </a:pPr>
+            <a:r>
+              <a:rPr lang="en"/>
+              <a:t>Un buen algoritmo debe estar diseñado de manera </a:t>
+            </a:r>
+            <a:r>
+              <a:rPr b="1" lang="en"/>
+              <a:t>que otros puedan entenderlo y modificarlo </a:t>
+            </a:r>
+            <a:r>
+              <a:rPr lang="en"/>
+              <a:t>para especificar soluciones alternas a otros problemas</a:t>
+            </a:r>
+          </a:p>
+        </p:txBody>
+      </p:sp>
+    </p:spTree>
+  </p:cSld>
+  <p:clrMapOvr>
+    <a:masterClrMapping/>
+  </p:clrMapOvr>
+</p:sld>
+</file>
+
+<file path=ppt/slides/slide16.xml><?xml version="1.0" encoding="utf-8"?>
+<p:sld xmlns:a="http://schemas.openxmlformats.org/drawingml/2006/main" xmlns:r="http://schemas.openxmlformats.org/officeDocument/2006/relationships" xmlns:mc="http://schemas.openxmlformats.org/markup-compatibility/2006" xmlns:mv="urn:schemas-microsoft-com:mac:vml" xmlns:p="http://schemas.openxmlformats.org/presentationml/2006/main" xmlns:c="http://schemas.openxmlformats.org/drawingml/2006/chart" xmlns:dgm="http://schemas.openxmlformats.org/drawingml/2006/diagram" xmlns:o="urn:schemas-microsoft-com:office:office" xmlns:v="urn:schemas-microsoft-com:vml" xmlns:pvml="urn:schemas-microsoft-com:office:powerpoint" xmlns:com="http://schemas.openxmlformats.org/drawingml/2006/compatibility" xmlns:p14="http://schemas.microsoft.com/office/powerpoint/2010/main" xmlns:p15="http://schemas.microsoft.com/office/powerpoint/2012/main">
+  <p:cSld>
+    <p:spTree>
+      <p:nvGrpSpPr>
+        <p:cNvPr id="138" name="Shape 138"/>
+        <p:cNvGrpSpPr/>
+        <p:nvPr/>
+      </p:nvGrpSpPr>
+      <p:grpSpPr>
+        <a:xfrm>
+          <a:off x="0" y="0"/>
+          <a:ext cx="0" cy="0"/>
+          <a:chOff x="0" y="0"/>
+          <a:chExt cx="0" cy="0"/>
+        </a:xfrm>
+      </p:grpSpPr>
+      <p:sp>
+        <p:nvSpPr>
+          <p:cNvPr id="139" name="Shape 139"/>
+          <p:cNvSpPr txBox="1"/>
+          <p:nvPr>
+            <p:ph type="title"/>
+          </p:nvPr>
+        </p:nvSpPr>
+        <p:spPr>
+          <a:xfrm>
+            <a:off x="457200" y="274637"/>
+            <a:ext cx="8229600" cy="1522200"/>
+          </a:xfrm>
+          <a:prstGeom prst="rect">
+            <a:avLst/>
+          </a:prstGeom>
+        </p:spPr>
+        <p:txBody>
+          <a:bodyPr anchorCtr="0" anchor="b" bIns="91425" lIns="91425" rIns="91425" wrap="square" tIns="91425">
+            <a:noAutofit/>
+          </a:bodyPr>
+          <a:lstStyle/>
+          <a:p>
+            <a:pPr lvl="0">
+              <a:spcBef>
+                <a:spcPts val="0"/>
+              </a:spcBef>
+              <a:buNone/>
+            </a:pPr>
+            <a:r>
+              <a:rPr lang="en"/>
+              <a:t>Cociente de 2 números</a:t>
             </a:r>
           </a:p>
         </p:txBody>
       </p:sp>
       <p:pic>
         <p:nvPicPr>
-          <p:cNvPr id="135" name="Shape 135"/>
+          <p:cNvPr id="140" name="Shape 140"/>
           <p:cNvPicPr preferRelativeResize="0"/>
           <p:nvPr/>
         </p:nvPicPr>
@@ -5945,12 +6327,12 @@
 </p:sld>
 </file>
 
-<file path=ppt/slides/slide16.xml><?xml version="1.0" encoding="utf-8"?>
-<p:sld xmlns:a="http://schemas.openxmlformats.org/drawingml/2006/main" xmlns:r="http://schemas.openxmlformats.org/officeDocument/2006/relationships" xmlns:mc="http://schemas.openxmlformats.org/markup-compatibility/2006" xmlns:mv="urn:schemas-microsoft-com:mac:vml" xmlns:p="http://schemas.openxmlformats.org/presentationml/2006/main" xmlns:c="http://schemas.openxmlformats.org/drawingml/2006/chart" xmlns:dgm="http://schemas.openxmlformats.org/drawingml/2006/diagram" xmlns:o="urn:schemas-microsoft-com:office:office" xmlns:v="urn:schemas-microsoft-com:vml" xmlns:pvml="urn:schemas-microsoft-com:office:powerpoint" xmlns:com="http://schemas.openxmlformats.org/drawingml/2006/compatibility" xmlns:p14="http://schemas.microsoft.com/office/powerpoint/2010/main">
+<file path=ppt/slides/slide17.xml><?xml version="1.0" encoding="utf-8"?>
+<p:sld xmlns:a="http://schemas.openxmlformats.org/drawingml/2006/main" xmlns:r="http://schemas.openxmlformats.org/officeDocument/2006/relationships" xmlns:mc="http://schemas.openxmlformats.org/markup-compatibility/2006" xmlns:mv="urn:schemas-microsoft-com:mac:vml" xmlns:p="http://schemas.openxmlformats.org/presentationml/2006/main" xmlns:c="http://schemas.openxmlformats.org/drawingml/2006/chart" xmlns:dgm="http://schemas.openxmlformats.org/drawingml/2006/diagram" xmlns:o="urn:schemas-microsoft-com:office:office" xmlns:v="urn:schemas-microsoft-com:vml" xmlns:pvml="urn:schemas-microsoft-com:office:powerpoint" xmlns:com="http://schemas.openxmlformats.org/drawingml/2006/compatibility" xmlns:p14="http://schemas.microsoft.com/office/powerpoint/2010/main" xmlns:p15="http://schemas.microsoft.com/office/powerpoint/2012/main">
   <p:cSld>
     <p:spTree>
       <p:nvGrpSpPr>
-        <p:cNvPr id="139" name="Shape 139"/>
+        <p:cNvPr id="144" name="Shape 144"/>
         <p:cNvGrpSpPr/>
         <p:nvPr/>
       </p:nvGrpSpPr>
@@ -5964,7 +6346,7 @@
       </p:grpSpPr>
       <p:sp>
         <p:nvSpPr>
-          <p:cNvPr id="140" name="Shape 140"/>
+          <p:cNvPr id="145" name="Shape 145"/>
           <p:cNvSpPr txBox="1"/>
           <p:nvPr>
             <p:ph type="title"/>
@@ -5973,14 +6355,14 @@
         <p:spPr>
           <a:xfrm>
             <a:off x="457200" y="274637"/>
-            <a:ext cx="8229600" cy="1522199"/>
-          </a:xfrm>
-          <a:prstGeom prst="rect">
-            <a:avLst/>
-          </a:prstGeom>
-        </p:spPr>
-        <p:txBody>
-          <a:bodyPr anchorCtr="0" anchor="b" bIns="91425" lIns="91425" rIns="91425" tIns="91425">
+            <a:ext cx="8229600" cy="1522200"/>
+          </a:xfrm>
+          <a:prstGeom prst="rect">
+            <a:avLst/>
+          </a:prstGeom>
+        </p:spPr>
+        <p:txBody>
+          <a:bodyPr anchorCtr="0" anchor="b" bIns="91425" lIns="91425" rIns="91425" wrap="square" tIns="91425">
             <a:noAutofit/>
           </a:bodyPr>
           <a:lstStyle/>
@@ -5989,18 +6371,23 @@
               <a:spcBef>
                 <a:spcPts val="0"/>
               </a:spcBef>
+              <a:buClr>
+                <a:schemeClr val="dk1"/>
+              </a:buClr>
+              <a:buSzPct val="25000"/>
+              <a:buFont typeface="Arial"/>
               <a:buNone/>
             </a:pPr>
             <a:r>
               <a:rPr lang="en"/>
-              <a:t>Quotient of 2 numbers</a:t>
+              <a:t>Cociente de 2 números</a:t>
             </a:r>
           </a:p>
         </p:txBody>
       </p:sp>
       <p:pic>
         <p:nvPicPr>
-          <p:cNvPr id="141" name="Shape 141"/>
+          <p:cNvPr id="146" name="Shape 146"/>
           <p:cNvPicPr preferRelativeResize="0"/>
           <p:nvPr/>
         </p:nvPicPr>
@@ -6028,7 +6415,7 @@
       </p:pic>
       <p:sp>
         <p:nvSpPr>
-          <p:cNvPr id="142" name="Shape 142"/>
+          <p:cNvPr id="147" name="Shape 147"/>
           <p:cNvSpPr/>
           <p:nvPr/>
         </p:nvSpPr>
@@ -6052,7 +6439,7 @@
           </a:ln>
         </p:spPr>
         <p:txBody>
-          <a:bodyPr anchorCtr="0" anchor="ctr" bIns="91425" lIns="91425" rIns="91425" tIns="91425">
+          <a:bodyPr anchorCtr="0" anchor="ctr" bIns="91425" lIns="91425" rIns="91425" wrap="square" tIns="91425">
             <a:noAutofit/>
           </a:bodyPr>
           <a:lstStyle/>
@@ -6072,7 +6459,7 @@
       </p:sp>
       <p:sp>
         <p:nvSpPr>
-          <p:cNvPr id="143" name="Shape 143"/>
+          <p:cNvPr id="148" name="Shape 148"/>
           <p:cNvSpPr/>
           <p:nvPr/>
         </p:nvSpPr>
@@ -6096,7 +6483,7 @@
           </a:ln>
         </p:spPr>
         <p:txBody>
-          <a:bodyPr anchorCtr="0" anchor="ctr" bIns="91425" lIns="91425" rIns="91425" tIns="91425">
+          <a:bodyPr anchorCtr="0" anchor="ctr" bIns="91425" lIns="91425" rIns="91425" wrap="square" tIns="91425">
             <a:noAutofit/>
           </a:bodyPr>
           <a:lstStyle/>
@@ -6122,12 +6509,12 @@
 </p:sld>
 </file>
 
-<file path=ppt/slides/slide17.xml><?xml version="1.0" encoding="utf-8"?>
-<p:sld xmlns:a="http://schemas.openxmlformats.org/drawingml/2006/main" xmlns:r="http://schemas.openxmlformats.org/officeDocument/2006/relationships" xmlns:mc="http://schemas.openxmlformats.org/markup-compatibility/2006" xmlns:mv="urn:schemas-microsoft-com:mac:vml" xmlns:p="http://schemas.openxmlformats.org/presentationml/2006/main" xmlns:c="http://schemas.openxmlformats.org/drawingml/2006/chart" xmlns:dgm="http://schemas.openxmlformats.org/drawingml/2006/diagram" xmlns:o="urn:schemas-microsoft-com:office:office" xmlns:v="urn:schemas-microsoft-com:vml" xmlns:pvml="urn:schemas-microsoft-com:office:powerpoint" xmlns:com="http://schemas.openxmlformats.org/drawingml/2006/compatibility" xmlns:p14="http://schemas.microsoft.com/office/powerpoint/2010/main">
+<file path=ppt/slides/slide18.xml><?xml version="1.0" encoding="utf-8"?>
+<p:sld xmlns:a="http://schemas.openxmlformats.org/drawingml/2006/main" xmlns:r="http://schemas.openxmlformats.org/officeDocument/2006/relationships" xmlns:mc="http://schemas.openxmlformats.org/markup-compatibility/2006" xmlns:mv="urn:schemas-microsoft-com:mac:vml" xmlns:p="http://schemas.openxmlformats.org/presentationml/2006/main" xmlns:c="http://schemas.openxmlformats.org/drawingml/2006/chart" xmlns:dgm="http://schemas.openxmlformats.org/drawingml/2006/diagram" xmlns:o="urn:schemas-microsoft-com:office:office" xmlns:v="urn:schemas-microsoft-com:vml" xmlns:pvml="urn:schemas-microsoft-com:office:powerpoint" xmlns:com="http://schemas.openxmlformats.org/drawingml/2006/compatibility" xmlns:p14="http://schemas.microsoft.com/office/powerpoint/2010/main" xmlns:p15="http://schemas.microsoft.com/office/powerpoint/2012/main">
   <p:cSld>
     <p:spTree>
       <p:nvGrpSpPr>
-        <p:cNvPr id="147" name="Shape 147"/>
+        <p:cNvPr id="152" name="Shape 152"/>
         <p:cNvGrpSpPr/>
         <p:nvPr/>
       </p:nvGrpSpPr>
@@ -6141,7 +6528,7 @@
       </p:grpSpPr>
       <p:sp>
         <p:nvSpPr>
-          <p:cNvPr id="148" name="Shape 148"/>
+          <p:cNvPr id="153" name="Shape 153"/>
           <p:cNvSpPr txBox="1"/>
           <p:nvPr>
             <p:ph type="title"/>
@@ -6150,14 +6537,14 @@
         <p:spPr>
           <a:xfrm>
             <a:off x="457200" y="274637"/>
-            <a:ext cx="8229600" cy="1522199"/>
-          </a:xfrm>
-          <a:prstGeom prst="rect">
-            <a:avLst/>
-          </a:prstGeom>
-        </p:spPr>
-        <p:txBody>
-          <a:bodyPr anchorCtr="0" anchor="b" bIns="91425" lIns="91425" rIns="91425" tIns="91425">
+            <a:ext cx="8229600" cy="1522200"/>
+          </a:xfrm>
+          <a:prstGeom prst="rect">
+            <a:avLst/>
+          </a:prstGeom>
+        </p:spPr>
+        <p:txBody>
+          <a:bodyPr anchorCtr="0" anchor="b" bIns="91425" lIns="91425" rIns="91425" wrap="square" tIns="91425">
             <a:noAutofit/>
           </a:bodyPr>
           <a:lstStyle/>
@@ -6166,18 +6553,23 @@
               <a:spcBef>
                 <a:spcPts val="0"/>
               </a:spcBef>
+              <a:buClr>
+                <a:schemeClr val="dk1"/>
+              </a:buClr>
+              <a:buSzPct val="25000"/>
+              <a:buFont typeface="Arial"/>
               <a:buNone/>
             </a:pPr>
             <a:r>
               <a:rPr lang="en"/>
-              <a:t>Quotient of 2 numbers</a:t>
+              <a:t>Cociente de 2 números</a:t>
             </a:r>
           </a:p>
         </p:txBody>
       </p:sp>
       <p:pic>
         <p:nvPicPr>
-          <p:cNvPr id="149" name="Shape 149"/>
+          <p:cNvPr id="154" name="Shape 154"/>
           <p:cNvPicPr preferRelativeResize="0"/>
           <p:nvPr/>
         </p:nvPicPr>
@@ -6205,7 +6597,7 @@
       </p:pic>
       <p:sp>
         <p:nvSpPr>
-          <p:cNvPr id="150" name="Shape 150"/>
+          <p:cNvPr id="155" name="Shape 155"/>
           <p:cNvSpPr/>
           <p:nvPr/>
         </p:nvSpPr>
@@ -6229,7 +6621,7 @@
           </a:ln>
         </p:spPr>
         <p:txBody>
-          <a:bodyPr anchorCtr="0" anchor="ctr" bIns="91425" lIns="91425" rIns="91425" tIns="91425">
+          <a:bodyPr anchorCtr="0" anchor="ctr" bIns="91425" lIns="91425" rIns="91425" wrap="square" tIns="91425">
             <a:noAutofit/>
           </a:bodyPr>
           <a:lstStyle/>
@@ -6249,7 +6641,7 @@
       </p:sp>
       <p:sp>
         <p:nvSpPr>
-          <p:cNvPr id="151" name="Shape 151"/>
+          <p:cNvPr id="156" name="Shape 156"/>
           <p:cNvSpPr/>
           <p:nvPr/>
         </p:nvSpPr>
@@ -6273,7 +6665,7 @@
           </a:ln>
         </p:spPr>
         <p:txBody>
-          <a:bodyPr anchorCtr="0" anchor="ctr" bIns="91425" lIns="91425" rIns="91425" tIns="91425">
+          <a:bodyPr anchorCtr="0" anchor="ctr" bIns="91425" lIns="91425" rIns="91425" wrap="square" tIns="91425">
             <a:noAutofit/>
           </a:bodyPr>
           <a:lstStyle/>
@@ -6293,7 +6685,7 @@
       </p:sp>
       <p:sp>
         <p:nvSpPr>
-          <p:cNvPr id="152" name="Shape 152"/>
+          <p:cNvPr id="157" name="Shape 157"/>
           <p:cNvSpPr/>
           <p:nvPr/>
         </p:nvSpPr>
@@ -6317,7 +6709,7 @@
           </a:ln>
         </p:spPr>
         <p:txBody>
-          <a:bodyPr anchorCtr="0" anchor="ctr" bIns="91425" lIns="91425" rIns="91425" tIns="91425">
+          <a:bodyPr anchorCtr="0" anchor="ctr" bIns="91425" lIns="91425" rIns="91425" wrap="square" tIns="91425">
             <a:noAutofit/>
           </a:bodyPr>
           <a:lstStyle/>
@@ -6343,12 +6735,12 @@
 </p:sld>
 </file>
 
-<file path=ppt/slides/slide18.xml><?xml version="1.0" encoding="utf-8"?>
-<p:sld xmlns:a="http://schemas.openxmlformats.org/drawingml/2006/main" xmlns:r="http://schemas.openxmlformats.org/officeDocument/2006/relationships" xmlns:mc="http://schemas.openxmlformats.org/markup-compatibility/2006" xmlns:mv="urn:schemas-microsoft-com:mac:vml" xmlns:p="http://schemas.openxmlformats.org/presentationml/2006/main" xmlns:c="http://schemas.openxmlformats.org/drawingml/2006/chart" xmlns:dgm="http://schemas.openxmlformats.org/drawingml/2006/diagram" xmlns:o="urn:schemas-microsoft-com:office:office" xmlns:v="urn:schemas-microsoft-com:vml" xmlns:pvml="urn:schemas-microsoft-com:office:powerpoint" xmlns:com="http://schemas.openxmlformats.org/drawingml/2006/compatibility" xmlns:p14="http://schemas.microsoft.com/office/powerpoint/2010/main">
+<file path=ppt/slides/slide19.xml><?xml version="1.0" encoding="utf-8"?>
+<p:sld xmlns:a="http://schemas.openxmlformats.org/drawingml/2006/main" xmlns:r="http://schemas.openxmlformats.org/officeDocument/2006/relationships" xmlns:mc="http://schemas.openxmlformats.org/markup-compatibility/2006" xmlns:mv="urn:schemas-microsoft-com:mac:vml" xmlns:p="http://schemas.openxmlformats.org/presentationml/2006/main" xmlns:c="http://schemas.openxmlformats.org/drawingml/2006/chart" xmlns:dgm="http://schemas.openxmlformats.org/drawingml/2006/diagram" xmlns:o="urn:schemas-microsoft-com:office:office" xmlns:v="urn:schemas-microsoft-com:vml" xmlns:pvml="urn:schemas-microsoft-com:office:powerpoint" xmlns:com="http://schemas.openxmlformats.org/drawingml/2006/compatibility" xmlns:p14="http://schemas.microsoft.com/office/powerpoint/2010/main" xmlns:p15="http://schemas.microsoft.com/office/powerpoint/2012/main">
   <p:cSld>
     <p:spTree>
       <p:nvGrpSpPr>
-        <p:cNvPr id="156" name="Shape 156"/>
+        <p:cNvPr id="161" name="Shape 161"/>
         <p:cNvGrpSpPr/>
         <p:nvPr/>
       </p:nvGrpSpPr>
@@ -6362,7 +6754,7 @@
       </p:grpSpPr>
       <p:sp>
         <p:nvSpPr>
-          <p:cNvPr id="157" name="Shape 157"/>
+          <p:cNvPr id="162" name="Shape 162"/>
           <p:cNvSpPr txBox="1"/>
           <p:nvPr>
             <p:ph type="title"/>
@@ -6371,14 +6763,14 @@
         <p:spPr>
           <a:xfrm>
             <a:off x="457200" y="274637"/>
-            <a:ext cx="8229600" cy="1522199"/>
-          </a:xfrm>
-          <a:prstGeom prst="rect">
-            <a:avLst/>
-          </a:prstGeom>
-        </p:spPr>
-        <p:txBody>
-          <a:bodyPr anchorCtr="0" anchor="b" bIns="91425" lIns="91425" rIns="91425" tIns="91425">
+            <a:ext cx="8229600" cy="1522200"/>
+          </a:xfrm>
+          <a:prstGeom prst="rect">
+            <a:avLst/>
+          </a:prstGeom>
+        </p:spPr>
+        <p:txBody>
+          <a:bodyPr anchorCtr="0" anchor="b" bIns="91425" lIns="91425" rIns="91425" wrap="square" tIns="91425">
             <a:noAutofit/>
           </a:bodyPr>
           <a:lstStyle/>
@@ -6391,14 +6783,14 @@
             </a:pPr>
             <a:r>
               <a:rPr lang="en"/>
-              <a:t>Display the number series from N to 1</a:t>
+              <a:t>Despliega la serie de números de N a 1</a:t>
             </a:r>
           </a:p>
         </p:txBody>
       </p:sp>
       <p:pic>
         <p:nvPicPr>
-          <p:cNvPr id="158" name="Shape 158"/>
+          <p:cNvPr id="163" name="Shape 163"/>
           <p:cNvPicPr preferRelativeResize="0"/>
           <p:nvPr/>
         </p:nvPicPr>
@@ -6412,7 +6804,7 @@
         </p:blipFill>
         <p:spPr>
           <a:xfrm>
-            <a:off x="2205037" y="2615250"/>
+            <a:off x="2205038" y="2615250"/>
             <a:ext cx="4733925" cy="3200400"/>
           </a:xfrm>
           <a:prstGeom prst="rect">
@@ -6432,229 +6824,8 @@
 </p:sld>
 </file>
 
-<file path=ppt/slides/slide19.xml><?xml version="1.0" encoding="utf-8"?>
-<p:sld xmlns:a="http://schemas.openxmlformats.org/drawingml/2006/main" xmlns:r="http://schemas.openxmlformats.org/officeDocument/2006/relationships" xmlns:mc="http://schemas.openxmlformats.org/markup-compatibility/2006" xmlns:mv="urn:schemas-microsoft-com:mac:vml" xmlns:p="http://schemas.openxmlformats.org/presentationml/2006/main" xmlns:c="http://schemas.openxmlformats.org/drawingml/2006/chart" xmlns:dgm="http://schemas.openxmlformats.org/drawingml/2006/diagram" xmlns:o="urn:schemas-microsoft-com:office:office" xmlns:v="urn:schemas-microsoft-com:vml" xmlns:pvml="urn:schemas-microsoft-com:office:powerpoint" xmlns:com="http://schemas.openxmlformats.org/drawingml/2006/compatibility" xmlns:p14="http://schemas.microsoft.com/office/powerpoint/2010/main">
-  <p:cSld>
-    <p:spTree>
-      <p:nvGrpSpPr>
-        <p:cNvPr id="162" name="Shape 162"/>
-        <p:cNvGrpSpPr/>
-        <p:nvPr/>
-      </p:nvGrpSpPr>
-      <p:grpSpPr>
-        <a:xfrm>
-          <a:off x="0" y="0"/>
-          <a:ext cx="0" cy="0"/>
-          <a:chOff x="0" y="0"/>
-          <a:chExt cx="0" cy="0"/>
-        </a:xfrm>
-      </p:grpSpPr>
-      <p:sp>
-        <p:nvSpPr>
-          <p:cNvPr id="163" name="Shape 163"/>
-          <p:cNvSpPr txBox="1"/>
-          <p:nvPr>
-            <p:ph type="title"/>
-          </p:nvPr>
-        </p:nvSpPr>
-        <p:spPr>
-          <a:xfrm>
-            <a:off x="457200" y="274637"/>
-            <a:ext cx="8229600" cy="1522199"/>
-          </a:xfrm>
-          <a:prstGeom prst="rect">
-            <a:avLst/>
-          </a:prstGeom>
-        </p:spPr>
-        <p:txBody>
-          <a:bodyPr anchorCtr="0" anchor="b" bIns="91425" lIns="91425" rIns="91425" tIns="91425">
-            <a:noAutofit/>
-          </a:bodyPr>
-          <a:lstStyle/>
-          <a:p>
-            <a:pPr lvl="0" rtl="0">
-              <a:spcBef>
-                <a:spcPts val="0"/>
-              </a:spcBef>
-              <a:buNone/>
-            </a:pPr>
-            <a:r>
-              <a:rPr lang="en"/>
-              <a:t>Display the number series from N to 1</a:t>
-            </a:r>
-          </a:p>
-        </p:txBody>
-      </p:sp>
-      <p:pic>
-        <p:nvPicPr>
-          <p:cNvPr id="164" name="Shape 164"/>
-          <p:cNvPicPr preferRelativeResize="0"/>
-          <p:nvPr/>
-        </p:nvPicPr>
-        <p:blipFill>
-          <a:blip r:embed="rId3">
-            <a:alphaModFix/>
-          </a:blip>
-          <a:stretch>
-            <a:fillRect/>
-          </a:stretch>
-        </p:blipFill>
-        <p:spPr>
-          <a:xfrm>
-            <a:off x="1062037" y="2615250"/>
-            <a:ext cx="4733925" cy="3200400"/>
-          </a:xfrm>
-          <a:prstGeom prst="rect">
-            <a:avLst/>
-          </a:prstGeom>
-          <a:noFill/>
-          <a:ln>
-            <a:noFill/>
-          </a:ln>
-        </p:spPr>
-      </p:pic>
-      <p:sp>
-        <p:nvSpPr>
-          <p:cNvPr id="165" name="Shape 165"/>
-          <p:cNvSpPr/>
-          <p:nvPr/>
-        </p:nvSpPr>
-        <p:spPr>
-          <a:xfrm>
-            <a:off x="1959400" y="2684025"/>
-            <a:ext cx="1095900" cy="336300"/>
-          </a:xfrm>
-          <a:prstGeom prst="rect">
-            <a:avLst/>
-          </a:prstGeom>
-          <a:noFill/>
-          <a:ln cap="flat" cmpd="sng" w="38100">
-            <a:solidFill>
-              <a:srgbClr val="FF0000"/>
-            </a:solidFill>
-            <a:prstDash val="solid"/>
-            <a:round/>
-            <a:headEnd len="med" w="med" type="none"/>
-            <a:tailEnd len="med" w="med" type="none"/>
-          </a:ln>
-        </p:spPr>
-        <p:txBody>
-          <a:bodyPr anchorCtr="0" anchor="ctr" bIns="91425" lIns="91425" rIns="91425" tIns="91425">
-            <a:noAutofit/>
-          </a:bodyPr>
-          <a:lstStyle/>
-          <a:p>
-            <a:pPr lvl="0">
-              <a:spcBef>
-                <a:spcPts val="0"/>
-              </a:spcBef>
-              <a:buNone/>
-            </a:pPr>
-            <a:r>
-              <a:t/>
-            </a:r>
-            <a:endParaRPr/>
-          </a:p>
-        </p:txBody>
-      </p:sp>
-      <p:sp>
-        <p:nvSpPr>
-          <p:cNvPr id="166" name="Shape 166"/>
-          <p:cNvSpPr/>
-          <p:nvPr/>
-        </p:nvSpPr>
-        <p:spPr>
-          <a:xfrm>
-            <a:off x="2545850" y="5180300"/>
-            <a:ext cx="1095900" cy="336300"/>
-          </a:xfrm>
-          <a:prstGeom prst="rect">
-            <a:avLst/>
-          </a:prstGeom>
-          <a:noFill/>
-          <a:ln cap="flat" cmpd="sng" w="38100">
-            <a:solidFill>
-              <a:srgbClr val="FF0000"/>
-            </a:solidFill>
-            <a:prstDash val="solid"/>
-            <a:round/>
-            <a:headEnd len="med" w="med" type="none"/>
-            <a:tailEnd len="med" w="med" type="none"/>
-          </a:ln>
-        </p:spPr>
-        <p:txBody>
-          <a:bodyPr anchorCtr="0" anchor="ctr" bIns="91425" lIns="91425" rIns="91425" tIns="91425">
-            <a:noAutofit/>
-          </a:bodyPr>
-          <a:lstStyle/>
-          <a:p>
-            <a:pPr lvl="0">
-              <a:spcBef>
-                <a:spcPts val="0"/>
-              </a:spcBef>
-              <a:buNone/>
-            </a:pPr>
-            <a:r>
-              <a:t/>
-            </a:r>
-            <a:endParaRPr/>
-          </a:p>
-        </p:txBody>
-      </p:sp>
-      <p:sp>
-        <p:nvSpPr>
-          <p:cNvPr id="167" name="Shape 167"/>
-          <p:cNvSpPr/>
-          <p:nvPr/>
-        </p:nvSpPr>
-        <p:spPr>
-          <a:xfrm>
-            <a:off x="2545850" y="3770100"/>
-            <a:ext cx="1095900" cy="336300"/>
-          </a:xfrm>
-          <a:prstGeom prst="rect">
-            <a:avLst/>
-          </a:prstGeom>
-          <a:noFill/>
-          <a:ln cap="flat" cmpd="sng" w="38100">
-            <a:solidFill>
-              <a:srgbClr val="FF0000"/>
-            </a:solidFill>
-            <a:prstDash val="solid"/>
-            <a:round/>
-            <a:headEnd len="med" w="med" type="none"/>
-            <a:tailEnd len="med" w="med" type="none"/>
-          </a:ln>
-        </p:spPr>
-        <p:txBody>
-          <a:bodyPr anchorCtr="0" anchor="ctr" bIns="91425" lIns="91425" rIns="91425" tIns="91425">
-            <a:noAutofit/>
-          </a:bodyPr>
-          <a:lstStyle/>
-          <a:p>
-            <a:pPr lvl="0">
-              <a:spcBef>
-                <a:spcPts val="0"/>
-              </a:spcBef>
-              <a:buNone/>
-            </a:pPr>
-            <a:r>
-              <a:t/>
-            </a:r>
-            <a:endParaRPr/>
-          </a:p>
-        </p:txBody>
-      </p:sp>
-    </p:spTree>
-  </p:cSld>
-  <p:clrMapOvr>
-    <a:masterClrMapping/>
-  </p:clrMapOvr>
-</p:sld>
-</file>
-
 <file path=ppt/slides/slide2.xml><?xml version="1.0" encoding="utf-8"?>
-<p:sld xmlns:a="http://schemas.openxmlformats.org/drawingml/2006/main" xmlns:r="http://schemas.openxmlformats.org/officeDocument/2006/relationships" xmlns:mc="http://schemas.openxmlformats.org/markup-compatibility/2006" xmlns:mv="urn:schemas-microsoft-com:mac:vml" xmlns:p="http://schemas.openxmlformats.org/presentationml/2006/main" xmlns:c="http://schemas.openxmlformats.org/drawingml/2006/chart" xmlns:dgm="http://schemas.openxmlformats.org/drawingml/2006/diagram" xmlns:o="urn:schemas-microsoft-com:office:office" xmlns:v="urn:schemas-microsoft-com:vml" xmlns:pvml="urn:schemas-microsoft-com:office:powerpoint" xmlns:com="http://schemas.openxmlformats.org/drawingml/2006/compatibility" xmlns:p14="http://schemas.microsoft.com/office/powerpoint/2010/main">
+<p:sld xmlns:a="http://schemas.openxmlformats.org/drawingml/2006/main" xmlns:r="http://schemas.openxmlformats.org/officeDocument/2006/relationships" xmlns:mc="http://schemas.openxmlformats.org/markup-compatibility/2006" xmlns:mv="urn:schemas-microsoft-com:mac:vml" xmlns:p="http://schemas.openxmlformats.org/presentationml/2006/main" xmlns:c="http://schemas.openxmlformats.org/drawingml/2006/chart" xmlns:dgm="http://schemas.openxmlformats.org/drawingml/2006/diagram" xmlns:o="urn:schemas-microsoft-com:office:office" xmlns:v="urn:schemas-microsoft-com:vml" xmlns:pvml="urn:schemas-microsoft-com:office:powerpoint" xmlns:com="http://schemas.openxmlformats.org/drawingml/2006/compatibility" xmlns:p14="http://schemas.microsoft.com/office/powerpoint/2010/main" xmlns:p15="http://schemas.microsoft.com/office/powerpoint/2012/main">
   <p:cSld>
     <p:spTree>
       <p:nvGrpSpPr>
@@ -6681,14 +6852,14 @@
         <p:spPr>
           <a:xfrm>
             <a:off x="457200" y="274637"/>
-            <a:ext cx="8229600" cy="1522199"/>
-          </a:xfrm>
-          <a:prstGeom prst="rect">
-            <a:avLst/>
-          </a:prstGeom>
-        </p:spPr>
-        <p:txBody>
-          <a:bodyPr anchorCtr="0" anchor="b" bIns="91425" lIns="91425" rIns="91425" tIns="91425">
+            <a:ext cx="8229600" cy="1522200"/>
+          </a:xfrm>
+          <a:prstGeom prst="rect">
+            <a:avLst/>
+          </a:prstGeom>
+        </p:spPr>
+        <p:txBody>
+          <a:bodyPr anchorCtr="0" anchor="b" bIns="91425" lIns="91425" rIns="91425" wrap="square" tIns="91425">
             <a:noAutofit/>
           </a:bodyPr>
           <a:lstStyle/>
@@ -6701,7 +6872,7 @@
             </a:pPr>
             <a:r>
               <a:rPr lang="en"/>
-              <a:t>What is an algorithm?</a:t>
+              <a:t>¿Qué es un algoritmo?</a:t>
             </a:r>
           </a:p>
         </p:txBody>
@@ -6724,7 +6895,7 @@
           </a:prstGeom>
         </p:spPr>
         <p:txBody>
-          <a:bodyPr anchorCtr="0" anchor="t" bIns="91425" lIns="91425" rIns="91425" tIns="91425">
+          <a:bodyPr anchorCtr="0" anchor="t" bIns="91425" lIns="91425" rIns="91425" wrap="square" tIns="91425">
             <a:noAutofit/>
           </a:bodyPr>
           <a:lstStyle/>
@@ -6736,7 +6907,7 @@
             </a:pPr>
             <a:r>
               <a:rPr lang="en"/>
-              <a:t>An algorithm is a set of precisely defined instructions to solve a problem.</a:t>
+              <a:t>Un algoritmo es un conjunto de instrucciones debidamente definidas para resolver un problema</a:t>
             </a:r>
           </a:p>
           <a:p>
@@ -6747,7 +6918,7 @@
             </a:pPr>
             <a:r>
               <a:rPr lang="en"/>
-              <a:t>An algorithm is a finite step-by-step procedure to achieve a required result.</a:t>
+              <a:t>Un algoritmo es un procedimiento de pasos finitos ejecutado con el fin de obtener un resultado deseado</a:t>
             </a:r>
           </a:p>
           <a:p>
@@ -6758,7 +6929,7 @@
             </a:pPr>
             <a:r>
               <a:rPr lang="en"/>
-              <a:t>A computer program may contain thousands of algorithms, each one devoted to a single task. </a:t>
+              <a:t>Un programa de computadora puede contener miles de algoritmos, cada uno dedicado a una simple tarea</a:t>
             </a:r>
           </a:p>
         </p:txBody>
@@ -6772,11 +6943,11 @@
 </file>
 
 <file path=ppt/slides/slide20.xml><?xml version="1.0" encoding="utf-8"?>
-<p:sld xmlns:a="http://schemas.openxmlformats.org/drawingml/2006/main" xmlns:r="http://schemas.openxmlformats.org/officeDocument/2006/relationships" xmlns:mc="http://schemas.openxmlformats.org/markup-compatibility/2006" xmlns:mv="urn:schemas-microsoft-com:mac:vml" xmlns:p="http://schemas.openxmlformats.org/presentationml/2006/main" xmlns:c="http://schemas.openxmlformats.org/drawingml/2006/chart" xmlns:dgm="http://schemas.openxmlformats.org/drawingml/2006/diagram" xmlns:o="urn:schemas-microsoft-com:office:office" xmlns:v="urn:schemas-microsoft-com:vml" xmlns:pvml="urn:schemas-microsoft-com:office:powerpoint" xmlns:com="http://schemas.openxmlformats.org/drawingml/2006/compatibility" xmlns:p14="http://schemas.microsoft.com/office/powerpoint/2010/main">
+<p:sld xmlns:a="http://schemas.openxmlformats.org/drawingml/2006/main" xmlns:r="http://schemas.openxmlformats.org/officeDocument/2006/relationships" xmlns:mc="http://schemas.openxmlformats.org/markup-compatibility/2006" xmlns:mv="urn:schemas-microsoft-com:mac:vml" xmlns:p="http://schemas.openxmlformats.org/presentationml/2006/main" xmlns:c="http://schemas.openxmlformats.org/drawingml/2006/chart" xmlns:dgm="http://schemas.openxmlformats.org/drawingml/2006/diagram" xmlns:o="urn:schemas-microsoft-com:office:office" xmlns:v="urn:schemas-microsoft-com:vml" xmlns:pvml="urn:schemas-microsoft-com:office:powerpoint" xmlns:com="http://schemas.openxmlformats.org/drawingml/2006/compatibility" xmlns:p14="http://schemas.microsoft.com/office/powerpoint/2010/main" xmlns:p15="http://schemas.microsoft.com/office/powerpoint/2012/main">
   <p:cSld>
     <p:spTree>
       <p:nvGrpSpPr>
-        <p:cNvPr id="171" name="Shape 171"/>
+        <p:cNvPr id="167" name="Shape 167"/>
         <p:cNvGrpSpPr/>
         <p:nvPr/>
       </p:nvGrpSpPr>
@@ -6788,45 +6959,9 @@
           <a:chExt cx="0" cy="0"/>
         </a:xfrm>
       </p:grpSpPr>
-      <p:sp>
-        <p:nvSpPr>
-          <p:cNvPr id="172" name="Shape 172"/>
-          <p:cNvSpPr txBox="1"/>
-          <p:nvPr>
-            <p:ph type="title"/>
-          </p:nvPr>
-        </p:nvSpPr>
-        <p:spPr>
-          <a:xfrm>
-            <a:off x="457200" y="274637"/>
-            <a:ext cx="8229600" cy="1522199"/>
-          </a:xfrm>
-          <a:prstGeom prst="rect">
-            <a:avLst/>
-          </a:prstGeom>
-        </p:spPr>
-        <p:txBody>
-          <a:bodyPr anchorCtr="0" anchor="b" bIns="91425" lIns="91425" rIns="91425" tIns="91425">
-            <a:noAutofit/>
-          </a:bodyPr>
-          <a:lstStyle/>
-          <a:p>
-            <a:pPr lvl="0" rtl="0">
-              <a:spcBef>
-                <a:spcPts val="0"/>
-              </a:spcBef>
-              <a:buNone/>
-            </a:pPr>
-            <a:r>
-              <a:rPr lang="en"/>
-              <a:t>Display the number series from N to 1</a:t>
-            </a:r>
-          </a:p>
-        </p:txBody>
-      </p:sp>
       <p:pic>
         <p:nvPicPr>
-          <p:cNvPr id="173" name="Shape 173"/>
+          <p:cNvPr id="168" name="Shape 168"/>
           <p:cNvPicPr preferRelativeResize="0"/>
           <p:nvPr/>
         </p:nvPicPr>
@@ -6840,7 +6975,7 @@
         </p:blipFill>
         <p:spPr>
           <a:xfrm>
-            <a:off x="2205037" y="2615250"/>
+            <a:off x="1062038" y="2615250"/>
             <a:ext cx="4733925" cy="3200400"/>
           </a:xfrm>
           <a:prstGeom prst="rect">
@@ -6854,14 +6989,14 @@
       </p:pic>
       <p:sp>
         <p:nvSpPr>
-          <p:cNvPr id="174" name="Shape 174"/>
+          <p:cNvPr id="169" name="Shape 169"/>
           <p:cNvSpPr/>
           <p:nvPr/>
         </p:nvSpPr>
         <p:spPr>
           <a:xfrm>
-            <a:off x="4285200" y="3074675"/>
-            <a:ext cx="347400" cy="336300"/>
+            <a:off x="1959400" y="2684025"/>
+            <a:ext cx="1095900" cy="336300"/>
           </a:xfrm>
           <a:prstGeom prst="rect">
             <a:avLst/>
@@ -6869,7 +7004,7 @@
           <a:noFill/>
           <a:ln cap="flat" cmpd="sng" w="38100">
             <a:solidFill>
-              <a:srgbClr val="6AA84F"/>
+              <a:srgbClr val="FF0000"/>
             </a:solidFill>
             <a:prstDash val="solid"/>
             <a:round/>
@@ -6878,7 +7013,7 @@
           </a:ln>
         </p:spPr>
         <p:txBody>
-          <a:bodyPr anchorCtr="0" anchor="ctr" bIns="91425" lIns="91425" rIns="91425" tIns="91425">
+          <a:bodyPr anchorCtr="0" anchor="ctr" bIns="91425" lIns="91425" rIns="91425" wrap="square" tIns="91425">
             <a:noAutofit/>
           </a:bodyPr>
           <a:lstStyle/>
@@ -6898,13 +7033,13 @@
       </p:sp>
       <p:sp>
         <p:nvSpPr>
-          <p:cNvPr id="175" name="Shape 175"/>
+          <p:cNvPr id="170" name="Shape 170"/>
           <p:cNvSpPr/>
           <p:nvPr/>
         </p:nvSpPr>
         <p:spPr>
           <a:xfrm>
-            <a:off x="3688850" y="4117350"/>
+            <a:off x="2545850" y="5180300"/>
             <a:ext cx="1095900" cy="336300"/>
           </a:xfrm>
           <a:prstGeom prst="rect">
@@ -6913,7 +7048,7 @@
           <a:noFill/>
           <a:ln cap="flat" cmpd="sng" w="38100">
             <a:solidFill>
-              <a:srgbClr val="6AA84F"/>
+              <a:srgbClr val="FF0000"/>
             </a:solidFill>
             <a:prstDash val="solid"/>
             <a:round/>
@@ -6922,7 +7057,7 @@
           </a:ln>
         </p:spPr>
         <p:txBody>
-          <a:bodyPr anchorCtr="0" anchor="ctr" bIns="91425" lIns="91425" rIns="91425" tIns="91425">
+          <a:bodyPr anchorCtr="0" anchor="ctr" bIns="91425" lIns="91425" rIns="91425" wrap="square" tIns="91425">
             <a:noAutofit/>
           </a:bodyPr>
           <a:lstStyle/>
@@ -6937,6 +7072,86 @@
               <a:t/>
             </a:r>
             <a:endParaRPr/>
+          </a:p>
+        </p:txBody>
+      </p:sp>
+      <p:sp>
+        <p:nvSpPr>
+          <p:cNvPr id="171" name="Shape 171"/>
+          <p:cNvSpPr/>
+          <p:nvPr/>
+        </p:nvSpPr>
+        <p:spPr>
+          <a:xfrm>
+            <a:off x="2545850" y="3770100"/>
+            <a:ext cx="1095900" cy="336300"/>
+          </a:xfrm>
+          <a:prstGeom prst="rect">
+            <a:avLst/>
+          </a:prstGeom>
+          <a:noFill/>
+          <a:ln cap="flat" cmpd="sng" w="38100">
+            <a:solidFill>
+              <a:srgbClr val="FF0000"/>
+            </a:solidFill>
+            <a:prstDash val="solid"/>
+            <a:round/>
+            <a:headEnd len="med" w="med" type="none"/>
+            <a:tailEnd len="med" w="med" type="none"/>
+          </a:ln>
+        </p:spPr>
+        <p:txBody>
+          <a:bodyPr anchorCtr="0" anchor="ctr" bIns="91425" lIns="91425" rIns="91425" wrap="square" tIns="91425">
+            <a:noAutofit/>
+          </a:bodyPr>
+          <a:lstStyle/>
+          <a:p>
+            <a:pPr lvl="0">
+              <a:spcBef>
+                <a:spcPts val="0"/>
+              </a:spcBef>
+              <a:buNone/>
+            </a:pPr>
+            <a:r>
+              <a:t/>
+            </a:r>
+            <a:endParaRPr/>
+          </a:p>
+        </p:txBody>
+      </p:sp>
+      <p:sp>
+        <p:nvSpPr>
+          <p:cNvPr id="172" name="Shape 172"/>
+          <p:cNvSpPr txBox="1"/>
+          <p:nvPr>
+            <p:ph type="title"/>
+          </p:nvPr>
+        </p:nvSpPr>
+        <p:spPr>
+          <a:xfrm>
+            <a:off x="457200" y="274637"/>
+            <a:ext cx="8229600" cy="1522200"/>
+          </a:xfrm>
+          <a:prstGeom prst="rect">
+            <a:avLst/>
+          </a:prstGeom>
+        </p:spPr>
+        <p:txBody>
+          <a:bodyPr anchorCtr="0" anchor="b" bIns="91425" lIns="91425" rIns="91425" wrap="square" tIns="91425">
+            <a:noAutofit/>
+          </a:bodyPr>
+          <a:lstStyle/>
+          <a:p>
+            <a:pPr lvl="0" rtl="0">
+              <a:spcBef>
+                <a:spcPts val="0"/>
+              </a:spcBef>
+              <a:buNone/>
+            </a:pPr>
+            <a:r>
+              <a:rPr lang="en"/>
+              <a:t>Despliega la serie de números de N a 1</a:t>
+            </a:r>
           </a:p>
         </p:txBody>
       </p:sp>
@@ -6949,11 +7164,11 @@
 </file>
 
 <file path=ppt/slides/slide21.xml><?xml version="1.0" encoding="utf-8"?>
-<p:sld xmlns:a="http://schemas.openxmlformats.org/drawingml/2006/main" xmlns:r="http://schemas.openxmlformats.org/officeDocument/2006/relationships" xmlns:mc="http://schemas.openxmlformats.org/markup-compatibility/2006" xmlns:mv="urn:schemas-microsoft-com:mac:vml" xmlns:p="http://schemas.openxmlformats.org/presentationml/2006/main" xmlns:c="http://schemas.openxmlformats.org/drawingml/2006/chart" xmlns:dgm="http://schemas.openxmlformats.org/drawingml/2006/diagram" xmlns:o="urn:schemas-microsoft-com:office:office" xmlns:v="urn:schemas-microsoft-com:vml" xmlns:pvml="urn:schemas-microsoft-com:office:powerpoint" xmlns:com="http://schemas.openxmlformats.org/drawingml/2006/compatibility" xmlns:p14="http://schemas.microsoft.com/office/powerpoint/2010/main">
+<p:sld xmlns:a="http://schemas.openxmlformats.org/drawingml/2006/main" xmlns:r="http://schemas.openxmlformats.org/officeDocument/2006/relationships" xmlns:mc="http://schemas.openxmlformats.org/markup-compatibility/2006" xmlns:mv="urn:schemas-microsoft-com:mac:vml" xmlns:p="http://schemas.openxmlformats.org/presentationml/2006/main" xmlns:c="http://schemas.openxmlformats.org/drawingml/2006/chart" xmlns:dgm="http://schemas.openxmlformats.org/drawingml/2006/diagram" xmlns:o="urn:schemas-microsoft-com:office:office" xmlns:v="urn:schemas-microsoft-com:vml" xmlns:pvml="urn:schemas-microsoft-com:office:powerpoint" xmlns:com="http://schemas.openxmlformats.org/drawingml/2006/compatibility" xmlns:p14="http://schemas.microsoft.com/office/powerpoint/2010/main" xmlns:p15="http://schemas.microsoft.com/office/powerpoint/2012/main">
   <p:cSld>
     <p:spTree>
       <p:nvGrpSpPr>
-        <p:cNvPr id="179" name="Shape 179"/>
+        <p:cNvPr id="176" name="Shape 176"/>
         <p:cNvGrpSpPr/>
         <p:nvPr/>
       </p:nvGrpSpPr>
@@ -6965,45 +7180,9 @@
           <a:chExt cx="0" cy="0"/>
         </a:xfrm>
       </p:grpSpPr>
-      <p:sp>
-        <p:nvSpPr>
-          <p:cNvPr id="180" name="Shape 180"/>
-          <p:cNvSpPr txBox="1"/>
-          <p:nvPr>
-            <p:ph type="title"/>
-          </p:nvPr>
-        </p:nvSpPr>
-        <p:spPr>
-          <a:xfrm>
-            <a:off x="457200" y="274637"/>
-            <a:ext cx="8229600" cy="1522199"/>
-          </a:xfrm>
-          <a:prstGeom prst="rect">
-            <a:avLst/>
-          </a:prstGeom>
-        </p:spPr>
-        <p:txBody>
-          <a:bodyPr anchorCtr="0" anchor="b" bIns="91425" lIns="91425" rIns="91425" tIns="91425">
-            <a:noAutofit/>
-          </a:bodyPr>
-          <a:lstStyle/>
-          <a:p>
-            <a:pPr lvl="0" rtl="0">
-              <a:spcBef>
-                <a:spcPts val="0"/>
-              </a:spcBef>
-              <a:buNone/>
-            </a:pPr>
-            <a:r>
-              <a:rPr lang="en"/>
-              <a:t>Display the number series from N to 1</a:t>
-            </a:r>
-          </a:p>
-        </p:txBody>
-      </p:sp>
       <p:pic>
         <p:nvPicPr>
-          <p:cNvPr id="181" name="Shape 181"/>
+          <p:cNvPr id="177" name="Shape 177"/>
           <p:cNvPicPr preferRelativeResize="0"/>
           <p:nvPr/>
         </p:nvPicPr>
@@ -7017,7 +7196,7 @@
         </p:blipFill>
         <p:spPr>
           <a:xfrm>
-            <a:off x="2205037" y="2615250"/>
+            <a:off x="2205038" y="2615250"/>
             <a:ext cx="4733925" cy="3200400"/>
           </a:xfrm>
           <a:prstGeom prst="rect">
@@ -7031,14 +7210,14 @@
       </p:pic>
       <p:sp>
         <p:nvSpPr>
-          <p:cNvPr id="182" name="Shape 182"/>
+          <p:cNvPr id="178" name="Shape 178"/>
           <p:cNvSpPr/>
           <p:nvPr/>
         </p:nvSpPr>
         <p:spPr>
           <a:xfrm>
-            <a:off x="3602025" y="4464600"/>
-            <a:ext cx="1833300" cy="336300"/>
+            <a:off x="4285200" y="3074675"/>
+            <a:ext cx="347400" cy="336300"/>
           </a:xfrm>
           <a:prstGeom prst="rect">
             <a:avLst/>
@@ -7046,7 +7225,7 @@
           <a:noFill/>
           <a:ln cap="flat" cmpd="sng" w="38100">
             <a:solidFill>
-              <a:srgbClr val="FF00FF"/>
+              <a:srgbClr val="6AA84F"/>
             </a:solidFill>
             <a:prstDash val="solid"/>
             <a:round/>
@@ -7055,7 +7234,7 @@
           </a:ln>
         </p:spPr>
         <p:txBody>
-          <a:bodyPr anchorCtr="0" anchor="ctr" bIns="91425" lIns="91425" rIns="91425" tIns="91425">
+          <a:bodyPr anchorCtr="0" anchor="ctr" bIns="91425" lIns="91425" rIns="91425" wrap="square" tIns="91425">
             <a:noAutofit/>
           </a:bodyPr>
           <a:lstStyle/>
@@ -7075,14 +7254,14 @@
       </p:sp>
       <p:sp>
         <p:nvSpPr>
-          <p:cNvPr id="183" name="Shape 183"/>
+          <p:cNvPr id="179" name="Shape 179"/>
           <p:cNvSpPr/>
           <p:nvPr/>
         </p:nvSpPr>
         <p:spPr>
           <a:xfrm>
-            <a:off x="3092500" y="3423375"/>
-            <a:ext cx="2646900" cy="336300"/>
+            <a:off x="3688850" y="4117350"/>
+            <a:ext cx="1095900" cy="336300"/>
           </a:xfrm>
           <a:prstGeom prst="rect">
             <a:avLst/>
@@ -7090,7 +7269,7 @@
           <a:noFill/>
           <a:ln cap="flat" cmpd="sng" w="38100">
             <a:solidFill>
-              <a:srgbClr val="FF00FF"/>
+              <a:srgbClr val="6AA84F"/>
             </a:solidFill>
             <a:prstDash val="solid"/>
             <a:round/>
@@ -7099,7 +7278,7 @@
           </a:ln>
         </p:spPr>
         <p:txBody>
-          <a:bodyPr anchorCtr="0" anchor="ctr" bIns="91425" lIns="91425" rIns="91425" tIns="91425">
+          <a:bodyPr anchorCtr="0" anchor="ctr" bIns="91425" lIns="91425" rIns="91425" wrap="square" tIns="91425">
             <a:noAutofit/>
           </a:bodyPr>
           <a:lstStyle/>
@@ -7117,58 +7296,30 @@
           </a:p>
         </p:txBody>
       </p:sp>
-      <p:cxnSp>
-        <p:nvCxnSpPr>
-          <p:cNvPr id="184" name="Shape 184"/>
-          <p:cNvCxnSpPr/>
-          <p:nvPr/>
-        </p:nvCxnSpPr>
-        <p:spPr>
-          <a:xfrm>
-            <a:off x="2266850" y="4637250"/>
-            <a:ext cx="824700" cy="0"/>
-          </a:xfrm>
-          <a:prstGeom prst="straightConnector1">
-            <a:avLst/>
-          </a:prstGeom>
-          <a:noFill/>
-          <a:ln cap="flat" cmpd="sng" w="9525">
-            <a:solidFill>
-              <a:schemeClr val="dk2"/>
-            </a:solidFill>
-            <a:prstDash val="solid"/>
-            <a:round/>
-            <a:headEnd len="lg" w="lg" type="none"/>
-            <a:tailEnd len="lg" w="lg" type="triangle"/>
-          </a:ln>
-        </p:spPr>
-      </p:cxnSp>
-      <p:sp>
-        <p:nvSpPr>
-          <p:cNvPr id="185" name="Shape 185"/>
+      <p:sp>
+        <p:nvSpPr>
+          <p:cNvPr id="180" name="Shape 180"/>
           <p:cNvSpPr txBox="1"/>
-          <p:nvPr/>
-        </p:nvSpPr>
-        <p:spPr>
-          <a:xfrm>
-            <a:off x="1539850" y="4464600"/>
-            <a:ext cx="6250200" cy="729300"/>
-          </a:xfrm>
-          <a:prstGeom prst="rect">
-            <a:avLst/>
-          </a:prstGeom>
-          <a:noFill/>
-          <a:ln>
-            <a:noFill/>
-          </a:ln>
-        </p:spPr>
-        <p:txBody>
-          <a:bodyPr anchorCtr="0" anchor="t" bIns="91425" lIns="91425" rIns="91425" tIns="91425">
+          <p:nvPr>
+            <p:ph type="title"/>
+          </p:nvPr>
+        </p:nvSpPr>
+        <p:spPr>
+          <a:xfrm>
+            <a:off x="457200" y="274637"/>
+            <a:ext cx="8229600" cy="1522200"/>
+          </a:xfrm>
+          <a:prstGeom prst="rect">
+            <a:avLst/>
+          </a:prstGeom>
+        </p:spPr>
+        <p:txBody>
+          <a:bodyPr anchorCtr="0" anchor="b" bIns="91425" lIns="91425" rIns="91425" wrap="square" tIns="91425">
             <a:noAutofit/>
           </a:bodyPr>
           <a:lstStyle/>
           <a:p>
-            <a:pPr lvl="0">
+            <a:pPr lvl="0" rtl="0">
               <a:spcBef>
                 <a:spcPts val="0"/>
               </a:spcBef>
@@ -7176,7 +7327,7 @@
             </a:pPr>
             <a:r>
               <a:rPr lang="en"/>
-              <a:t>GOTO</a:t>
+              <a:t>Despliega la serie de números de N a 1</a:t>
             </a:r>
           </a:p>
         </p:txBody>
@@ -7190,11 +7341,11 @@
 </file>
 
 <file path=ppt/slides/slide22.xml><?xml version="1.0" encoding="utf-8"?>
-<p:sld xmlns:a="http://schemas.openxmlformats.org/drawingml/2006/main" xmlns:r="http://schemas.openxmlformats.org/officeDocument/2006/relationships" xmlns:mc="http://schemas.openxmlformats.org/markup-compatibility/2006" xmlns:mv="urn:schemas-microsoft-com:mac:vml" xmlns:p="http://schemas.openxmlformats.org/presentationml/2006/main" xmlns:c="http://schemas.openxmlformats.org/drawingml/2006/chart" xmlns:dgm="http://schemas.openxmlformats.org/drawingml/2006/diagram" xmlns:o="urn:schemas-microsoft-com:office:office" xmlns:v="urn:schemas-microsoft-com:vml" xmlns:pvml="urn:schemas-microsoft-com:office:powerpoint" xmlns:com="http://schemas.openxmlformats.org/drawingml/2006/compatibility" xmlns:p14="http://schemas.microsoft.com/office/powerpoint/2010/main">
+<p:sld xmlns:a="http://schemas.openxmlformats.org/drawingml/2006/main" xmlns:r="http://schemas.openxmlformats.org/officeDocument/2006/relationships" xmlns:mc="http://schemas.openxmlformats.org/markup-compatibility/2006" xmlns:mv="urn:schemas-microsoft-com:mac:vml" xmlns:p="http://schemas.openxmlformats.org/presentationml/2006/main" xmlns:c="http://schemas.openxmlformats.org/drawingml/2006/chart" xmlns:dgm="http://schemas.openxmlformats.org/drawingml/2006/diagram" xmlns:o="urn:schemas-microsoft-com:office:office" xmlns:v="urn:schemas-microsoft-com:vml" xmlns:pvml="urn:schemas-microsoft-com:office:powerpoint" xmlns:com="http://schemas.openxmlformats.org/drawingml/2006/compatibility" xmlns:p14="http://schemas.microsoft.com/office/powerpoint/2010/main" xmlns:p15="http://schemas.microsoft.com/office/powerpoint/2012/main">
   <p:cSld>
     <p:spTree>
       <p:nvGrpSpPr>
-        <p:cNvPr id="189" name="Shape 189"/>
+        <p:cNvPr id="184" name="Shape 184"/>
         <p:cNvGrpSpPr/>
         <p:nvPr/>
       </p:nvGrpSpPr>
@@ -7206,45 +7357,9 @@
           <a:chExt cx="0" cy="0"/>
         </a:xfrm>
       </p:grpSpPr>
-      <p:sp>
-        <p:nvSpPr>
-          <p:cNvPr id="190" name="Shape 190"/>
-          <p:cNvSpPr txBox="1"/>
-          <p:nvPr>
-            <p:ph type="title"/>
-          </p:nvPr>
-        </p:nvSpPr>
-        <p:spPr>
-          <a:xfrm>
-            <a:off x="457200" y="274637"/>
-            <a:ext cx="8229600" cy="1522199"/>
-          </a:xfrm>
-          <a:prstGeom prst="rect">
-            <a:avLst/>
-          </a:prstGeom>
-        </p:spPr>
-        <p:txBody>
-          <a:bodyPr anchorCtr="0" anchor="b" bIns="91425" lIns="91425" rIns="91425" tIns="91425">
-            <a:noAutofit/>
-          </a:bodyPr>
-          <a:lstStyle/>
-          <a:p>
-            <a:pPr lvl="0" rtl="0">
-              <a:spcBef>
-                <a:spcPts val="0"/>
-              </a:spcBef>
-              <a:buNone/>
-            </a:pPr>
-            <a:r>
-              <a:rPr lang="en"/>
-              <a:t>Display the number series from N to 1</a:t>
-            </a:r>
-          </a:p>
-        </p:txBody>
-      </p:sp>
       <p:pic>
         <p:nvPicPr>
-          <p:cNvPr id="191" name="Shape 191"/>
+          <p:cNvPr id="185" name="Shape 185"/>
           <p:cNvPicPr preferRelativeResize="0"/>
           <p:nvPr/>
         </p:nvPicPr>
@@ -7258,7 +7373,7 @@
         </p:blipFill>
         <p:spPr>
           <a:xfrm>
-            <a:off x="2205037" y="2615250"/>
+            <a:off x="2205038" y="2615250"/>
             <a:ext cx="4733925" cy="3200400"/>
           </a:xfrm>
           <a:prstGeom prst="rect">
@@ -7272,7 +7387,7 @@
       </p:pic>
       <p:sp>
         <p:nvSpPr>
-          <p:cNvPr id="192" name="Shape 192"/>
+          <p:cNvPr id="186" name="Shape 186"/>
           <p:cNvSpPr/>
           <p:nvPr/>
         </p:nvSpPr>
@@ -7296,7 +7411,7 @@
           </a:ln>
         </p:spPr>
         <p:txBody>
-          <a:bodyPr anchorCtr="0" anchor="ctr" bIns="91425" lIns="91425" rIns="91425" tIns="91425">
+          <a:bodyPr anchorCtr="0" anchor="ctr" bIns="91425" lIns="91425" rIns="91425" wrap="square" tIns="91425">
             <a:noAutofit/>
           </a:bodyPr>
           <a:lstStyle/>
@@ -7316,7 +7431,7 @@
       </p:sp>
       <p:sp>
         <p:nvSpPr>
-          <p:cNvPr id="193" name="Shape 193"/>
+          <p:cNvPr id="187" name="Shape 187"/>
           <p:cNvSpPr/>
           <p:nvPr/>
         </p:nvSpPr>
@@ -7340,7 +7455,7 @@
           </a:ln>
         </p:spPr>
         <p:txBody>
-          <a:bodyPr anchorCtr="0" anchor="ctr" bIns="91425" lIns="91425" rIns="91425" tIns="91425">
+          <a:bodyPr anchorCtr="0" anchor="ctr" bIns="91425" lIns="91425" rIns="91425" wrap="square" tIns="91425">
             <a:noAutofit/>
           </a:bodyPr>
           <a:lstStyle/>
@@ -7360,7 +7475,7 @@
       </p:sp>
       <p:cxnSp>
         <p:nvCxnSpPr>
-          <p:cNvPr id="194" name="Shape 194"/>
+          <p:cNvPr id="188" name="Shape 188"/>
           <p:cNvCxnSpPr/>
           <p:nvPr/>
         </p:nvCxnSpPr>
@@ -7386,7 +7501,7 @@
       </p:cxnSp>
       <p:sp>
         <p:nvSpPr>
-          <p:cNvPr id="195" name="Shape 195"/>
+          <p:cNvPr id="189" name="Shape 189"/>
           <p:cNvSpPr txBox="1"/>
           <p:nvPr/>
         </p:nvSpPr>
@@ -7404,12 +7519,12 @@
           </a:ln>
         </p:spPr>
         <p:txBody>
-          <a:bodyPr anchorCtr="0" anchor="t" bIns="91425" lIns="91425" rIns="91425" tIns="91425">
+          <a:bodyPr anchorCtr="0" anchor="t" bIns="91425" lIns="91425" rIns="91425" wrap="square" tIns="91425">
             <a:noAutofit/>
           </a:bodyPr>
           <a:lstStyle/>
           <a:p>
-            <a:pPr lvl="0" rtl="0">
+            <a:pPr lvl="0">
               <a:spcBef>
                 <a:spcPts val="0"/>
               </a:spcBef>
@@ -7424,38 +7539,36 @@
       </p:sp>
       <p:sp>
         <p:nvSpPr>
-          <p:cNvPr id="196" name="Shape 196"/>
+          <p:cNvPr id="190" name="Shape 190"/>
           <p:cNvSpPr txBox="1"/>
-          <p:nvPr/>
-        </p:nvSpPr>
-        <p:spPr>
-          <a:xfrm>
-            <a:off x="3320000" y="6129900"/>
-            <a:ext cx="6240600" cy="728100"/>
-          </a:xfrm>
-          <a:prstGeom prst="rect">
-            <a:avLst/>
-          </a:prstGeom>
-          <a:noFill/>
-          <a:ln>
-            <a:noFill/>
-          </a:ln>
-        </p:spPr>
-        <p:txBody>
-          <a:bodyPr anchorCtr="0" anchor="t" bIns="91425" lIns="91425" rIns="91425" tIns="91425">
+          <p:nvPr>
+            <p:ph type="title"/>
+          </p:nvPr>
+        </p:nvSpPr>
+        <p:spPr>
+          <a:xfrm>
+            <a:off x="457200" y="274637"/>
+            <a:ext cx="8229600" cy="1522200"/>
+          </a:xfrm>
+          <a:prstGeom prst="rect">
+            <a:avLst/>
+          </a:prstGeom>
+        </p:spPr>
+        <p:txBody>
+          <a:bodyPr anchorCtr="0" anchor="b" bIns="91425" lIns="91425" rIns="91425" wrap="square" tIns="91425">
             <a:noAutofit/>
           </a:bodyPr>
           <a:lstStyle/>
           <a:p>
-            <a:pPr lvl="0">
-              <a:spcBef>
-                <a:spcPts val="0"/>
-              </a:spcBef>
-              <a:buNone/>
-            </a:pPr>
-            <a:r>
-              <a:rPr b="1" lang="en"/>
-              <a:t>“Prueba de escritorio”</a:t>
+            <a:pPr lvl="0" rtl="0">
+              <a:spcBef>
+                <a:spcPts val="0"/>
+              </a:spcBef>
+              <a:buNone/>
+            </a:pPr>
+            <a:r>
+              <a:rPr lang="en"/>
+              <a:t>Despliega la serie de números de N a 1</a:t>
             </a:r>
           </a:p>
         </p:txBody>
@@ -7469,11 +7582,11 @@
 </file>
 
 <file path=ppt/slides/slide23.xml><?xml version="1.0" encoding="utf-8"?>
-<p:sld xmlns:a="http://schemas.openxmlformats.org/drawingml/2006/main" xmlns:r="http://schemas.openxmlformats.org/officeDocument/2006/relationships" xmlns:mc="http://schemas.openxmlformats.org/markup-compatibility/2006" xmlns:mv="urn:schemas-microsoft-com:mac:vml" xmlns:p="http://schemas.openxmlformats.org/presentationml/2006/main" xmlns:c="http://schemas.openxmlformats.org/drawingml/2006/chart" xmlns:dgm="http://schemas.openxmlformats.org/drawingml/2006/diagram" xmlns:o="urn:schemas-microsoft-com:office:office" xmlns:v="urn:schemas-microsoft-com:vml" xmlns:pvml="urn:schemas-microsoft-com:office:powerpoint" xmlns:com="http://schemas.openxmlformats.org/drawingml/2006/compatibility" xmlns:p14="http://schemas.microsoft.com/office/powerpoint/2010/main">
+<p:sld xmlns:a="http://schemas.openxmlformats.org/drawingml/2006/main" xmlns:r="http://schemas.openxmlformats.org/officeDocument/2006/relationships" xmlns:mc="http://schemas.openxmlformats.org/markup-compatibility/2006" xmlns:mv="urn:schemas-microsoft-com:mac:vml" xmlns:p="http://schemas.openxmlformats.org/presentationml/2006/main" xmlns:c="http://schemas.openxmlformats.org/drawingml/2006/chart" xmlns:dgm="http://schemas.openxmlformats.org/drawingml/2006/diagram" xmlns:o="urn:schemas-microsoft-com:office:office" xmlns:v="urn:schemas-microsoft-com:vml" xmlns:pvml="urn:schemas-microsoft-com:office:powerpoint" xmlns:com="http://schemas.openxmlformats.org/drawingml/2006/compatibility" xmlns:p14="http://schemas.microsoft.com/office/powerpoint/2010/main" xmlns:p15="http://schemas.microsoft.com/office/powerpoint/2012/main">
   <p:cSld>
     <p:spTree>
       <p:nvGrpSpPr>
-        <p:cNvPr id="200" name="Shape 200"/>
+        <p:cNvPr id="194" name="Shape 194"/>
         <p:cNvGrpSpPr/>
         <p:nvPr/>
       </p:nvGrpSpPr>
@@ -7485,81 +7598,9 @@
           <a:chExt cx="0" cy="0"/>
         </a:xfrm>
       </p:grpSpPr>
-      <p:sp>
-        <p:nvSpPr>
-          <p:cNvPr id="201" name="Shape 201"/>
-          <p:cNvSpPr txBox="1"/>
-          <p:nvPr>
-            <p:ph type="ctrTitle"/>
-          </p:nvPr>
-        </p:nvSpPr>
-        <p:spPr>
-          <a:xfrm>
-            <a:off x="685800" y="1734342"/>
-            <a:ext cx="7772400" cy="2245499"/>
-          </a:xfrm>
-          <a:prstGeom prst="rect">
-            <a:avLst/>
-          </a:prstGeom>
-        </p:spPr>
-        <p:txBody>
-          <a:bodyPr anchorCtr="0" anchor="b" bIns="91425" lIns="91425" rIns="91425" tIns="91425">
-            <a:noAutofit/>
-          </a:bodyPr>
-          <a:lstStyle/>
-          <a:p>
-            <a:pPr lvl="0">
-              <a:spcBef>
-                <a:spcPts val="0"/>
-              </a:spcBef>
-              <a:buNone/>
-            </a:pPr>
-            <a:r>
-              <a:rPr lang="en"/>
-              <a:t>Gracias.</a:t>
-            </a:r>
-          </a:p>
-        </p:txBody>
-      </p:sp>
-      <p:sp>
-        <p:nvSpPr>
-          <p:cNvPr id="202" name="Shape 202"/>
-          <p:cNvSpPr txBox="1"/>
-          <p:nvPr>
-            <p:ph idx="1" type="subTitle"/>
-          </p:nvPr>
-        </p:nvSpPr>
-        <p:spPr>
-          <a:xfrm>
-            <a:off x="685800" y="4124476"/>
-            <a:ext cx="7772400" cy="949799"/>
-          </a:xfrm>
-          <a:prstGeom prst="rect">
-            <a:avLst/>
-          </a:prstGeom>
-        </p:spPr>
-        <p:txBody>
-          <a:bodyPr anchorCtr="0" anchor="ctr" bIns="91425" lIns="91425" rIns="91425" tIns="91425">
-            <a:noAutofit/>
-          </a:bodyPr>
-          <a:lstStyle/>
-          <a:p>
-            <a:pPr lvl="0">
-              <a:spcBef>
-                <a:spcPts val="0"/>
-              </a:spcBef>
-              <a:buNone/>
-            </a:pPr>
-            <a:r>
-              <a:rPr lang="en"/>
-              <a:t>@edolopez - edolopez@hackerschool.mx</a:t>
-            </a:r>
-          </a:p>
-        </p:txBody>
-      </p:sp>
       <p:pic>
         <p:nvPicPr>
-          <p:cNvPr id="203" name="Shape 203"/>
+          <p:cNvPr id="195" name="Shape 195"/>
           <p:cNvPicPr preferRelativeResize="0"/>
           <p:nvPr/>
         </p:nvPicPr>
@@ -7573,7 +7614,358 @@
         </p:blipFill>
         <p:spPr>
           <a:xfrm>
-            <a:off x="7417074" y="6402549"/>
+            <a:off x="2205038" y="2615250"/>
+            <a:ext cx="4733925" cy="3200400"/>
+          </a:xfrm>
+          <a:prstGeom prst="rect">
+            <a:avLst/>
+          </a:prstGeom>
+          <a:noFill/>
+          <a:ln>
+            <a:noFill/>
+          </a:ln>
+        </p:spPr>
+      </p:pic>
+      <p:sp>
+        <p:nvSpPr>
+          <p:cNvPr id="196" name="Shape 196"/>
+          <p:cNvSpPr/>
+          <p:nvPr/>
+        </p:nvSpPr>
+        <p:spPr>
+          <a:xfrm>
+            <a:off x="3602025" y="4464600"/>
+            <a:ext cx="1833300" cy="336300"/>
+          </a:xfrm>
+          <a:prstGeom prst="rect">
+            <a:avLst/>
+          </a:prstGeom>
+          <a:noFill/>
+          <a:ln cap="flat" cmpd="sng" w="38100">
+            <a:solidFill>
+              <a:srgbClr val="FF00FF"/>
+            </a:solidFill>
+            <a:prstDash val="solid"/>
+            <a:round/>
+            <a:headEnd len="med" w="med" type="none"/>
+            <a:tailEnd len="med" w="med" type="none"/>
+          </a:ln>
+        </p:spPr>
+        <p:txBody>
+          <a:bodyPr anchorCtr="0" anchor="ctr" bIns="91425" lIns="91425" rIns="91425" wrap="square" tIns="91425">
+            <a:noAutofit/>
+          </a:bodyPr>
+          <a:lstStyle/>
+          <a:p>
+            <a:pPr lvl="0">
+              <a:spcBef>
+                <a:spcPts val="0"/>
+              </a:spcBef>
+              <a:buNone/>
+            </a:pPr>
+            <a:r>
+              <a:t/>
+            </a:r>
+            <a:endParaRPr/>
+          </a:p>
+        </p:txBody>
+      </p:sp>
+      <p:sp>
+        <p:nvSpPr>
+          <p:cNvPr id="197" name="Shape 197"/>
+          <p:cNvSpPr/>
+          <p:nvPr/>
+        </p:nvSpPr>
+        <p:spPr>
+          <a:xfrm>
+            <a:off x="3092500" y="3423375"/>
+            <a:ext cx="2646900" cy="336300"/>
+          </a:xfrm>
+          <a:prstGeom prst="rect">
+            <a:avLst/>
+          </a:prstGeom>
+          <a:noFill/>
+          <a:ln cap="flat" cmpd="sng" w="38100">
+            <a:solidFill>
+              <a:srgbClr val="FF00FF"/>
+            </a:solidFill>
+            <a:prstDash val="solid"/>
+            <a:round/>
+            <a:headEnd len="med" w="med" type="none"/>
+            <a:tailEnd len="med" w="med" type="none"/>
+          </a:ln>
+        </p:spPr>
+        <p:txBody>
+          <a:bodyPr anchorCtr="0" anchor="ctr" bIns="91425" lIns="91425" rIns="91425" wrap="square" tIns="91425">
+            <a:noAutofit/>
+          </a:bodyPr>
+          <a:lstStyle/>
+          <a:p>
+            <a:pPr lvl="0">
+              <a:spcBef>
+                <a:spcPts val="0"/>
+              </a:spcBef>
+              <a:buNone/>
+            </a:pPr>
+            <a:r>
+              <a:t/>
+            </a:r>
+            <a:endParaRPr/>
+          </a:p>
+        </p:txBody>
+      </p:sp>
+      <p:cxnSp>
+        <p:nvCxnSpPr>
+          <p:cNvPr id="198" name="Shape 198"/>
+          <p:cNvCxnSpPr/>
+          <p:nvPr/>
+        </p:nvCxnSpPr>
+        <p:spPr>
+          <a:xfrm>
+            <a:off x="2266850" y="4637250"/>
+            <a:ext cx="824700" cy="0"/>
+          </a:xfrm>
+          <a:prstGeom prst="straightConnector1">
+            <a:avLst/>
+          </a:prstGeom>
+          <a:noFill/>
+          <a:ln cap="flat" cmpd="sng" w="9525">
+            <a:solidFill>
+              <a:schemeClr val="dk2"/>
+            </a:solidFill>
+            <a:prstDash val="solid"/>
+            <a:round/>
+            <a:headEnd len="lg" w="lg" type="none"/>
+            <a:tailEnd len="lg" w="lg" type="triangle"/>
+          </a:ln>
+        </p:spPr>
+      </p:cxnSp>
+      <p:sp>
+        <p:nvSpPr>
+          <p:cNvPr id="199" name="Shape 199"/>
+          <p:cNvSpPr txBox="1"/>
+          <p:nvPr/>
+        </p:nvSpPr>
+        <p:spPr>
+          <a:xfrm>
+            <a:off x="1539850" y="4464600"/>
+            <a:ext cx="6250200" cy="729300"/>
+          </a:xfrm>
+          <a:prstGeom prst="rect">
+            <a:avLst/>
+          </a:prstGeom>
+          <a:noFill/>
+          <a:ln>
+            <a:noFill/>
+          </a:ln>
+        </p:spPr>
+        <p:txBody>
+          <a:bodyPr anchorCtr="0" anchor="t" bIns="91425" lIns="91425" rIns="91425" wrap="square" tIns="91425">
+            <a:noAutofit/>
+          </a:bodyPr>
+          <a:lstStyle/>
+          <a:p>
+            <a:pPr lvl="0" rtl="0">
+              <a:spcBef>
+                <a:spcPts val="0"/>
+              </a:spcBef>
+              <a:buNone/>
+            </a:pPr>
+            <a:r>
+              <a:rPr lang="en"/>
+              <a:t>GOTO</a:t>
+            </a:r>
+          </a:p>
+        </p:txBody>
+      </p:sp>
+      <p:sp>
+        <p:nvSpPr>
+          <p:cNvPr id="200" name="Shape 200"/>
+          <p:cNvSpPr txBox="1"/>
+          <p:nvPr/>
+        </p:nvSpPr>
+        <p:spPr>
+          <a:xfrm>
+            <a:off x="3320000" y="6129900"/>
+            <a:ext cx="6240600" cy="728100"/>
+          </a:xfrm>
+          <a:prstGeom prst="rect">
+            <a:avLst/>
+          </a:prstGeom>
+          <a:noFill/>
+          <a:ln>
+            <a:noFill/>
+          </a:ln>
+        </p:spPr>
+        <p:txBody>
+          <a:bodyPr anchorCtr="0" anchor="t" bIns="91425" lIns="91425" rIns="91425" wrap="square" tIns="91425">
+            <a:noAutofit/>
+          </a:bodyPr>
+          <a:lstStyle/>
+          <a:p>
+            <a:pPr lvl="0">
+              <a:spcBef>
+                <a:spcPts val="0"/>
+              </a:spcBef>
+              <a:buNone/>
+            </a:pPr>
+            <a:r>
+              <a:rPr b="1" lang="en"/>
+              <a:t>“Prueba de escritorio”</a:t>
+            </a:r>
+          </a:p>
+        </p:txBody>
+      </p:sp>
+      <p:sp>
+        <p:nvSpPr>
+          <p:cNvPr id="201" name="Shape 201"/>
+          <p:cNvSpPr txBox="1"/>
+          <p:nvPr>
+            <p:ph type="title"/>
+          </p:nvPr>
+        </p:nvSpPr>
+        <p:spPr>
+          <a:xfrm>
+            <a:off x="457200" y="274637"/>
+            <a:ext cx="8229600" cy="1522200"/>
+          </a:xfrm>
+          <a:prstGeom prst="rect">
+            <a:avLst/>
+          </a:prstGeom>
+        </p:spPr>
+        <p:txBody>
+          <a:bodyPr anchorCtr="0" anchor="b" bIns="91425" lIns="91425" rIns="91425" wrap="square" tIns="91425">
+            <a:noAutofit/>
+          </a:bodyPr>
+          <a:lstStyle/>
+          <a:p>
+            <a:pPr lvl="0" rtl="0">
+              <a:spcBef>
+                <a:spcPts val="0"/>
+              </a:spcBef>
+              <a:buNone/>
+            </a:pPr>
+            <a:r>
+              <a:rPr lang="en"/>
+              <a:t>Despliega la serie de números de N a 1</a:t>
+            </a:r>
+          </a:p>
+        </p:txBody>
+      </p:sp>
+    </p:spTree>
+  </p:cSld>
+  <p:clrMapOvr>
+    <a:masterClrMapping/>
+  </p:clrMapOvr>
+</p:sld>
+</file>
+
+<file path=ppt/slides/slide24.xml><?xml version="1.0" encoding="utf-8"?>
+<p:sld xmlns:a="http://schemas.openxmlformats.org/drawingml/2006/main" xmlns:r="http://schemas.openxmlformats.org/officeDocument/2006/relationships" xmlns:mc="http://schemas.openxmlformats.org/markup-compatibility/2006" xmlns:mv="urn:schemas-microsoft-com:mac:vml" xmlns:p="http://schemas.openxmlformats.org/presentationml/2006/main" xmlns:c="http://schemas.openxmlformats.org/drawingml/2006/chart" xmlns:dgm="http://schemas.openxmlformats.org/drawingml/2006/diagram" xmlns:o="urn:schemas-microsoft-com:office:office" xmlns:v="urn:schemas-microsoft-com:vml" xmlns:pvml="urn:schemas-microsoft-com:office:powerpoint" xmlns:com="http://schemas.openxmlformats.org/drawingml/2006/compatibility" xmlns:p14="http://schemas.microsoft.com/office/powerpoint/2010/main" xmlns:p15="http://schemas.microsoft.com/office/powerpoint/2012/main">
+  <p:cSld>
+    <p:spTree>
+      <p:nvGrpSpPr>
+        <p:cNvPr id="205" name="Shape 205"/>
+        <p:cNvGrpSpPr/>
+        <p:nvPr/>
+      </p:nvGrpSpPr>
+      <p:grpSpPr>
+        <a:xfrm>
+          <a:off x="0" y="0"/>
+          <a:ext cx="0" cy="0"/>
+          <a:chOff x="0" y="0"/>
+          <a:chExt cx="0" cy="0"/>
+        </a:xfrm>
+      </p:grpSpPr>
+      <p:sp>
+        <p:nvSpPr>
+          <p:cNvPr id="206" name="Shape 206"/>
+          <p:cNvSpPr txBox="1"/>
+          <p:nvPr>
+            <p:ph type="ctrTitle"/>
+          </p:nvPr>
+        </p:nvSpPr>
+        <p:spPr>
+          <a:xfrm>
+            <a:off x="685800" y="1734343"/>
+            <a:ext cx="7772400" cy="2245500"/>
+          </a:xfrm>
+          <a:prstGeom prst="rect">
+            <a:avLst/>
+          </a:prstGeom>
+        </p:spPr>
+        <p:txBody>
+          <a:bodyPr anchorCtr="0" anchor="b" bIns="91425" lIns="91425" rIns="91425" wrap="square" tIns="91425">
+            <a:noAutofit/>
+          </a:bodyPr>
+          <a:lstStyle/>
+          <a:p>
+            <a:pPr lvl="0">
+              <a:spcBef>
+                <a:spcPts val="0"/>
+              </a:spcBef>
+              <a:buNone/>
+            </a:pPr>
+            <a:r>
+              <a:rPr lang="en"/>
+              <a:t>Gracias.</a:t>
+            </a:r>
+          </a:p>
+        </p:txBody>
+      </p:sp>
+      <p:sp>
+        <p:nvSpPr>
+          <p:cNvPr id="207" name="Shape 207"/>
+          <p:cNvSpPr txBox="1"/>
+          <p:nvPr>
+            <p:ph idx="1" type="subTitle"/>
+          </p:nvPr>
+        </p:nvSpPr>
+        <p:spPr>
+          <a:xfrm>
+            <a:off x="685800" y="4124476"/>
+            <a:ext cx="7772400" cy="949800"/>
+          </a:xfrm>
+          <a:prstGeom prst="rect">
+            <a:avLst/>
+          </a:prstGeom>
+        </p:spPr>
+        <p:txBody>
+          <a:bodyPr anchorCtr="0" anchor="ctr" bIns="91425" lIns="91425" rIns="91425" wrap="square" tIns="91425">
+            <a:noAutofit/>
+          </a:bodyPr>
+          <a:lstStyle/>
+          <a:p>
+            <a:pPr lvl="0">
+              <a:spcBef>
+                <a:spcPts val="0"/>
+              </a:spcBef>
+              <a:buNone/>
+            </a:pPr>
+            <a:r>
+              <a:rPr lang="en"/>
+              <a:t>@edolopez - edolopez@hackerschool.mx</a:t>
+            </a:r>
+          </a:p>
+        </p:txBody>
+      </p:sp>
+      <p:pic>
+        <p:nvPicPr>
+          <p:cNvPr id="208" name="Shape 208"/>
+          <p:cNvPicPr preferRelativeResize="0"/>
+          <p:nvPr/>
+        </p:nvPicPr>
+        <p:blipFill>
+          <a:blip r:embed="rId3">
+            <a:alphaModFix/>
+          </a:blip>
+          <a:stretch>
+            <a:fillRect/>
+          </a:stretch>
+        </p:blipFill>
+        <p:spPr>
+          <a:xfrm>
+            <a:off x="7417075" y="6402550"/>
             <a:ext cx="1726925" cy="455450"/>
           </a:xfrm>
           <a:prstGeom prst="rect">
@@ -7594,7 +7986,7 @@
 </file>
 
 <file path=ppt/slides/slide3.xml><?xml version="1.0" encoding="utf-8"?>
-<p:sld xmlns:a="http://schemas.openxmlformats.org/drawingml/2006/main" xmlns:r="http://schemas.openxmlformats.org/officeDocument/2006/relationships" xmlns:mc="http://schemas.openxmlformats.org/markup-compatibility/2006" xmlns:mv="urn:schemas-microsoft-com:mac:vml" xmlns:p="http://schemas.openxmlformats.org/presentationml/2006/main" xmlns:c="http://schemas.openxmlformats.org/drawingml/2006/chart" xmlns:dgm="http://schemas.openxmlformats.org/drawingml/2006/diagram" xmlns:o="urn:schemas-microsoft-com:office:office" xmlns:v="urn:schemas-microsoft-com:vml" xmlns:pvml="urn:schemas-microsoft-com:office:powerpoint" xmlns:com="http://schemas.openxmlformats.org/drawingml/2006/compatibility" xmlns:p14="http://schemas.microsoft.com/office/powerpoint/2010/main">
+<p:sld xmlns:a="http://schemas.openxmlformats.org/drawingml/2006/main" xmlns:r="http://schemas.openxmlformats.org/officeDocument/2006/relationships" xmlns:mc="http://schemas.openxmlformats.org/markup-compatibility/2006" xmlns:mv="urn:schemas-microsoft-com:mac:vml" xmlns:p="http://schemas.openxmlformats.org/presentationml/2006/main" xmlns:c="http://schemas.openxmlformats.org/drawingml/2006/chart" xmlns:dgm="http://schemas.openxmlformats.org/drawingml/2006/diagram" xmlns:o="urn:schemas-microsoft-com:office:office" xmlns:v="urn:schemas-microsoft-com:vml" xmlns:pvml="urn:schemas-microsoft-com:office:powerpoint" xmlns:com="http://schemas.openxmlformats.org/drawingml/2006/compatibility" xmlns:p14="http://schemas.microsoft.com/office/powerpoint/2010/main" xmlns:p15="http://schemas.microsoft.com/office/powerpoint/2012/main">
   <p:cSld>
     <p:spTree>
       <p:nvGrpSpPr>
@@ -7621,14 +8013,14 @@
         <p:spPr>
           <a:xfrm>
             <a:off x="457200" y="274637"/>
-            <a:ext cx="8229600" cy="1522199"/>
-          </a:xfrm>
-          <a:prstGeom prst="rect">
-            <a:avLst/>
-          </a:prstGeom>
-        </p:spPr>
-        <p:txBody>
-          <a:bodyPr anchorCtr="0" anchor="b" bIns="91425" lIns="91425" rIns="91425" tIns="91425">
+            <a:ext cx="8229600" cy="1522200"/>
+          </a:xfrm>
+          <a:prstGeom prst="rect">
+            <a:avLst/>
+          </a:prstGeom>
+        </p:spPr>
+        <p:txBody>
+          <a:bodyPr anchorCtr="0" anchor="b" bIns="91425" lIns="91425" rIns="91425" wrap="square" tIns="91425">
             <a:noAutofit/>
           </a:bodyPr>
           <a:lstStyle/>
@@ -7674,7 +8066,7 @@
         </p:blipFill>
         <p:spPr>
           <a:xfrm>
-            <a:off x="3431212" y="2826925"/>
+            <a:off x="3431213" y="2826925"/>
             <a:ext cx="2399675" cy="2207700"/>
           </a:xfrm>
           <a:prstGeom prst="rect">
@@ -7706,7 +8098,7 @@
           </a:ln>
         </p:spPr>
         <p:txBody>
-          <a:bodyPr anchorCtr="0" anchor="t" bIns="91425" lIns="91425" rIns="91425" tIns="91425">
+          <a:bodyPr anchorCtr="0" anchor="t" bIns="91425" lIns="91425" rIns="91425" wrap="square" tIns="91425">
             <a:noAutofit/>
           </a:bodyPr>
           <a:lstStyle/>
@@ -7773,7 +8165,7 @@
           </a:ln>
         </p:spPr>
         <p:txBody>
-          <a:bodyPr anchorCtr="0" anchor="t" bIns="91425" lIns="91425" rIns="91425" tIns="91425">
+          <a:bodyPr anchorCtr="0" anchor="t" bIns="91425" lIns="91425" rIns="91425" wrap="square" tIns="91425">
             <a:noAutofit/>
           </a:bodyPr>
           <a:lstStyle/>
@@ -7811,7 +8203,7 @@
           </a:ln>
         </p:spPr>
         <p:txBody>
-          <a:bodyPr anchorCtr="0" anchor="t" bIns="91425" lIns="91425" rIns="91425" tIns="91425">
+          <a:bodyPr anchorCtr="0" anchor="t" bIns="91425" lIns="91425" rIns="91425" wrap="square" tIns="91425">
             <a:noAutofit/>
           </a:bodyPr>
           <a:lstStyle/>
@@ -7840,7 +8232,7 @@
         </p:nvCxnSpPr>
         <p:spPr>
           <a:xfrm>
-            <a:off x="5830887" y="3930775"/>
+            <a:off x="5830888" y="3930775"/>
             <a:ext cx="1050000" cy="0"/>
           </a:xfrm>
           <a:prstGeom prst="straightConnector1">
@@ -7867,7 +8259,7 @@
 </file>
 
 <file path=ppt/slides/slide4.xml><?xml version="1.0" encoding="utf-8"?>
-<p:sld xmlns:a="http://schemas.openxmlformats.org/drawingml/2006/main" xmlns:r="http://schemas.openxmlformats.org/officeDocument/2006/relationships" xmlns:mc="http://schemas.openxmlformats.org/markup-compatibility/2006" xmlns:mv="urn:schemas-microsoft-com:mac:vml" xmlns:p="http://schemas.openxmlformats.org/presentationml/2006/main" xmlns:c="http://schemas.openxmlformats.org/drawingml/2006/chart" xmlns:dgm="http://schemas.openxmlformats.org/drawingml/2006/diagram" xmlns:o="urn:schemas-microsoft-com:office:office" xmlns:v="urn:schemas-microsoft-com:vml" xmlns:pvml="urn:schemas-microsoft-com:office:powerpoint" xmlns:com="http://schemas.openxmlformats.org/drawingml/2006/compatibility" xmlns:p14="http://schemas.microsoft.com/office/powerpoint/2010/main">
+<p:sld xmlns:a="http://schemas.openxmlformats.org/drawingml/2006/main" xmlns:r="http://schemas.openxmlformats.org/officeDocument/2006/relationships" xmlns:mc="http://schemas.openxmlformats.org/markup-compatibility/2006" xmlns:mv="urn:schemas-microsoft-com:mac:vml" xmlns:p="http://schemas.openxmlformats.org/presentationml/2006/main" xmlns:c="http://schemas.openxmlformats.org/drawingml/2006/chart" xmlns:dgm="http://schemas.openxmlformats.org/drawingml/2006/diagram" xmlns:o="urn:schemas-microsoft-com:office:office" xmlns:v="urn:schemas-microsoft-com:vml" xmlns:pvml="urn:schemas-microsoft-com:office:powerpoint" xmlns:com="http://schemas.openxmlformats.org/drawingml/2006/compatibility" xmlns:p14="http://schemas.microsoft.com/office/powerpoint/2010/main" xmlns:p15="http://schemas.microsoft.com/office/powerpoint/2012/main">
   <p:cSld>
     <p:spTree>
       <p:nvGrpSpPr>
@@ -7899,8 +8291,8 @@
         </p:blipFill>
         <p:spPr>
           <a:xfrm>
-            <a:off x="389501" y="729849"/>
-            <a:ext cx="8364996" cy="5143500"/>
+            <a:off x="389502" y="729850"/>
+            <a:ext cx="8364997" cy="5143500"/>
           </a:xfrm>
           <a:prstGeom prst="rect">
             <a:avLst/>
@@ -7920,7 +8312,7 @@
 </file>
 
 <file path=ppt/slides/slide5.xml><?xml version="1.0" encoding="utf-8"?>
-<p:sld xmlns:a="http://schemas.openxmlformats.org/drawingml/2006/main" xmlns:r="http://schemas.openxmlformats.org/officeDocument/2006/relationships" xmlns:mc="http://schemas.openxmlformats.org/markup-compatibility/2006" xmlns:mv="urn:schemas-microsoft-com:mac:vml" xmlns:p="http://schemas.openxmlformats.org/presentationml/2006/main" xmlns:c="http://schemas.openxmlformats.org/drawingml/2006/chart" xmlns:dgm="http://schemas.openxmlformats.org/drawingml/2006/diagram" xmlns:o="urn:schemas-microsoft-com:office:office" xmlns:v="urn:schemas-microsoft-com:vml" xmlns:pvml="urn:schemas-microsoft-com:office:powerpoint" xmlns:com="http://schemas.openxmlformats.org/drawingml/2006/compatibility" xmlns:p14="http://schemas.microsoft.com/office/powerpoint/2010/main">
+<p:sld xmlns:a="http://schemas.openxmlformats.org/drawingml/2006/main" xmlns:r="http://schemas.openxmlformats.org/officeDocument/2006/relationships" xmlns:mc="http://schemas.openxmlformats.org/markup-compatibility/2006" xmlns:mv="urn:schemas-microsoft-com:mac:vml" xmlns:p="http://schemas.openxmlformats.org/presentationml/2006/main" xmlns:c="http://schemas.openxmlformats.org/drawingml/2006/chart" xmlns:dgm="http://schemas.openxmlformats.org/drawingml/2006/diagram" xmlns:o="urn:schemas-microsoft-com:office:office" xmlns:v="urn:schemas-microsoft-com:vml" xmlns:pvml="urn:schemas-microsoft-com:office:powerpoint" xmlns:com="http://schemas.openxmlformats.org/drawingml/2006/compatibility" xmlns:p14="http://schemas.microsoft.com/office/powerpoint/2010/main" xmlns:p15="http://schemas.microsoft.com/office/powerpoint/2012/main">
   <p:cSld>
     <p:spTree>
       <p:nvGrpSpPr>
@@ -7947,14 +8339,14 @@
         <p:spPr>
           <a:xfrm>
             <a:off x="457200" y="274637"/>
-            <a:ext cx="8229600" cy="1522199"/>
-          </a:xfrm>
-          <a:prstGeom prst="rect">
-            <a:avLst/>
-          </a:prstGeom>
-        </p:spPr>
-        <p:txBody>
-          <a:bodyPr anchorCtr="0" anchor="b" bIns="91425" lIns="91425" rIns="91425" tIns="91425">
+            <a:ext cx="8229600" cy="1522200"/>
+          </a:xfrm>
+          <a:prstGeom prst="rect">
+            <a:avLst/>
+          </a:prstGeom>
+        </p:spPr>
+        <p:txBody>
+          <a:bodyPr anchorCtr="0" anchor="b" bIns="91425" lIns="91425" rIns="91425" wrap="square" tIns="91425">
             <a:noAutofit/>
           </a:bodyPr>
           <a:lstStyle/>
@@ -8000,7 +8392,7 @@
         </p:blipFill>
         <p:spPr>
           <a:xfrm>
-            <a:off x="3431212" y="2826925"/>
+            <a:off x="3431213" y="2826925"/>
             <a:ext cx="2399675" cy="2207700"/>
           </a:xfrm>
           <a:prstGeom prst="rect">
@@ -8032,7 +8424,7 @@
           </a:ln>
         </p:spPr>
         <p:txBody>
-          <a:bodyPr anchorCtr="0" anchor="t" bIns="91425" lIns="91425" rIns="91425" tIns="91425">
+          <a:bodyPr anchorCtr="0" anchor="t" bIns="91425" lIns="91425" rIns="91425" wrap="square" tIns="91425">
             <a:noAutofit/>
           </a:bodyPr>
           <a:lstStyle/>
@@ -8099,7 +8491,7 @@
           </a:ln>
         </p:spPr>
         <p:txBody>
-          <a:bodyPr anchorCtr="0" anchor="t" bIns="91425" lIns="91425" rIns="91425" tIns="91425">
+          <a:bodyPr anchorCtr="0" anchor="t" bIns="91425" lIns="91425" rIns="91425" wrap="square" tIns="91425">
             <a:noAutofit/>
           </a:bodyPr>
           <a:lstStyle/>
@@ -8137,7 +8529,7 @@
           </a:ln>
         </p:spPr>
         <p:txBody>
-          <a:bodyPr anchorCtr="0" anchor="t" bIns="91425" lIns="91425" rIns="91425" tIns="91425">
+          <a:bodyPr anchorCtr="0" anchor="t" bIns="91425" lIns="91425" rIns="91425" wrap="square" tIns="91425">
             <a:noAutofit/>
           </a:bodyPr>
           <a:lstStyle/>
@@ -8166,7 +8558,7 @@
         </p:nvCxnSpPr>
         <p:spPr>
           <a:xfrm>
-            <a:off x="5830887" y="3930775"/>
+            <a:off x="5830888" y="3930775"/>
             <a:ext cx="1050000" cy="0"/>
           </a:xfrm>
           <a:prstGeom prst="straightConnector1">
@@ -8193,7 +8585,7 @@
 </file>
 
 <file path=ppt/slides/slide6.xml><?xml version="1.0" encoding="utf-8"?>
-<p:sld xmlns:a="http://schemas.openxmlformats.org/drawingml/2006/main" xmlns:r="http://schemas.openxmlformats.org/officeDocument/2006/relationships" xmlns:mc="http://schemas.openxmlformats.org/markup-compatibility/2006" xmlns:mv="urn:schemas-microsoft-com:mac:vml" xmlns:p="http://schemas.openxmlformats.org/presentationml/2006/main" xmlns:c="http://schemas.openxmlformats.org/drawingml/2006/chart" xmlns:dgm="http://schemas.openxmlformats.org/drawingml/2006/diagram" xmlns:o="urn:schemas-microsoft-com:office:office" xmlns:v="urn:schemas-microsoft-com:vml" xmlns:pvml="urn:schemas-microsoft-com:office:powerpoint" xmlns:com="http://schemas.openxmlformats.org/drawingml/2006/compatibility" xmlns:p14="http://schemas.microsoft.com/office/powerpoint/2010/main">
+<p:sld xmlns:a="http://schemas.openxmlformats.org/drawingml/2006/main" xmlns:r="http://schemas.openxmlformats.org/officeDocument/2006/relationships" xmlns:mc="http://schemas.openxmlformats.org/markup-compatibility/2006" xmlns:mv="urn:schemas-microsoft-com:mac:vml" xmlns:p="http://schemas.openxmlformats.org/presentationml/2006/main" xmlns:c="http://schemas.openxmlformats.org/drawingml/2006/chart" xmlns:dgm="http://schemas.openxmlformats.org/drawingml/2006/diagram" xmlns:o="urn:schemas-microsoft-com:office:office" xmlns:v="urn:schemas-microsoft-com:vml" xmlns:pvml="urn:schemas-microsoft-com:office:powerpoint" xmlns:com="http://schemas.openxmlformats.org/drawingml/2006/compatibility" xmlns:p14="http://schemas.microsoft.com/office/powerpoint/2010/main" xmlns:p15="http://schemas.microsoft.com/office/powerpoint/2012/main">
   <p:cSld>
     <p:spTree>
       <p:nvGrpSpPr>
@@ -8229,7 +8621,7 @@
           </a:ln>
         </p:spPr>
         <p:txBody>
-          <a:bodyPr anchorCtr="0" anchor="t" bIns="91425" lIns="91425" rIns="91425" tIns="91425">
+          <a:bodyPr anchorCtr="0" anchor="t" bIns="91425" lIns="91425" rIns="91425" wrap="square" tIns="91425">
             <a:noAutofit/>
           </a:bodyPr>
           <a:lstStyle/>
@@ -8296,7 +8688,7 @@
           </a:ln>
         </p:spPr>
         <p:txBody>
-          <a:bodyPr anchorCtr="0" anchor="t" bIns="91425" lIns="91425" rIns="91425" tIns="91425">
+          <a:bodyPr anchorCtr="0" anchor="t" bIns="91425" lIns="91425" rIns="91425" wrap="square" tIns="91425">
             <a:noAutofit/>
           </a:bodyPr>
           <a:lstStyle/>
@@ -8334,7 +8726,7 @@
           </a:ln>
         </p:spPr>
         <p:txBody>
-          <a:bodyPr anchorCtr="0" anchor="t" bIns="91425" lIns="91425" rIns="91425" tIns="91425">
+          <a:bodyPr anchorCtr="0" anchor="t" bIns="91425" lIns="91425" rIns="91425" wrap="square" tIns="91425">
             <a:noAutofit/>
           </a:bodyPr>
           <a:lstStyle/>
@@ -8397,8 +8789,8 @@
         </p:blipFill>
         <p:spPr>
           <a:xfrm>
-            <a:off x="3546625" y="2419286"/>
-            <a:ext cx="2050725" cy="1390374"/>
+            <a:off x="3546625" y="2419287"/>
+            <a:ext cx="2050725" cy="1390375"/>
           </a:xfrm>
           <a:prstGeom prst="rect">
             <a:avLst/>
@@ -8418,7 +8810,7 @@
 </file>
 
 <file path=ppt/slides/slide7.xml><?xml version="1.0" encoding="utf-8"?>
-<p:sld xmlns:a="http://schemas.openxmlformats.org/drawingml/2006/main" xmlns:r="http://schemas.openxmlformats.org/officeDocument/2006/relationships" xmlns:mc="http://schemas.openxmlformats.org/markup-compatibility/2006" xmlns:mv="urn:schemas-microsoft-com:mac:vml" xmlns:p="http://schemas.openxmlformats.org/presentationml/2006/main" xmlns:c="http://schemas.openxmlformats.org/drawingml/2006/chart" xmlns:dgm="http://schemas.openxmlformats.org/drawingml/2006/diagram" xmlns:o="urn:schemas-microsoft-com:office:office" xmlns:v="urn:schemas-microsoft-com:vml" xmlns:pvml="urn:schemas-microsoft-com:office:powerpoint" xmlns:com="http://schemas.openxmlformats.org/drawingml/2006/compatibility" xmlns:p14="http://schemas.microsoft.com/office/powerpoint/2010/main">
+<p:sld xmlns:a="http://schemas.openxmlformats.org/drawingml/2006/main" xmlns:r="http://schemas.openxmlformats.org/officeDocument/2006/relationships" xmlns:mc="http://schemas.openxmlformats.org/markup-compatibility/2006" xmlns:mv="urn:schemas-microsoft-com:mac:vml" xmlns:p="http://schemas.openxmlformats.org/presentationml/2006/main" xmlns:c="http://schemas.openxmlformats.org/drawingml/2006/chart" xmlns:dgm="http://schemas.openxmlformats.org/drawingml/2006/diagram" xmlns:o="urn:schemas-microsoft-com:office:office" xmlns:v="urn:schemas-microsoft-com:vml" xmlns:pvml="urn:schemas-microsoft-com:office:powerpoint" xmlns:com="http://schemas.openxmlformats.org/drawingml/2006/compatibility" xmlns:p14="http://schemas.microsoft.com/office/powerpoint/2010/main" xmlns:p15="http://schemas.microsoft.com/office/powerpoint/2012/main">
   <p:cSld>
     <p:spTree>
       <p:nvGrpSpPr>
@@ -8454,7 +8846,7 @@
           </a:ln>
         </p:spPr>
         <p:txBody>
-          <a:bodyPr anchorCtr="0" anchor="t" bIns="91425" lIns="91425" rIns="91425" tIns="91425">
+          <a:bodyPr anchorCtr="0" anchor="t" bIns="91425" lIns="91425" rIns="91425" wrap="square" tIns="91425">
             <a:noAutofit/>
           </a:bodyPr>
           <a:lstStyle/>
@@ -8521,7 +8913,7 @@
           </a:ln>
         </p:spPr>
         <p:txBody>
-          <a:bodyPr anchorCtr="0" anchor="t" bIns="91425" lIns="91425" rIns="91425" tIns="91425">
+          <a:bodyPr anchorCtr="0" anchor="t" bIns="91425" lIns="91425" rIns="91425" wrap="square" tIns="91425">
             <a:noAutofit/>
           </a:bodyPr>
           <a:lstStyle/>
@@ -8559,7 +8951,7 @@
           </a:ln>
         </p:spPr>
         <p:txBody>
-          <a:bodyPr anchorCtr="0" anchor="t" bIns="91425" lIns="91425" rIns="91425" tIns="91425">
+          <a:bodyPr anchorCtr="0" anchor="t" bIns="91425" lIns="91425" rIns="91425" wrap="square" tIns="91425">
             <a:noAutofit/>
           </a:bodyPr>
           <a:lstStyle/>
@@ -8632,7 +9024,7 @@
           </a:ln>
         </p:spPr>
         <p:txBody>
-          <a:bodyPr anchorCtr="0" anchor="t" bIns="91425" lIns="91425" rIns="91425" tIns="91425">
+          <a:bodyPr anchorCtr="0" anchor="t" bIns="91425" lIns="91425" rIns="91425" wrap="square" tIns="91425">
             <a:noAutofit/>
           </a:bodyPr>
           <a:lstStyle/>
@@ -8659,7 +9051,7 @@
 </file>
 
 <file path=ppt/slides/slide8.xml><?xml version="1.0" encoding="utf-8"?>
-<p:sld xmlns:a="http://schemas.openxmlformats.org/drawingml/2006/main" xmlns:r="http://schemas.openxmlformats.org/officeDocument/2006/relationships" xmlns:mc="http://schemas.openxmlformats.org/markup-compatibility/2006" xmlns:mv="urn:schemas-microsoft-com:mac:vml" xmlns:p="http://schemas.openxmlformats.org/presentationml/2006/main" xmlns:c="http://schemas.openxmlformats.org/drawingml/2006/chart" xmlns:dgm="http://schemas.openxmlformats.org/drawingml/2006/diagram" xmlns:o="urn:schemas-microsoft-com:office:office" xmlns:v="urn:schemas-microsoft-com:vml" xmlns:pvml="urn:schemas-microsoft-com:office:powerpoint" xmlns:com="http://schemas.openxmlformats.org/drawingml/2006/compatibility" xmlns:p14="http://schemas.microsoft.com/office/powerpoint/2010/main">
+<p:sld xmlns:a="http://schemas.openxmlformats.org/drawingml/2006/main" xmlns:r="http://schemas.openxmlformats.org/officeDocument/2006/relationships" xmlns:mc="http://schemas.openxmlformats.org/markup-compatibility/2006" xmlns:mv="urn:schemas-microsoft-com:mac:vml" xmlns:p="http://schemas.openxmlformats.org/presentationml/2006/main" xmlns:c="http://schemas.openxmlformats.org/drawingml/2006/chart" xmlns:dgm="http://schemas.openxmlformats.org/drawingml/2006/diagram" xmlns:o="urn:schemas-microsoft-com:office:office" xmlns:v="urn:schemas-microsoft-com:vml" xmlns:pvml="urn:schemas-microsoft-com:office:powerpoint" xmlns:com="http://schemas.openxmlformats.org/drawingml/2006/compatibility" xmlns:p14="http://schemas.microsoft.com/office/powerpoint/2010/main" xmlns:p15="http://schemas.microsoft.com/office/powerpoint/2012/main">
   <p:cSld>
     <p:spTree>
       <p:nvGrpSpPr>
@@ -8680,25 +9072,25 @@
           <p:cNvPr id="94" name="Shape 94"/>
           <p:cNvSpPr txBox="1"/>
           <p:nvPr>
-            <p:ph type="title"/>
+            <p:ph idx="1" type="subTitle"/>
           </p:nvPr>
         </p:nvSpPr>
         <p:spPr>
           <a:xfrm>
-            <a:off x="457200" y="274637"/>
-            <a:ext cx="8229600" cy="1522199"/>
-          </a:xfrm>
-          <a:prstGeom prst="rect">
-            <a:avLst/>
-          </a:prstGeom>
-        </p:spPr>
-        <p:txBody>
-          <a:bodyPr anchorCtr="0" anchor="b" bIns="91425" lIns="91425" rIns="91425" tIns="91425">
+            <a:off x="685800" y="4124476"/>
+            <a:ext cx="7772400" cy="949800"/>
+          </a:xfrm>
+          <a:prstGeom prst="rect">
+            <a:avLst/>
+          </a:prstGeom>
+        </p:spPr>
+        <p:txBody>
+          <a:bodyPr anchorCtr="0" anchor="ctr" bIns="91425" lIns="91425" rIns="91425" wrap="square" tIns="91425">
             <a:noAutofit/>
           </a:bodyPr>
           <a:lstStyle/>
           <a:p>
-            <a:pPr lvl="0">
+            <a:pPr lvl="0" rtl="0">
               <a:spcBef>
                 <a:spcPts val="0"/>
               </a:spcBef>
@@ -8706,53 +9098,7 @@
             </a:pPr>
             <a:r>
               <a:rPr lang="en"/>
-              <a:t>What does an algorithm needs? - Input</a:t>
-            </a:r>
-          </a:p>
-        </p:txBody>
-      </p:sp>
-      <p:sp>
-        <p:nvSpPr>
-          <p:cNvPr id="95" name="Shape 95"/>
-          <p:cNvSpPr txBox="1"/>
-          <p:nvPr>
-            <p:ph idx="1" type="body"/>
-          </p:nvPr>
-        </p:nvSpPr>
-        <p:spPr>
-          <a:xfrm>
-            <a:off x="457200" y="1947332"/>
-            <a:ext cx="8229600" cy="4620300"/>
-          </a:xfrm>
-          <a:prstGeom prst="rect">
-            <a:avLst/>
-          </a:prstGeom>
-        </p:spPr>
-        <p:txBody>
-          <a:bodyPr anchorCtr="0" anchor="t" bIns="91425" lIns="91425" rIns="91425" tIns="91425">
-            <a:noAutofit/>
-          </a:bodyPr>
-          <a:lstStyle/>
-          <a:p>
-            <a:pPr indent="-228600" lvl="0" marL="457200" rtl="0">
-              <a:spcBef>
-                <a:spcPts val="0"/>
-              </a:spcBef>
-            </a:pPr>
-            <a:r>
-              <a:rPr lang="en"/>
-              <a:t>INPUT Specification:</a:t>
-            </a:r>
-          </a:p>
-          <a:p>
-            <a:pPr indent="-228600" lvl="0" marL="457200">
-              <a:spcBef>
-                <a:spcPts val="0"/>
-              </a:spcBef>
-            </a:pPr>
-            <a:r>
-              <a:rPr lang="en"/>
-              <a:t>INPUT Specification (for computational algorithms):</a:t>
+              <a:t>¿Qué necesita un algoritmo?</a:t>
             </a:r>
           </a:p>
         </p:txBody>
@@ -8766,11 +9112,11 @@
 </file>
 
 <file path=ppt/slides/slide9.xml><?xml version="1.0" encoding="utf-8"?>
-<p:sld xmlns:a="http://schemas.openxmlformats.org/drawingml/2006/main" xmlns:r="http://schemas.openxmlformats.org/officeDocument/2006/relationships" xmlns:mc="http://schemas.openxmlformats.org/markup-compatibility/2006" xmlns:mv="urn:schemas-microsoft-com:mac:vml" xmlns:p="http://schemas.openxmlformats.org/presentationml/2006/main" xmlns:c="http://schemas.openxmlformats.org/drawingml/2006/chart" xmlns:dgm="http://schemas.openxmlformats.org/drawingml/2006/diagram" xmlns:o="urn:schemas-microsoft-com:office:office" xmlns:v="urn:schemas-microsoft-com:vml" xmlns:pvml="urn:schemas-microsoft-com:office:powerpoint" xmlns:com="http://schemas.openxmlformats.org/drawingml/2006/compatibility" xmlns:p14="http://schemas.microsoft.com/office/powerpoint/2010/main">
+<p:sld xmlns:a="http://schemas.openxmlformats.org/drawingml/2006/main" xmlns:r="http://schemas.openxmlformats.org/officeDocument/2006/relationships" xmlns:mc="http://schemas.openxmlformats.org/markup-compatibility/2006" xmlns:mv="urn:schemas-microsoft-com:mac:vml" xmlns:p="http://schemas.openxmlformats.org/presentationml/2006/main" xmlns:c="http://schemas.openxmlformats.org/drawingml/2006/chart" xmlns:dgm="http://schemas.openxmlformats.org/drawingml/2006/diagram" xmlns:o="urn:schemas-microsoft-com:office:office" xmlns:v="urn:schemas-microsoft-com:vml" xmlns:pvml="urn:schemas-microsoft-com:office:powerpoint" xmlns:com="http://schemas.openxmlformats.org/drawingml/2006/compatibility" xmlns:p14="http://schemas.microsoft.com/office/powerpoint/2010/main" xmlns:p15="http://schemas.microsoft.com/office/powerpoint/2012/main">
   <p:cSld>
     <p:spTree>
       <p:nvGrpSpPr>
-        <p:cNvPr id="99" name="Shape 99"/>
+        <p:cNvPr id="98" name="Shape 98"/>
         <p:cNvGrpSpPr/>
         <p:nvPr/>
       </p:nvGrpSpPr>
@@ -8784,7 +9130,7 @@
       </p:grpSpPr>
       <p:sp>
         <p:nvSpPr>
-          <p:cNvPr id="100" name="Shape 100"/>
+          <p:cNvPr id="99" name="Shape 99"/>
           <p:cNvSpPr txBox="1"/>
           <p:nvPr>
             <p:ph type="title"/>
@@ -8793,19 +9139,19 @@
         <p:spPr>
           <a:xfrm>
             <a:off x="457200" y="274637"/>
-            <a:ext cx="8229600" cy="1522199"/>
-          </a:xfrm>
-          <a:prstGeom prst="rect">
-            <a:avLst/>
-          </a:prstGeom>
-        </p:spPr>
-        <p:txBody>
-          <a:bodyPr anchorCtr="0" anchor="b" bIns="91425" lIns="91425" rIns="91425" tIns="91425">
+            <a:ext cx="8229600" cy="1522200"/>
+          </a:xfrm>
+          <a:prstGeom prst="rect">
+            <a:avLst/>
+          </a:prstGeom>
+        </p:spPr>
+        <p:txBody>
+          <a:bodyPr anchorCtr="0" anchor="b" bIns="91425" lIns="91425" rIns="91425" wrap="square" tIns="91425">
             <a:noAutofit/>
           </a:bodyPr>
           <a:lstStyle/>
           <a:p>
-            <a:pPr lvl="0" rtl="0">
+            <a:pPr lvl="0">
               <a:spcBef>
                 <a:spcPts val="0"/>
               </a:spcBef>
@@ -8813,14 +9159,14 @@
             </a:pPr>
             <a:r>
               <a:rPr lang="en"/>
-              <a:t>What does an algorithm needs? - Process</a:t>
-            </a:r>
-          </a:p>
-        </p:txBody>
-      </p:sp>
-      <p:sp>
-        <p:nvSpPr>
-          <p:cNvPr id="101" name="Shape 101"/>
+              <a:t>¿Qué necesita un algoritmo? INPUT</a:t>
+            </a:r>
+          </a:p>
+        </p:txBody>
+      </p:sp>
+      <p:sp>
+        <p:nvSpPr>
+          <p:cNvPr id="100" name="Shape 100"/>
           <p:cNvSpPr txBox="1"/>
           <p:nvPr>
             <p:ph idx="1" type="body"/>
@@ -8836,7 +9182,7 @@
           </a:prstGeom>
         </p:spPr>
         <p:txBody>
-          <a:bodyPr anchorCtr="0" anchor="t" bIns="91425" lIns="91425" rIns="91425" tIns="91425">
+          <a:bodyPr anchorCtr="0" anchor="t" bIns="91425" lIns="91425" rIns="91425" wrap="square" tIns="91425">
             <a:noAutofit/>
           </a:bodyPr>
           <a:lstStyle/>
@@ -8848,163 +9194,19 @@
             </a:pPr>
             <a:r>
               <a:rPr lang="en"/>
-              <a:t>An algorithm requires clear and precisely stated steps that express how to perform the operations.</a:t>
-            </a:r>
-          </a:p>
-          <a:p>
-            <a:pPr indent="-228600" lvl="0" marL="457200" rtl="0">
+              <a:t>Especificación de entrada - INPUT</a:t>
+            </a:r>
+          </a:p>
+          <a:p>
+            <a:pPr indent="-228600" lvl="1" marL="914400">
               <a:spcBef>
                 <a:spcPts val="0"/>
               </a:spcBef>
             </a:pPr>
             <a:r>
               <a:rPr lang="en"/>
-              <a:t>Algorithms assumes that basic set of primitive operations are understood by the executor of the algorithm.</a:t>
-            </a:r>
-          </a:p>
-          <a:p>
-            <a:pPr indent="-228600" lvl="1" marL="914400" rtl="0">
-              <a:spcBef>
-                <a:spcPts val="0"/>
-              </a:spcBef>
-            </a:pPr>
-            <a:r>
-              <a:rPr lang="en"/>
-              <a:t>Recipes: beat, stir, blend, bake, etc.</a:t>
-            </a:r>
-          </a:p>
-          <a:p>
-            <a:pPr indent="-228600" lvl="1" marL="914400" rtl="0">
-              <a:spcBef>
-                <a:spcPts val="0"/>
-              </a:spcBef>
-            </a:pPr>
-            <a:r>
-              <a:rPr lang="en"/>
-              <a:t>Computational: add, set, mod, etc.</a:t>
-            </a:r>
-          </a:p>
-          <a:p>
-            <a:pPr indent="-228600" lvl="0" marL="457200">
-              <a:lnSpc>
-                <a:spcPct val="115000"/>
-              </a:lnSpc>
-              <a:spcBef>
-                <a:spcPts val="0"/>
-              </a:spcBef>
-              <a:buClr>
-                <a:schemeClr val="dk1"/>
-              </a:buClr>
-              <a:buSzPct val="100000"/>
-              <a:buNone/>
-            </a:pPr>
-            <a:r>
-              <a:rPr lang="en" sz="1100">
-                <a:solidFill>
-                  <a:schemeClr val="dk1"/>
-                </a:solidFill>
-              </a:rPr>
-              <a:t>							</a:t>
-            </a:r>
-          </a:p>
-          <a:p>
-            <a:pPr lvl="0">
-              <a:lnSpc>
-                <a:spcPct val="115000"/>
-              </a:lnSpc>
-              <a:spcBef>
-                <a:spcPts val="0"/>
-              </a:spcBef>
-              <a:buClr>
-                <a:schemeClr val="dk1"/>
-              </a:buClr>
-              <a:buSzPct val="100000"/>
-              <a:buFont typeface="Arial"/>
-              <a:buNone/>
-            </a:pPr>
-            <a:r>
-              <a:rPr lang="en" sz="1100">
-                <a:solidFill>
-                  <a:schemeClr val="dk1"/>
-                </a:solidFill>
-              </a:rPr>
-              <a:t>						 					</a:t>
-            </a:r>
-          </a:p>
-          <a:p>
-            <a:pPr lvl="0">
-              <a:spcBef>
-                <a:spcPts val="0"/>
-              </a:spcBef>
-              <a:buClr>
-                <a:schemeClr val="dk1"/>
-              </a:buClr>
-              <a:buSzPct val="100000"/>
-              <a:buFont typeface="Arial"/>
-              <a:buNone/>
-            </a:pPr>
-            <a:r>
-              <a:rPr lang="en" sz="1100">
-                <a:solidFill>
-                  <a:schemeClr val="dk1"/>
-                </a:solidFill>
-              </a:rPr>
-              <a:t>				</a:t>
-            </a:r>
-          </a:p>
-          <a:p>
-            <a:pPr lvl="0">
-              <a:spcBef>
-                <a:spcPts val="0"/>
-              </a:spcBef>
-              <a:buClr>
-                <a:schemeClr val="dk1"/>
-              </a:buClr>
-              <a:buSzPct val="100000"/>
-              <a:buFont typeface="Arial"/>
-              <a:buNone/>
-            </a:pPr>
-            <a:r>
-              <a:rPr lang="en" sz="1100">
-                <a:solidFill>
-                  <a:schemeClr val="dk1"/>
-                </a:solidFill>
-              </a:rPr>
-              <a:t>			</a:t>
-            </a:r>
-          </a:p>
-          <a:p>
-            <a:pPr lvl="0">
-              <a:spcBef>
-                <a:spcPts val="0"/>
-              </a:spcBef>
-              <a:buClr>
-                <a:schemeClr val="dk1"/>
-              </a:buClr>
-              <a:buSzPct val="100000"/>
-              <a:buFont typeface="Arial"/>
-              <a:buNone/>
-            </a:pPr>
-            <a:r>
-              <a:rPr lang="en" sz="1100">
-                <a:solidFill>
-                  <a:schemeClr val="dk1"/>
-                </a:solidFill>
-              </a:rPr>
-              <a:t>		</a:t>
-            </a:r>
-          </a:p>
-          <a:p>
-            <a:pPr lvl="0" rtl="0">
-              <a:spcBef>
-                <a:spcPts val="0"/>
-              </a:spcBef>
-              <a:buNone/>
-            </a:pPr>
-            <a:r>
-              <a:t/>
-            </a:r>
-            <a:endParaRPr/>
+              <a:t>Ingredientes: Huevo, harina, etc. </a:t>
+            </a:r>
           </a:p>
         </p:txBody>
       </p:sp>
@@ -9017,7 +9219,7 @@
 </file>
 
 <file path=ppt/theme/theme1.xml><?xml version="1.0" encoding="utf-8"?>
-<a:theme xmlns:a="http://schemas.openxmlformats.org/drawingml/2006/main" xmlns:r="http://schemas.openxmlformats.org/officeDocument/2006/relationships" name="Custom Theme">
+<a:theme xmlns:a="http://schemas.openxmlformats.org/drawingml/2006/main" xmlns:r="http://schemas.openxmlformats.org/officeDocument/2006/relationships" name="Modern">
   <a:themeElements>
     <a:clrScheme name="Custom 348">
       <a:dk1>
